--- a/slides/11401/Introduction to Computer/CH09.pptx
+++ b/slides/11401/Introduction to Computer/CH09.pptx
@@ -5,10 +5,10 @@
     <p:sldMasterId id="2147483648" r:id="rId1"/>
   </p:sldMasterIdLst>
   <p:notesMasterIdLst>
-    <p:notesMasterId r:id="rId126"/>
+    <p:notesMasterId r:id="rId124"/>
   </p:notesMasterIdLst>
   <p:handoutMasterIdLst>
-    <p:handoutMasterId r:id="rId127"/>
+    <p:handoutMasterId r:id="rId125"/>
   </p:handoutMasterIdLst>
   <p:sldIdLst>
     <p:sldId id="256" r:id="rId2"/>
@@ -54,87 +54,85 @@
     <p:sldId id="377" r:id="rId42"/>
     <p:sldId id="364" r:id="rId43"/>
     <p:sldId id="386" r:id="rId44"/>
-    <p:sldId id="276" r:id="rId45"/>
-    <p:sldId id="345" r:id="rId46"/>
-    <p:sldId id="277" r:id="rId47"/>
-    <p:sldId id="387" r:id="rId48"/>
-    <p:sldId id="278" r:id="rId49"/>
-    <p:sldId id="346" r:id="rId50"/>
-    <p:sldId id="388" r:id="rId51"/>
-    <p:sldId id="279" r:id="rId52"/>
-    <p:sldId id="280" r:id="rId53"/>
-    <p:sldId id="281" r:id="rId54"/>
-    <p:sldId id="282" r:id="rId55"/>
-    <p:sldId id="347" r:id="rId56"/>
-    <p:sldId id="283" r:id="rId57"/>
-    <p:sldId id="284" r:id="rId58"/>
-    <p:sldId id="285" r:id="rId59"/>
-    <p:sldId id="286" r:id="rId60"/>
-    <p:sldId id="287" r:id="rId61"/>
-    <p:sldId id="389" r:id="rId62"/>
-    <p:sldId id="288" r:id="rId63"/>
-    <p:sldId id="390" r:id="rId64"/>
-    <p:sldId id="289" r:id="rId65"/>
-    <p:sldId id="391" r:id="rId66"/>
-    <p:sldId id="290" r:id="rId67"/>
-    <p:sldId id="348" r:id="rId68"/>
-    <p:sldId id="349" r:id="rId69"/>
-    <p:sldId id="291" r:id="rId70"/>
-    <p:sldId id="292" r:id="rId71"/>
-    <p:sldId id="293" r:id="rId72"/>
-    <p:sldId id="392" r:id="rId73"/>
-    <p:sldId id="350" r:id="rId74"/>
-    <p:sldId id="294" r:id="rId75"/>
-    <p:sldId id="393" r:id="rId76"/>
-    <p:sldId id="295" r:id="rId77"/>
-    <p:sldId id="296" r:id="rId78"/>
-    <p:sldId id="394" r:id="rId79"/>
-    <p:sldId id="297" r:id="rId80"/>
-    <p:sldId id="298" r:id="rId81"/>
-    <p:sldId id="351" r:id="rId82"/>
-    <p:sldId id="299" r:id="rId83"/>
-    <p:sldId id="301" r:id="rId84"/>
-    <p:sldId id="302" r:id="rId85"/>
-    <p:sldId id="395" r:id="rId86"/>
-    <p:sldId id="352" r:id="rId87"/>
-    <p:sldId id="365" r:id="rId88"/>
-    <p:sldId id="366" r:id="rId89"/>
-    <p:sldId id="367" r:id="rId90"/>
-    <p:sldId id="368" r:id="rId91"/>
-    <p:sldId id="374" r:id="rId92"/>
-    <p:sldId id="356" r:id="rId93"/>
-    <p:sldId id="311" r:id="rId94"/>
-    <p:sldId id="378" r:id="rId95"/>
-    <p:sldId id="312" r:id="rId96"/>
-    <p:sldId id="313" r:id="rId97"/>
-    <p:sldId id="314" r:id="rId98"/>
-    <p:sldId id="315" r:id="rId99"/>
-    <p:sldId id="316" r:id="rId100"/>
-    <p:sldId id="318" r:id="rId101"/>
-    <p:sldId id="317" r:id="rId102"/>
-    <p:sldId id="357" r:id="rId103"/>
-    <p:sldId id="319" r:id="rId104"/>
-    <p:sldId id="320" r:id="rId105"/>
-    <p:sldId id="321" r:id="rId106"/>
-    <p:sldId id="322" r:id="rId107"/>
-    <p:sldId id="396" r:id="rId108"/>
-    <p:sldId id="358" r:id="rId109"/>
-    <p:sldId id="323" r:id="rId110"/>
-    <p:sldId id="324" r:id="rId111"/>
-    <p:sldId id="325" r:id="rId112"/>
-    <p:sldId id="326" r:id="rId113"/>
-    <p:sldId id="359" r:id="rId114"/>
-    <p:sldId id="327" r:id="rId115"/>
-    <p:sldId id="328" r:id="rId116"/>
-    <p:sldId id="329" r:id="rId117"/>
-    <p:sldId id="330" r:id="rId118"/>
-    <p:sldId id="397" r:id="rId119"/>
-    <p:sldId id="360" r:id="rId120"/>
-    <p:sldId id="331" r:id="rId121"/>
-    <p:sldId id="332" r:id="rId122"/>
-    <p:sldId id="333" r:id="rId123"/>
-    <p:sldId id="370" r:id="rId124"/>
-    <p:sldId id="398" r:id="rId125"/>
+    <p:sldId id="345" r:id="rId45"/>
+    <p:sldId id="277" r:id="rId46"/>
+    <p:sldId id="387" r:id="rId47"/>
+    <p:sldId id="278" r:id="rId48"/>
+    <p:sldId id="346" r:id="rId49"/>
+    <p:sldId id="388" r:id="rId50"/>
+    <p:sldId id="279" r:id="rId51"/>
+    <p:sldId id="280" r:id="rId52"/>
+    <p:sldId id="281" r:id="rId53"/>
+    <p:sldId id="282" r:id="rId54"/>
+    <p:sldId id="347" r:id="rId55"/>
+    <p:sldId id="283" r:id="rId56"/>
+    <p:sldId id="284" r:id="rId57"/>
+    <p:sldId id="285" r:id="rId58"/>
+    <p:sldId id="286" r:id="rId59"/>
+    <p:sldId id="287" r:id="rId60"/>
+    <p:sldId id="389" r:id="rId61"/>
+    <p:sldId id="288" r:id="rId62"/>
+    <p:sldId id="390" r:id="rId63"/>
+    <p:sldId id="289" r:id="rId64"/>
+    <p:sldId id="391" r:id="rId65"/>
+    <p:sldId id="290" r:id="rId66"/>
+    <p:sldId id="348" r:id="rId67"/>
+    <p:sldId id="349" r:id="rId68"/>
+    <p:sldId id="291" r:id="rId69"/>
+    <p:sldId id="292" r:id="rId70"/>
+    <p:sldId id="293" r:id="rId71"/>
+    <p:sldId id="392" r:id="rId72"/>
+    <p:sldId id="350" r:id="rId73"/>
+    <p:sldId id="294" r:id="rId74"/>
+    <p:sldId id="393" r:id="rId75"/>
+    <p:sldId id="295" r:id="rId76"/>
+    <p:sldId id="296" r:id="rId77"/>
+    <p:sldId id="394" r:id="rId78"/>
+    <p:sldId id="297" r:id="rId79"/>
+    <p:sldId id="298" r:id="rId80"/>
+    <p:sldId id="351" r:id="rId81"/>
+    <p:sldId id="299" r:id="rId82"/>
+    <p:sldId id="301" r:id="rId83"/>
+    <p:sldId id="302" r:id="rId84"/>
+    <p:sldId id="395" r:id="rId85"/>
+    <p:sldId id="352" r:id="rId86"/>
+    <p:sldId id="365" r:id="rId87"/>
+    <p:sldId id="366" r:id="rId88"/>
+    <p:sldId id="367" r:id="rId89"/>
+    <p:sldId id="368" r:id="rId90"/>
+    <p:sldId id="374" r:id="rId91"/>
+    <p:sldId id="356" r:id="rId92"/>
+    <p:sldId id="311" r:id="rId93"/>
+    <p:sldId id="378" r:id="rId94"/>
+    <p:sldId id="312" r:id="rId95"/>
+    <p:sldId id="313" r:id="rId96"/>
+    <p:sldId id="314" r:id="rId97"/>
+    <p:sldId id="315" r:id="rId98"/>
+    <p:sldId id="316" r:id="rId99"/>
+    <p:sldId id="318" r:id="rId100"/>
+    <p:sldId id="317" r:id="rId101"/>
+    <p:sldId id="357" r:id="rId102"/>
+    <p:sldId id="319" r:id="rId103"/>
+    <p:sldId id="320" r:id="rId104"/>
+    <p:sldId id="321" r:id="rId105"/>
+    <p:sldId id="322" r:id="rId106"/>
+    <p:sldId id="396" r:id="rId107"/>
+    <p:sldId id="358" r:id="rId108"/>
+    <p:sldId id="323" r:id="rId109"/>
+    <p:sldId id="324" r:id="rId110"/>
+    <p:sldId id="325" r:id="rId111"/>
+    <p:sldId id="326" r:id="rId112"/>
+    <p:sldId id="359" r:id="rId113"/>
+    <p:sldId id="327" r:id="rId114"/>
+    <p:sldId id="328" r:id="rId115"/>
+    <p:sldId id="329" r:id="rId116"/>
+    <p:sldId id="330" r:id="rId117"/>
+    <p:sldId id="360" r:id="rId118"/>
+    <p:sldId id="331" r:id="rId119"/>
+    <p:sldId id="332" r:id="rId120"/>
+    <p:sldId id="333" r:id="rId121"/>
+    <p:sldId id="370" r:id="rId122"/>
+    <p:sldId id="398" r:id="rId123"/>
   </p:sldIdLst>
   <p:sldSz cx="9144000" cy="5143500" type="screen16x9"/>
   <p:notesSz cx="6858000" cy="9144000"/>
@@ -235,7 +233,7 @@
   </p:defaultTextStyle>
   <p:extLst>
     <p:ext uri="{EFAFB233-063F-42B5-8137-9DF3F51BA10A}">
-      <p15:sldGuideLst xmlns:p15="http://schemas.microsoft.com/office/powerpoint/2012/main" xmlns="">
+      <p15:sldGuideLst xmlns="" xmlns:p15="http://schemas.microsoft.com/office/powerpoint/2012/main">
         <p15:guide id="1" orient="horz" pos="2160">
           <p15:clr>
             <a:srgbClr val="A4A3A4"/>
@@ -249,7 +247,7 @@
       </p15:sldGuideLst>
     </p:ext>
     <p:ext uri="{2D200454-40CA-4A62-9FC3-DE9A4176ACB9}">
-      <p15:notesGuideLst xmlns:p15="http://schemas.microsoft.com/office/powerpoint/2012/main" xmlns=""/>
+      <p15:notesGuideLst xmlns="" xmlns:p15="http://schemas.microsoft.com/office/powerpoint/2012/main"/>
     </p:ext>
   </p:extLst>
 </p:presentation>
@@ -2145,8 +2143,8 @@
     <dgm:cxn modelId="{BA1E8143-ACBA-462E-B5EC-F747382CD818}" type="presOf" srcId="{C0829031-DBB2-4F3C-90CD-F94203C6B948}" destId="{0DFD559D-153A-46EC-9ADC-943516AD4168}" srcOrd="0" destOrd="0" presId="urn:microsoft.com/office/officeart/2005/8/layout/vList2"/>
     <dgm:cxn modelId="{A1018EB2-6A15-41AB-A31F-7493C3545C2D}" srcId="{2A4779A9-D09E-4012-ABB8-344EF01DD2A9}" destId="{569F0439-4307-42D7-A596-121EB4064CEF}" srcOrd="2" destOrd="0" parTransId="{530B9A86-9E59-4906-A3F5-C3B01746A758}" sibTransId="{008CDDFF-034E-4754-ACAB-767EFC27DC7E}"/>
     <dgm:cxn modelId="{C033E532-8B0A-4DA9-B1C6-55AF8BB6FD64}" type="presOf" srcId="{569F0439-4307-42D7-A596-121EB4064CEF}" destId="{53624BA5-4BED-4AE6-B79E-4259A1572F89}" srcOrd="0" destOrd="0" presId="urn:microsoft.com/office/officeart/2005/8/layout/vList2"/>
+    <dgm:cxn modelId="{E186BA02-E3BC-46C4-AC9C-E376335310AE}" type="presOf" srcId="{9EF4BABF-E153-4D16-BA40-CC2A56157FBC}" destId="{613CD696-2C65-4A9F-8605-BB273B550A4A}" srcOrd="0" destOrd="0" presId="urn:microsoft.com/office/officeart/2005/8/layout/vList2"/>
     <dgm:cxn modelId="{AE3E59F9-C535-4388-AB8F-AFDF65374A9D}" srcId="{2A4779A9-D09E-4012-ABB8-344EF01DD2A9}" destId="{C0829031-DBB2-4F3C-90CD-F94203C6B948}" srcOrd="1" destOrd="0" parTransId="{063ED5EF-72BA-4ECD-BAF3-E16754D34E78}" sibTransId="{65FA31AD-B3E6-4E6E-B2A9-1B41BEDC8E48}"/>
-    <dgm:cxn modelId="{E186BA02-E3BC-46C4-AC9C-E376335310AE}" type="presOf" srcId="{9EF4BABF-E153-4D16-BA40-CC2A56157FBC}" destId="{613CD696-2C65-4A9F-8605-BB273B550A4A}" srcOrd="0" destOrd="0" presId="urn:microsoft.com/office/officeart/2005/8/layout/vList2"/>
     <dgm:cxn modelId="{0FD81E61-289F-4C51-B0C6-82A0AC05F3A6}" type="presOf" srcId="{B7E5FA51-0DF5-4B13-9BAE-05B4872A4315}" destId="{5ED01E92-68A6-4827-80BA-68AB2C793231}" srcOrd="0" destOrd="0" presId="urn:microsoft.com/office/officeart/2005/8/layout/vList2"/>
     <dgm:cxn modelId="{829B59C8-1174-4C3E-8EBC-316599EF945D}" type="presOf" srcId="{2A4779A9-D09E-4012-ABB8-344EF01DD2A9}" destId="{8A766A2D-5A9F-4E9E-B667-CCEE38A9AC6B}" srcOrd="0" destOrd="0" presId="urn:microsoft.com/office/officeart/2005/8/layout/vList2"/>
     <dgm:cxn modelId="{3E65A925-C9EF-4740-A236-4E9A3AAFD4CE}" srcId="{2A4779A9-D09E-4012-ABB8-344EF01DD2A9}" destId="{9EF4BABF-E153-4D16-BA40-CC2A56157FBC}" srcOrd="3" destOrd="0" parTransId="{FE3B4980-BFED-4760-AE27-22FBE0A45BC4}" sibTransId="{B74505A8-51B1-4DA8-866E-5EA281150727}"/>
@@ -3004,27 +3002,27 @@
     </dgm:pt>
   </dgm:ptLst>
   <dgm:cxnLst>
+    <dgm:cxn modelId="{48B5AA32-C14E-4FBE-A9E9-B2B180BEEB65}" type="presOf" srcId="{448A68DB-B694-4D1A-8DA1-BE2CE188FD37}" destId="{E4B2918A-FB5C-4AAD-8BAC-9B157099DA61}" srcOrd="0" destOrd="0" presId="urn:microsoft.com/office/officeart/2005/8/layout/vList5"/>
+    <dgm:cxn modelId="{46FAE5C5-19AF-440A-B455-3FD220E7EBE5}" type="presOf" srcId="{55FA84A9-AB75-4E19-8C48-66DE3486C23C}" destId="{062C64BF-17C7-490B-926A-AD8314CB5F6F}" srcOrd="0" destOrd="0" presId="urn:microsoft.com/office/officeart/2005/8/layout/vList5"/>
+    <dgm:cxn modelId="{53791108-8545-4CDE-97CF-8B289F0ACD56}" srcId="{6EDB4AE3-6576-452C-B7D9-15E2E435FA05}" destId="{5DC4EB0D-7558-4ACC-96DC-92A932CC4F95}" srcOrd="0" destOrd="0" parTransId="{73A094C9-9FAF-4985-92FA-2D6D7C63709F}" sibTransId="{3B4C0633-1147-4440-AFA0-0C1D59D37B52}"/>
+    <dgm:cxn modelId="{5B01CB49-0A52-4270-8647-512777923A37}" type="presOf" srcId="{5DC4EB0D-7558-4ACC-96DC-92A932CC4F95}" destId="{3DB82E89-D230-4B34-AF9C-684F7695711C}" srcOrd="0" destOrd="0" presId="urn:microsoft.com/office/officeart/2005/8/layout/vList5"/>
+    <dgm:cxn modelId="{5A3CAFED-EC9F-4D7A-A037-62845A61D9A7}" type="presOf" srcId="{0C498111-CDBD-47CE-A7C3-47FD0FC0B67B}" destId="{00A06A26-A4FB-4CA6-B5AE-96FAFA3BB913}" srcOrd="0" destOrd="0" presId="urn:microsoft.com/office/officeart/2005/8/layout/vList5"/>
+    <dgm:cxn modelId="{2B97AC7A-21B6-4209-8B7D-B057BA132550}" srcId="{4D9B28DE-9310-43AA-AB4D-5E80AF057C98}" destId="{6EDB4AE3-6576-452C-B7D9-15E2E435FA05}" srcOrd="4" destOrd="0" parTransId="{14B3D955-5D87-4749-9167-588A9A6B6ADB}" sibTransId="{CB55D849-1188-4BEC-B3AF-60530811BA98}"/>
+    <dgm:cxn modelId="{E822FC82-3E1E-44F6-B018-5BFC5D0972B4}" srcId="{55FA84A9-AB75-4E19-8C48-66DE3486C23C}" destId="{5E3CE1BC-1A62-4A68-9D09-AE5C7BF56EB3}" srcOrd="0" destOrd="0" parTransId="{DA2E54B3-6339-4A21-BA9F-9C09CBF388CD}" sibTransId="{E58C2109-9D05-438B-A110-B00CE0744AA7}"/>
+    <dgm:cxn modelId="{D4749A96-5BE2-4C99-9CF3-7B5CEFC10A8B}" type="presOf" srcId="{E043D788-DA4D-48F7-BA81-D8B18C422326}" destId="{94AC6756-C743-4553-9530-D22E20B17785}" srcOrd="0" destOrd="0" presId="urn:microsoft.com/office/officeart/2005/8/layout/vList5"/>
+    <dgm:cxn modelId="{29954E23-1F11-4E54-9270-793E6D372B81}" type="presOf" srcId="{4D9B28DE-9310-43AA-AB4D-5E80AF057C98}" destId="{A08F58C1-1F2F-464D-8E61-30E739C80EF0}" srcOrd="0" destOrd="0" presId="urn:microsoft.com/office/officeart/2005/8/layout/vList5"/>
+    <dgm:cxn modelId="{6A01CC19-D9FD-4E08-BA1A-2FF649BA74B8}" srcId="{4D9B28DE-9310-43AA-AB4D-5E80AF057C98}" destId="{55FA84A9-AB75-4E19-8C48-66DE3486C23C}" srcOrd="1" destOrd="0" parTransId="{D0C4F912-7B2A-460B-9524-4F14543DAC86}" sibTransId="{2DE43521-779F-4169-8A81-AFF0A8D1E0E3}"/>
+    <dgm:cxn modelId="{46180A5E-B448-4795-8686-D7496FC21F35}" type="presOf" srcId="{C5AF1191-0779-4C10-BD84-774A39EE380A}" destId="{4D8BCA3B-19AD-452D-8D80-742C6137C40D}" srcOrd="0" destOrd="0" presId="urn:microsoft.com/office/officeart/2005/8/layout/vList5"/>
+    <dgm:cxn modelId="{422C0F7B-8294-4A2E-82EE-5420A914975E}" type="presOf" srcId="{0F0DE7EE-FCCE-462E-B079-3175AB4662A2}" destId="{4108C361-CC47-4DAA-A845-98160518EC49}" srcOrd="0" destOrd="0" presId="urn:microsoft.com/office/officeart/2005/8/layout/vList5"/>
+    <dgm:cxn modelId="{C18C70E6-4ED3-46B6-A571-144EC02B81B6}" srcId="{4D9B28DE-9310-43AA-AB4D-5E80AF057C98}" destId="{448A68DB-B694-4D1A-8DA1-BE2CE188FD37}" srcOrd="3" destOrd="0" parTransId="{78D72774-6BC2-4E79-8090-97C33BEE26A0}" sibTransId="{A9A1CF71-0325-498A-B203-4DCE78B9868E}"/>
+    <dgm:cxn modelId="{8E80328C-9DD2-4AFF-8ADB-F65DC05C9533}" type="presOf" srcId="{5E3CE1BC-1A62-4A68-9D09-AE5C7BF56EB3}" destId="{3CA162BB-6F59-452F-92E3-3F42F5F6380D}" srcOrd="0" destOrd="0" presId="urn:microsoft.com/office/officeart/2005/8/layout/vList5"/>
+    <dgm:cxn modelId="{66F10FDA-8295-4951-8F27-FD9DB0FA06FC}" srcId="{448A68DB-B694-4D1A-8DA1-BE2CE188FD37}" destId="{E043D788-DA4D-48F7-BA81-D8B18C422326}" srcOrd="0" destOrd="0" parTransId="{BEAB3CC6-CC06-4D0C-8322-673B644FA511}" sibTransId="{D59812EB-D0A1-4486-ADE9-3F31F40282DC}"/>
+    <dgm:cxn modelId="{41C1EC23-B6AB-46A2-852D-62B010BC8CFC}" type="presOf" srcId="{44A13EC8-9A5D-4B3D-BBB3-0B3AF046C973}" destId="{D6047946-8821-4E6A-833D-25533C0F56CD}" srcOrd="0" destOrd="0" presId="urn:microsoft.com/office/officeart/2005/8/layout/vList5"/>
+    <dgm:cxn modelId="{1AB6A1A9-D472-47E3-8CAE-7062BA2E8DAC}" srcId="{4D9B28DE-9310-43AA-AB4D-5E80AF057C98}" destId="{44A13EC8-9A5D-4B3D-BBB3-0B3AF046C973}" srcOrd="2" destOrd="0" parTransId="{39AA05CE-5FEF-468B-A93D-5B76A735C60E}" sibTransId="{5C40B01F-BAD1-419D-9380-39545157184F}"/>
+    <dgm:cxn modelId="{6B4B1CEB-95D5-450F-9458-79E9B1835612}" type="presOf" srcId="{6EDB4AE3-6576-452C-B7D9-15E2E435FA05}" destId="{8AE21098-213F-40C5-8822-572F72E44AFF}" srcOrd="0" destOrd="0" presId="urn:microsoft.com/office/officeart/2005/8/layout/vList5"/>
     <dgm:cxn modelId="{CBF11672-EE94-4EA0-BCA5-69184F2E822E}" srcId="{4D9B28DE-9310-43AA-AB4D-5E80AF057C98}" destId="{C5AF1191-0779-4C10-BD84-774A39EE380A}" srcOrd="0" destOrd="0" parTransId="{906493C7-2B58-4048-8BBF-86FB19F6C9AF}" sibTransId="{B278B8A4-D1F0-4566-B717-435B597656DF}"/>
     <dgm:cxn modelId="{B8ED12C1-2FAC-4FDF-97D3-15BD6A2F74A2}" srcId="{C5AF1191-0779-4C10-BD84-774A39EE380A}" destId="{0C498111-CDBD-47CE-A7C3-47FD0FC0B67B}" srcOrd="0" destOrd="0" parTransId="{CDAB4BC9-5660-4BC4-A33A-EE495D010274}" sibTransId="{2F3CC53B-F80C-43A2-9582-510061B472CD}"/>
-    <dgm:cxn modelId="{6A01CC19-D9FD-4E08-BA1A-2FF649BA74B8}" srcId="{4D9B28DE-9310-43AA-AB4D-5E80AF057C98}" destId="{55FA84A9-AB75-4E19-8C48-66DE3486C23C}" srcOrd="1" destOrd="0" parTransId="{D0C4F912-7B2A-460B-9524-4F14543DAC86}" sibTransId="{2DE43521-779F-4169-8A81-AFF0A8D1E0E3}"/>
-    <dgm:cxn modelId="{5B01CB49-0A52-4270-8647-512777923A37}" type="presOf" srcId="{5DC4EB0D-7558-4ACC-96DC-92A932CC4F95}" destId="{3DB82E89-D230-4B34-AF9C-684F7695711C}" srcOrd="0" destOrd="0" presId="urn:microsoft.com/office/officeart/2005/8/layout/vList5"/>
     <dgm:cxn modelId="{523287DE-1383-4621-899E-BC40102971FE}" srcId="{44A13EC8-9A5D-4B3D-BBB3-0B3AF046C973}" destId="{0F0DE7EE-FCCE-462E-B079-3175AB4662A2}" srcOrd="0" destOrd="0" parTransId="{C8FAEAC4-A1DC-48FC-B801-472E7F8287A2}" sibTransId="{0E19EDDE-0F46-4CCE-889E-6D22594533CE}"/>
-    <dgm:cxn modelId="{2B97AC7A-21B6-4209-8B7D-B057BA132550}" srcId="{4D9B28DE-9310-43AA-AB4D-5E80AF057C98}" destId="{6EDB4AE3-6576-452C-B7D9-15E2E435FA05}" srcOrd="4" destOrd="0" parTransId="{14B3D955-5D87-4749-9167-588A9A6B6ADB}" sibTransId="{CB55D849-1188-4BEC-B3AF-60530811BA98}"/>
-    <dgm:cxn modelId="{5A3CAFED-EC9F-4D7A-A037-62845A61D9A7}" type="presOf" srcId="{0C498111-CDBD-47CE-A7C3-47FD0FC0B67B}" destId="{00A06A26-A4FB-4CA6-B5AE-96FAFA3BB913}" srcOrd="0" destOrd="0" presId="urn:microsoft.com/office/officeart/2005/8/layout/vList5"/>
-    <dgm:cxn modelId="{C18C70E6-4ED3-46B6-A571-144EC02B81B6}" srcId="{4D9B28DE-9310-43AA-AB4D-5E80AF057C98}" destId="{448A68DB-B694-4D1A-8DA1-BE2CE188FD37}" srcOrd="3" destOrd="0" parTransId="{78D72774-6BC2-4E79-8090-97C33BEE26A0}" sibTransId="{A9A1CF71-0325-498A-B203-4DCE78B9868E}"/>
-    <dgm:cxn modelId="{53791108-8545-4CDE-97CF-8B289F0ACD56}" srcId="{6EDB4AE3-6576-452C-B7D9-15E2E435FA05}" destId="{5DC4EB0D-7558-4ACC-96DC-92A932CC4F95}" srcOrd="0" destOrd="0" parTransId="{73A094C9-9FAF-4985-92FA-2D6D7C63709F}" sibTransId="{3B4C0633-1147-4440-AFA0-0C1D59D37B52}"/>
-    <dgm:cxn modelId="{D4749A96-5BE2-4C99-9CF3-7B5CEFC10A8B}" type="presOf" srcId="{E043D788-DA4D-48F7-BA81-D8B18C422326}" destId="{94AC6756-C743-4553-9530-D22E20B17785}" srcOrd="0" destOrd="0" presId="urn:microsoft.com/office/officeart/2005/8/layout/vList5"/>
-    <dgm:cxn modelId="{6B4B1CEB-95D5-450F-9458-79E9B1835612}" type="presOf" srcId="{6EDB4AE3-6576-452C-B7D9-15E2E435FA05}" destId="{8AE21098-213F-40C5-8822-572F72E44AFF}" srcOrd="0" destOrd="0" presId="urn:microsoft.com/office/officeart/2005/8/layout/vList5"/>
-    <dgm:cxn modelId="{E822FC82-3E1E-44F6-B018-5BFC5D0972B4}" srcId="{55FA84A9-AB75-4E19-8C48-66DE3486C23C}" destId="{5E3CE1BC-1A62-4A68-9D09-AE5C7BF56EB3}" srcOrd="0" destOrd="0" parTransId="{DA2E54B3-6339-4A21-BA9F-9C09CBF388CD}" sibTransId="{E58C2109-9D05-438B-A110-B00CE0744AA7}"/>
-    <dgm:cxn modelId="{422C0F7B-8294-4A2E-82EE-5420A914975E}" type="presOf" srcId="{0F0DE7EE-FCCE-462E-B079-3175AB4662A2}" destId="{4108C361-CC47-4DAA-A845-98160518EC49}" srcOrd="0" destOrd="0" presId="urn:microsoft.com/office/officeart/2005/8/layout/vList5"/>
-    <dgm:cxn modelId="{8E80328C-9DD2-4AFF-8ADB-F65DC05C9533}" type="presOf" srcId="{5E3CE1BC-1A62-4A68-9D09-AE5C7BF56EB3}" destId="{3CA162BB-6F59-452F-92E3-3F42F5F6380D}" srcOrd="0" destOrd="0" presId="urn:microsoft.com/office/officeart/2005/8/layout/vList5"/>
-    <dgm:cxn modelId="{46FAE5C5-19AF-440A-B455-3FD220E7EBE5}" type="presOf" srcId="{55FA84A9-AB75-4E19-8C48-66DE3486C23C}" destId="{062C64BF-17C7-490B-926A-AD8314CB5F6F}" srcOrd="0" destOrd="0" presId="urn:microsoft.com/office/officeart/2005/8/layout/vList5"/>
-    <dgm:cxn modelId="{66F10FDA-8295-4951-8F27-FD9DB0FA06FC}" srcId="{448A68DB-B694-4D1A-8DA1-BE2CE188FD37}" destId="{E043D788-DA4D-48F7-BA81-D8B18C422326}" srcOrd="0" destOrd="0" parTransId="{BEAB3CC6-CC06-4D0C-8322-673B644FA511}" sibTransId="{D59812EB-D0A1-4486-ADE9-3F31F40282DC}"/>
-    <dgm:cxn modelId="{41C1EC23-B6AB-46A2-852D-62B010BC8CFC}" type="presOf" srcId="{44A13EC8-9A5D-4B3D-BBB3-0B3AF046C973}" destId="{D6047946-8821-4E6A-833D-25533C0F56CD}" srcOrd="0" destOrd="0" presId="urn:microsoft.com/office/officeart/2005/8/layout/vList5"/>
-    <dgm:cxn modelId="{29954E23-1F11-4E54-9270-793E6D372B81}" type="presOf" srcId="{4D9B28DE-9310-43AA-AB4D-5E80AF057C98}" destId="{A08F58C1-1F2F-464D-8E61-30E739C80EF0}" srcOrd="0" destOrd="0" presId="urn:microsoft.com/office/officeart/2005/8/layout/vList5"/>
-    <dgm:cxn modelId="{48B5AA32-C14E-4FBE-A9E9-B2B180BEEB65}" type="presOf" srcId="{448A68DB-B694-4D1A-8DA1-BE2CE188FD37}" destId="{E4B2918A-FB5C-4AAD-8BAC-9B157099DA61}" srcOrd="0" destOrd="0" presId="urn:microsoft.com/office/officeart/2005/8/layout/vList5"/>
-    <dgm:cxn modelId="{46180A5E-B448-4795-8686-D7496FC21F35}" type="presOf" srcId="{C5AF1191-0779-4C10-BD84-774A39EE380A}" destId="{4D8BCA3B-19AD-452D-8D80-742C6137C40D}" srcOrd="0" destOrd="0" presId="urn:microsoft.com/office/officeart/2005/8/layout/vList5"/>
-    <dgm:cxn modelId="{1AB6A1A9-D472-47E3-8CAE-7062BA2E8DAC}" srcId="{4D9B28DE-9310-43AA-AB4D-5E80AF057C98}" destId="{44A13EC8-9A5D-4B3D-BBB3-0B3AF046C973}" srcOrd="2" destOrd="0" parTransId="{39AA05CE-5FEF-468B-A93D-5B76A735C60E}" sibTransId="{5C40B01F-BAD1-419D-9380-39545157184F}"/>
     <dgm:cxn modelId="{9F667D3E-A5FB-4C89-8788-4976EDC1AFE6}" type="presParOf" srcId="{A08F58C1-1F2F-464D-8E61-30E739C80EF0}" destId="{561C1CFE-169F-4BCB-957F-4208D952B64A}" srcOrd="0" destOrd="0" presId="urn:microsoft.com/office/officeart/2005/8/layout/vList5"/>
     <dgm:cxn modelId="{14F85C67-272F-45A4-963B-68DE17243677}" type="presParOf" srcId="{561C1CFE-169F-4BCB-957F-4208D952B64A}" destId="{4D8BCA3B-19AD-452D-8D80-742C6137C40D}" srcOrd="0" destOrd="0" presId="urn:microsoft.com/office/officeart/2005/8/layout/vList5"/>
     <dgm:cxn modelId="{3EE672F2-C0BF-469C-942A-4341E53CAF40}" type="presParOf" srcId="{561C1CFE-169F-4BCB-957F-4208D952B64A}" destId="{00A06A26-A4FB-4CA6-B5AE-96FAFA3BB913}" srcOrd="1" destOrd="0" presId="urn:microsoft.com/office/officeart/2005/8/layout/vList5"/>
@@ -7357,7 +7355,7 @@
           <a:p>
             <a:fld id="{1A5B13CD-5B19-4525-82CD-3A65567138FB}" type="datetimeFigureOut">
               <a:rPr lang="zh-TW" altLang="en-US" smtClean="0"/>
-              <a:t>2024/6/5</a:t>
+              <a:t>2025/6/16</a:t>
             </a:fld>
             <a:endParaRPr lang="zh-TW" altLang="en-US"/>
           </a:p>
@@ -7522,7 +7520,7 @@
           <a:p>
             <a:fld id="{55EB12AB-0481-4543-9448-EE76391C4D02}" type="datetimeFigureOut">
               <a:rPr lang="zh-TW" altLang="en-US" smtClean="0"/>
-              <a:t>2024/6/5</a:t>
+              <a:t>2025/6/16</a:t>
             </a:fld>
             <a:endParaRPr lang="zh-TW" altLang="en-US"/>
           </a:p>
@@ -17741,175 +17739,6 @@
       </p:grpSpPr>
       <p:sp>
         <p:nvSpPr>
-          <p:cNvPr id="2" name="內容版面配置區 1"/>
-          <p:cNvSpPr>
-            <a:spLocks noGrp="1"/>
-          </p:cNvSpPr>
-          <p:nvPr>
-            <p:ph idx="1"/>
-          </p:nvPr>
-        </p:nvSpPr>
-        <p:spPr>
-          <a:xfrm rot="705517">
-            <a:off x="459745" y="1758701"/>
-            <a:ext cx="2879491" cy="784161"/>
-          </a:xfrm>
-          <a:prstGeom prst="homePlate">
-            <a:avLst/>
-          </a:prstGeom>
-          <a:ln/>
-        </p:spPr>
-        <p:style>
-          <a:lnRef idx="2">
-            <a:schemeClr val="accent5"/>
-          </a:lnRef>
-          <a:fillRef idx="1">
-            <a:schemeClr val="lt1"/>
-          </a:fillRef>
-          <a:effectRef idx="0">
-            <a:schemeClr val="accent5"/>
-          </a:effectRef>
-          <a:fontRef idx="minor">
-            <a:schemeClr val="dk1"/>
-          </a:fontRef>
-        </p:style>
-        <p:txBody>
-          <a:bodyPr>
-            <a:noAutofit/>
-          </a:bodyPr>
-          <a:lstStyle/>
-          <a:p>
-            <a:pPr algn="ctr">
-              <a:lnSpc>
-                <a:spcPct val="110000"/>
-              </a:lnSpc>
-            </a:pPr>
-            <a:r>
-              <a:rPr lang="zh-TW" altLang="en-US" sz="2400" b="1" dirty="0"/>
-              <a:t>程序 </a:t>
-            </a:r>
-            <a:r>
-              <a:rPr lang="en-US" altLang="zh-TW" sz="2400" b="1" dirty="0" err="1"/>
-              <a:t>changehead</a:t>
-            </a:r>
-            <a:r>
-              <a:rPr lang="zh-TW" altLang="en-US" sz="2400" b="1" dirty="0"/>
-              <a:t>的執行步驟示意圖</a:t>
-            </a:r>
-          </a:p>
-          <a:p>
-            <a:pPr algn="ctr">
-              <a:lnSpc>
-                <a:spcPct val="110000"/>
-              </a:lnSpc>
-            </a:pPr>
-            <a:endParaRPr lang="zh-TW" altLang="en-US" sz="2400" b="1" dirty="0"/>
-          </a:p>
-        </p:txBody>
-      </p:sp>
-      <p:pic>
-        <p:nvPicPr>
-          <p:cNvPr id="4" name="Picture 2"/>
-          <p:cNvPicPr>
-            <a:picLocks noChangeAspect="1" noChangeArrowheads="1"/>
-          </p:cNvPicPr>
-          <p:nvPr/>
-        </p:nvPicPr>
-        <p:blipFill>
-          <a:blip r:embed="rId2">
-            <a:extLst>
-              <a:ext uri="{28A0092B-C50C-407E-A947-70E740481C1C}">
-                <a14:useLocalDpi xmlns:a14="http://schemas.microsoft.com/office/drawing/2010/main" val="0"/>
-              </a:ext>
-            </a:extLst>
-          </a:blip>
-          <a:srcRect/>
-          <a:stretch>
-            <a:fillRect/>
-          </a:stretch>
-        </p:blipFill>
-        <p:spPr bwMode="auto">
-          <a:xfrm>
-            <a:off x="3536884" y="727902"/>
-            <a:ext cx="4118701" cy="3798125"/>
-          </a:xfrm>
-          <a:prstGeom prst="rect">
-            <a:avLst/>
-          </a:prstGeom>
-          <a:noFill/>
-          <a:ln>
-            <a:noFill/>
-          </a:ln>
-          <a:effectLst/>
-          <a:extLst>
-            <a:ext uri="{909E8E84-426E-40DD-AFC4-6F175D3DCCD1}">
-              <a14:hiddenFill xmlns:a14="http://schemas.microsoft.com/office/drawing/2010/main">
-                <a:solidFill>
-                  <a:schemeClr val="accent1"/>
-                </a:solidFill>
-              </a14:hiddenFill>
-            </a:ext>
-            <a:ext uri="{91240B29-F687-4F45-9708-019B960494DF}">
-              <a14:hiddenLine xmlns:a14="http://schemas.microsoft.com/office/drawing/2010/main" w="9525">
-                <a:solidFill>
-                  <a:schemeClr val="tx1"/>
-                </a:solidFill>
-                <a:miter lim="800000"/>
-                <a:headEnd/>
-                <a:tailEnd/>
-              </a14:hiddenLine>
-            </a:ext>
-            <a:ext uri="{AF507438-7753-43E0-B8FC-AC1667EBCBE1}">
-              <a14:hiddenEffects xmlns:a14="http://schemas.microsoft.com/office/drawing/2010/main">
-                <a:effectLst>
-                  <a:outerShdw dist="35921" dir="2700000" algn="ctr" rotWithShape="0">
-                    <a:schemeClr val="bg2"/>
-                  </a:outerShdw>
-                </a:effectLst>
-              </a14:hiddenEffects>
-            </a:ext>
-          </a:extLst>
-        </p:spPr>
-      </p:pic>
-    </p:spTree>
-    <p:extLst>
-      <p:ext uri="{BB962C8B-B14F-4D97-AF65-F5344CB8AC3E}">
-        <p14:creationId xmlns:p14="http://schemas.microsoft.com/office/powerpoint/2010/main" val="4070706018"/>
-      </p:ext>
-    </p:extLst>
-  </p:cSld>
-  <p:clrMapOvr>
-    <a:masterClrMapping/>
-  </p:clrMapOvr>
-  <p:timing>
-    <p:tnLst>
-      <p:par>
-        <p:cTn id="1" dur="indefinite" restart="never" nodeType="tmRoot"/>
-      </p:par>
-    </p:tnLst>
-  </p:timing>
-</p:sld>
-</file>
-
-<file path=ppt/slides/slide101.xml><?xml version="1.0" encoding="utf-8"?>
-<p:sld xmlns:a="http://schemas.openxmlformats.org/drawingml/2006/main" xmlns:r="http://schemas.openxmlformats.org/officeDocument/2006/relationships" xmlns:p="http://schemas.openxmlformats.org/presentationml/2006/main">
-  <p:cSld>
-    <p:spTree>
-      <p:nvGrpSpPr>
-        <p:cNvPr id="1" name=""/>
-        <p:cNvGrpSpPr/>
-        <p:nvPr/>
-      </p:nvGrpSpPr>
-      <p:grpSpPr>
-        <a:xfrm>
-          <a:off x="0" y="0"/>
-          <a:ext cx="0" cy="0"/>
-          <a:chOff x="0" y="0"/>
-          <a:chExt cx="0" cy="0"/>
-        </a:xfrm>
-      </p:grpSpPr>
-      <p:sp>
-        <p:nvSpPr>
           <p:cNvPr id="5" name="標題 4"/>
           <p:cNvSpPr>
             <a:spLocks noGrp="1"/>
@@ -18050,7 +17879,7 @@
 </p:sld>
 </file>
 
-<file path=ppt/slides/slide102.xml><?xml version="1.0" encoding="utf-8"?>
+<file path=ppt/slides/slide101.xml><?xml version="1.0" encoding="utf-8"?>
 <p:sld xmlns:a="http://schemas.openxmlformats.org/drawingml/2006/main" xmlns:r="http://schemas.openxmlformats.org/officeDocument/2006/relationships" xmlns:p="http://schemas.openxmlformats.org/presentationml/2006/main">
   <p:cSld>
     <p:spTree>
@@ -18246,7 +18075,7 @@
 </p:sld>
 </file>
 
-<file path=ppt/slides/slide103.xml><?xml version="1.0" encoding="utf-8"?>
+<file path=ppt/slides/slide102.xml><?xml version="1.0" encoding="utf-8"?>
 <p:sld xmlns:a="http://schemas.openxmlformats.org/drawingml/2006/main" xmlns:r="http://schemas.openxmlformats.org/officeDocument/2006/relationships" xmlns:p="http://schemas.openxmlformats.org/presentationml/2006/main">
   <p:cSld>
     <p:spTree>
@@ -18392,7 +18221,7 @@
 </p:sld>
 </file>
 
-<file path=ppt/slides/slide104.xml><?xml version="1.0" encoding="utf-8"?>
+<file path=ppt/slides/slide103.xml><?xml version="1.0" encoding="utf-8"?>
 <p:sld xmlns:a="http://schemas.openxmlformats.org/drawingml/2006/main" xmlns:r="http://schemas.openxmlformats.org/officeDocument/2006/relationships" xmlns:p="http://schemas.openxmlformats.org/presentationml/2006/main">
   <p:cSld>
     <p:spTree>
@@ -18458,34 +18287,14 @@
           <a:p>
             <a:r>
               <a:rPr lang="zh-TW" altLang="en-US" dirty="0" smtClean="0"/>
-              <a:t>撰寫程式</a:t>
-            </a:r>
-            <a:r>
-              <a:rPr lang="zh-TW" altLang="en-US" dirty="0" smtClean="0"/>
-              <a:t>時，必須定義變數用來記錄不同的資料</a:t>
-            </a:r>
-            <a:r>
-              <a:rPr lang="zh-TW" altLang="en-US" dirty="0" smtClean="0"/>
-              <a:t>。</a:t>
+              <a:t>撰寫程式時，必須定義變數用來記錄不同的資料。</a:t>
             </a:r>
             <a:endParaRPr lang="en-US" altLang="zh-TW" dirty="0" smtClean="0"/>
           </a:p>
           <a:p>
             <a:r>
               <a:rPr lang="zh-TW" altLang="en-US" dirty="0" smtClean="0"/>
-              <a:t>根據</a:t>
-            </a:r>
-            <a:r>
-              <a:rPr lang="zh-TW" altLang="en-US" dirty="0" smtClean="0"/>
-              <a:t>變數可被使用的範圍，</a:t>
-            </a:r>
-            <a:r>
-              <a:rPr lang="zh-TW" altLang="en-US" dirty="0" smtClean="0"/>
-              <a:t>可以分為</a:t>
-            </a:r>
-            <a:r>
-              <a:rPr lang="zh-TW" altLang="en-US" dirty="0" smtClean="0"/>
-              <a:t>兩類：</a:t>
+              <a:t>根據變數可被使用的範圍，可以分為兩類：</a:t>
             </a:r>
           </a:p>
           <a:p>
@@ -18504,13 +18313,8 @@
             </a:r>
             <a:r>
               <a:rPr lang="zh-TW" altLang="en-US" dirty="0" smtClean="0"/>
-              <a:t>：能被全部的程式碼</a:t>
-            </a:r>
-            <a:r>
-              <a:rPr lang="zh-TW" altLang="en-US" dirty="0" smtClean="0"/>
-              <a:t>使用。</a:t>
-            </a:r>
-            <a:endParaRPr lang="zh-TW" altLang="en-US" dirty="0" smtClean="0"/>
+              <a:t>：能被全部的程式碼使用。</a:t>
+            </a:r>
           </a:p>
           <a:p>
             <a:pPr lvl="1"/>
@@ -18528,15 +18332,7 @@
             </a:r>
             <a:r>
               <a:rPr lang="zh-TW" altLang="en-US" dirty="0" smtClean="0"/>
-              <a:t>：只能被一部分程式碼</a:t>
-            </a:r>
-            <a:r>
-              <a:rPr lang="zh-TW" altLang="en-US" dirty="0" smtClean="0"/>
-              <a:t>使用，</a:t>
-            </a:r>
-            <a:r>
-              <a:rPr lang="zh-TW" altLang="en-US" dirty="0" smtClean="0"/>
-              <a:t>通常定義在程序中。</a:t>
+              <a:t>：只能被一部分程式碼使用，通常定義在程序中。</a:t>
             </a:r>
           </a:p>
           <a:p>
@@ -18564,7 +18360,7 @@
 </p:sld>
 </file>
 
-<file path=ppt/slides/slide105.xml><?xml version="1.0" encoding="utf-8"?>
+<file path=ppt/slides/slide104.xml><?xml version="1.0" encoding="utf-8"?>
 <p:sld xmlns:a="http://schemas.openxmlformats.org/drawingml/2006/main" xmlns:r="http://schemas.openxmlformats.org/officeDocument/2006/relationships" xmlns:p="http://schemas.openxmlformats.org/presentationml/2006/main">
   <p:cSld>
     <p:spTree>
@@ -18725,7 +18521,7 @@
 </p:sld>
 </file>
 
-<file path=ppt/slides/slide106.xml><?xml version="1.0" encoding="utf-8"?>
+<file path=ppt/slides/slide105.xml><?xml version="1.0" encoding="utf-8"?>
 <p:sld xmlns:a="http://schemas.openxmlformats.org/drawingml/2006/main" xmlns:r="http://schemas.openxmlformats.org/officeDocument/2006/relationships" xmlns:p="http://schemas.openxmlformats.org/presentationml/2006/main">
   <p:cSld>
     <p:spTree>
@@ -18901,6 +18697,123 @@
       </p:par>
     </p:tnLst>
   </p:timing>
+</p:sld>
+</file>
+
+<file path=ppt/slides/slide106.xml><?xml version="1.0" encoding="utf-8"?>
+<p:sld xmlns:a="http://schemas.openxmlformats.org/drawingml/2006/main" xmlns:r="http://schemas.openxmlformats.org/officeDocument/2006/relationships" xmlns:p="http://schemas.openxmlformats.org/presentationml/2006/main">
+  <p:cSld>
+    <p:spTree>
+      <p:nvGrpSpPr>
+        <p:cNvPr id="1" name=""/>
+        <p:cNvGrpSpPr/>
+        <p:nvPr/>
+      </p:nvGrpSpPr>
+      <p:grpSpPr>
+        <a:xfrm>
+          <a:off x="0" y="0"/>
+          <a:ext cx="0" cy="0"/>
+          <a:chOff x="0" y="0"/>
+          <a:chExt cx="0" cy="0"/>
+        </a:xfrm>
+      </p:grpSpPr>
+      <p:sp>
+        <p:nvSpPr>
+          <p:cNvPr id="2" name="標題 1"/>
+          <p:cNvSpPr>
+            <a:spLocks noGrp="1"/>
+          </p:cNvSpPr>
+          <p:nvPr>
+            <p:ph type="title"/>
+          </p:nvPr>
+        </p:nvSpPr>
+        <p:spPr/>
+        <p:txBody>
+          <a:bodyPr/>
+          <a:lstStyle/>
+          <a:p>
+            <a:r>
+              <a:rPr lang="zh-TW" altLang="en-US" dirty="0"/>
+              <a:t>全域變數 </a:t>
+            </a:r>
+            <a:r>
+              <a:rPr lang="en-US" altLang="zh-TW" dirty="0"/>
+              <a:t>VS. </a:t>
+            </a:r>
+            <a:r>
+              <a:rPr lang="zh-TW" altLang="en-US" dirty="0"/>
+              <a:t>局部變數</a:t>
+            </a:r>
+          </a:p>
+        </p:txBody>
+      </p:sp>
+      <p:sp>
+        <p:nvSpPr>
+          <p:cNvPr id="3" name="內容版面配置區 2"/>
+          <p:cNvSpPr>
+            <a:spLocks noGrp="1"/>
+          </p:cNvSpPr>
+          <p:nvPr>
+            <p:ph idx="1"/>
+          </p:nvPr>
+        </p:nvSpPr>
+        <p:spPr/>
+        <p:txBody>
+          <a:bodyPr/>
+          <a:lstStyle/>
+          <a:p>
+            <a:r>
+              <a:rPr lang="zh-TW" altLang="en-US" dirty="0" smtClean="0"/>
+              <a:t>定義</a:t>
+            </a:r>
+            <a:r>
+              <a:rPr lang="zh-TW" altLang="en-US" dirty="0"/>
+              <a:t>在整個程式碼的最前端</a:t>
+            </a:r>
+            <a:r>
+              <a:rPr lang="zh-TW" altLang="en-US" dirty="0" smtClean="0"/>
+              <a:t>，沒有</a:t>
+            </a:r>
+            <a:r>
+              <a:rPr lang="zh-TW" altLang="en-US" dirty="0"/>
+              <a:t>隸屬於哪一個程序，所以任何程序都可以使用它，這樣的變數稱作</a:t>
+            </a:r>
+            <a:r>
+              <a:rPr lang="zh-TW" altLang="en-US" dirty="0">
+                <a:solidFill>
+                  <a:srgbClr val="C00000"/>
+                </a:solidFill>
+              </a:rPr>
+              <a:t>全域變數</a:t>
+            </a:r>
+            <a:r>
+              <a:rPr lang="en-US" altLang="zh-TW" dirty="0"/>
+              <a:t>(global </a:t>
+            </a:r>
+            <a:r>
+              <a:rPr lang="en-US" altLang="zh-TW" dirty="0" smtClean="0"/>
+              <a:t>variable)</a:t>
+            </a:r>
+            <a:r>
+              <a:rPr lang="zh-TW" altLang="en-US" dirty="0"/>
+              <a:t>。</a:t>
+            </a:r>
+          </a:p>
+          <a:p>
+            <a:endParaRPr lang="zh-TW" altLang="en-US" dirty="0"/>
+          </a:p>
+        </p:txBody>
+      </p:sp>
+    </p:spTree>
+    <p:extLst>
+      <p:ext uri="{BB962C8B-B14F-4D97-AF65-F5344CB8AC3E}">
+        <p14:creationId xmlns:p14="http://schemas.microsoft.com/office/powerpoint/2010/main" val="2722909983"/>
+      </p:ext>
+    </p:extLst>
+  </p:cSld>
+  <p:clrMapOvr>
+    <a:masterClrMapping/>
+  </p:clrMapOvr>
 </p:sld>
 </file>
 
@@ -18938,123 +18851,6 @@
           <a:p>
             <a:r>
               <a:rPr lang="zh-TW" altLang="en-US" dirty="0"/>
-              <a:t>全域變數 </a:t>
-            </a:r>
-            <a:r>
-              <a:rPr lang="en-US" altLang="zh-TW" dirty="0"/>
-              <a:t>VS. </a:t>
-            </a:r>
-            <a:r>
-              <a:rPr lang="zh-TW" altLang="en-US" dirty="0"/>
-              <a:t>局部變數</a:t>
-            </a:r>
-          </a:p>
-        </p:txBody>
-      </p:sp>
-      <p:sp>
-        <p:nvSpPr>
-          <p:cNvPr id="3" name="內容版面配置區 2"/>
-          <p:cNvSpPr>
-            <a:spLocks noGrp="1"/>
-          </p:cNvSpPr>
-          <p:nvPr>
-            <p:ph idx="1"/>
-          </p:nvPr>
-        </p:nvSpPr>
-        <p:spPr/>
-        <p:txBody>
-          <a:bodyPr/>
-          <a:lstStyle/>
-          <a:p>
-            <a:r>
-              <a:rPr lang="zh-TW" altLang="en-US" dirty="0" smtClean="0"/>
-              <a:t>定義</a:t>
-            </a:r>
-            <a:r>
-              <a:rPr lang="zh-TW" altLang="en-US" dirty="0"/>
-              <a:t>在整個程式碼的最前端</a:t>
-            </a:r>
-            <a:r>
-              <a:rPr lang="zh-TW" altLang="en-US" dirty="0" smtClean="0"/>
-              <a:t>，沒有</a:t>
-            </a:r>
-            <a:r>
-              <a:rPr lang="zh-TW" altLang="en-US" dirty="0"/>
-              <a:t>隸屬於哪一個程序，所以任何程序都可以使用它，這樣的變數稱作</a:t>
-            </a:r>
-            <a:r>
-              <a:rPr lang="zh-TW" altLang="en-US" dirty="0">
-                <a:solidFill>
-                  <a:srgbClr val="C00000"/>
-                </a:solidFill>
-              </a:rPr>
-              <a:t>全域變數</a:t>
-            </a:r>
-            <a:r>
-              <a:rPr lang="en-US" altLang="zh-TW" dirty="0"/>
-              <a:t>(global </a:t>
-            </a:r>
-            <a:r>
-              <a:rPr lang="en-US" altLang="zh-TW" dirty="0" smtClean="0"/>
-              <a:t>variable)</a:t>
-            </a:r>
-            <a:r>
-              <a:rPr lang="zh-TW" altLang="en-US" dirty="0"/>
-              <a:t>。</a:t>
-            </a:r>
-          </a:p>
-          <a:p>
-            <a:endParaRPr lang="zh-TW" altLang="en-US" dirty="0"/>
-          </a:p>
-        </p:txBody>
-      </p:sp>
-    </p:spTree>
-    <p:extLst>
-      <p:ext uri="{BB962C8B-B14F-4D97-AF65-F5344CB8AC3E}">
-        <p14:creationId xmlns:p14="http://schemas.microsoft.com/office/powerpoint/2010/main" val="2722909983"/>
-      </p:ext>
-    </p:extLst>
-  </p:cSld>
-  <p:clrMapOvr>
-    <a:masterClrMapping/>
-  </p:clrMapOvr>
-</p:sld>
-</file>
-
-<file path=ppt/slides/slide108.xml><?xml version="1.0" encoding="utf-8"?>
-<p:sld xmlns:a="http://schemas.openxmlformats.org/drawingml/2006/main" xmlns:r="http://schemas.openxmlformats.org/officeDocument/2006/relationships" xmlns:p="http://schemas.openxmlformats.org/presentationml/2006/main">
-  <p:cSld>
-    <p:spTree>
-      <p:nvGrpSpPr>
-        <p:cNvPr id="1" name=""/>
-        <p:cNvGrpSpPr/>
-        <p:nvPr/>
-      </p:nvGrpSpPr>
-      <p:grpSpPr>
-        <a:xfrm>
-          <a:off x="0" y="0"/>
-          <a:ext cx="0" cy="0"/>
-          <a:chOff x="0" y="0"/>
-          <a:chExt cx="0" cy="0"/>
-        </a:xfrm>
-      </p:grpSpPr>
-      <p:sp>
-        <p:nvSpPr>
-          <p:cNvPr id="2" name="標題 1"/>
-          <p:cNvSpPr>
-            <a:spLocks noGrp="1"/>
-          </p:cNvSpPr>
-          <p:nvPr>
-            <p:ph type="title"/>
-          </p:nvPr>
-        </p:nvSpPr>
-        <p:spPr/>
-        <p:txBody>
-          <a:bodyPr/>
-          <a:lstStyle/>
-          <a:p>
-            <a:r>
-              <a:rPr lang="zh-TW" altLang="en-US" dirty="0"/>
               <a:t>全域</a:t>
             </a:r>
             <a:r>
@@ -19297,7 +19093,7 @@
 </p:sld>
 </file>
 
-<file path=ppt/slides/slide109.xml><?xml version="1.0" encoding="utf-8"?>
+<file path=ppt/slides/slide108.xml><?xml version="1.0" encoding="utf-8"?>
 <p:sld xmlns:a="http://schemas.openxmlformats.org/drawingml/2006/main" xmlns:r="http://schemas.openxmlformats.org/officeDocument/2006/relationships" xmlns:p="http://schemas.openxmlformats.org/presentationml/2006/main">
   <p:cSld>
     <p:spTree>
@@ -19441,203 +19237,7 @@
 </p:sld>
 </file>
 
-<file path=ppt/slides/slide11.xml><?xml version="1.0" encoding="utf-8"?>
-<p:sld xmlns:a="http://schemas.openxmlformats.org/drawingml/2006/main" xmlns:r="http://schemas.openxmlformats.org/officeDocument/2006/relationships" xmlns:p="http://schemas.openxmlformats.org/presentationml/2006/main">
-  <p:cSld>
-    <p:spTree>
-      <p:nvGrpSpPr>
-        <p:cNvPr id="1" name=""/>
-        <p:cNvGrpSpPr/>
-        <p:nvPr/>
-      </p:nvGrpSpPr>
-      <p:grpSpPr>
-        <a:xfrm>
-          <a:off x="0" y="0"/>
-          <a:ext cx="0" cy="0"/>
-          <a:chOff x="0" y="0"/>
-          <a:chExt cx="0" cy="0"/>
-        </a:xfrm>
-      </p:grpSpPr>
-      <p:sp>
-        <p:nvSpPr>
-          <p:cNvPr id="6" name="標題 5"/>
-          <p:cNvSpPr>
-            <a:spLocks noGrp="1"/>
-          </p:cNvSpPr>
-          <p:nvPr>
-            <p:ph type="title"/>
-          </p:nvPr>
-        </p:nvSpPr>
-        <p:spPr/>
-        <p:txBody>
-          <a:bodyPr/>
-          <a:lstStyle/>
-          <a:p>
-            <a:endParaRPr lang="zh-TW" altLang="en-US"/>
-          </a:p>
-        </p:txBody>
-      </p:sp>
-      <p:sp>
-        <p:nvSpPr>
-          <p:cNvPr id="3" name="內容版面配置區 2"/>
-          <p:cNvSpPr>
-            <a:spLocks noGrp="1"/>
-          </p:cNvSpPr>
-          <p:nvPr>
-            <p:ph idx="1"/>
-          </p:nvPr>
-        </p:nvSpPr>
-        <p:spPr>
-          <a:xfrm>
-            <a:off x="457200" y="1660399"/>
-            <a:ext cx="4249815" cy="2934224"/>
-          </a:xfrm>
-        </p:spPr>
-        <p:txBody>
-          <a:bodyPr>
-            <a:normAutofit fontScale="85000" lnSpcReduction="20000"/>
-          </a:bodyPr>
-          <a:lstStyle/>
-          <a:p>
-            <a:pPr marL="342900" indent="-342900">
-              <a:buFont typeface="Arial" pitchFamily="34" charset="0"/>
-              <a:buChar char="•"/>
-            </a:pPr>
-            <a:r>
-              <a:rPr lang="zh-TW" altLang="en-US" dirty="0"/>
-              <a:t>第一個誕生的高階程式語言是</a:t>
-            </a:r>
-            <a:r>
-              <a:rPr lang="en-US" altLang="zh-TW" dirty="0"/>
-              <a:t>1957</a:t>
-            </a:r>
-            <a:r>
-              <a:rPr lang="zh-TW" altLang="en-US" dirty="0"/>
-              <a:t>年推出的</a:t>
-            </a:r>
-            <a:r>
-              <a:rPr lang="en-US" altLang="zh-TW" dirty="0"/>
-              <a:t>FORTRAN</a:t>
-            </a:r>
-            <a:r>
-              <a:rPr lang="zh-TW" altLang="en-US" dirty="0"/>
-              <a:t>。</a:t>
-            </a:r>
-            <a:endParaRPr lang="en-US" altLang="zh-TW" dirty="0"/>
-          </a:p>
-          <a:p>
-            <a:pPr marL="342900" indent="-342900">
-              <a:buFont typeface="Arial" pitchFamily="34" charset="0"/>
-              <a:buChar char="•"/>
-            </a:pPr>
-            <a:r>
-              <a:rPr lang="en-US" altLang="zh-TW" dirty="0"/>
-              <a:t>1958</a:t>
-            </a:r>
-            <a:r>
-              <a:rPr lang="zh-TW" altLang="en-US" dirty="0"/>
-              <a:t>年推出的</a:t>
-            </a:r>
-            <a:r>
-              <a:rPr lang="en-US" altLang="zh-TW" dirty="0"/>
-              <a:t>LISP</a:t>
-            </a:r>
-            <a:r>
-              <a:rPr lang="zh-TW" altLang="en-US" dirty="0"/>
-              <a:t>，程式的變數並不需要有固定型態，並採用直譯的執行方式，也是有其擁護者。</a:t>
-            </a:r>
-            <a:endParaRPr lang="zh-TW" altLang="en-US" b="1" dirty="0"/>
-          </a:p>
-          <a:p>
-            <a:endParaRPr lang="zh-TW" altLang="en-US" dirty="0"/>
-          </a:p>
-        </p:txBody>
-      </p:sp>
-      <p:pic>
-        <p:nvPicPr>
-          <p:cNvPr id="7" name="Picture 2"/>
-          <p:cNvPicPr>
-            <a:picLocks noChangeAspect="1" noChangeArrowheads="1"/>
-          </p:cNvPicPr>
-          <p:nvPr/>
-        </p:nvPicPr>
-        <p:blipFill>
-          <a:blip r:embed="rId2" cstate="print">
-            <a:extLst>
-              <a:ext uri="{28A0092B-C50C-407E-A947-70E740481C1C}">
-                <a14:useLocalDpi xmlns:a14="http://schemas.microsoft.com/office/drawing/2010/main" val="0"/>
-              </a:ext>
-            </a:extLst>
-          </a:blip>
-          <a:srcRect/>
-          <a:stretch>
-            <a:fillRect/>
-          </a:stretch>
-        </p:blipFill>
-        <p:spPr bwMode="auto">
-          <a:xfrm>
-            <a:off x="5112060" y="726545"/>
-            <a:ext cx="3060340" cy="3785518"/>
-          </a:xfrm>
-          <a:prstGeom prst="rect">
-            <a:avLst/>
-          </a:prstGeom>
-          <a:noFill/>
-          <a:ln>
-            <a:noFill/>
-          </a:ln>
-          <a:effectLst/>
-          <a:extLst>
-            <a:ext uri="{909E8E84-426E-40DD-AFC4-6F175D3DCCD1}">
-              <a14:hiddenFill xmlns:a14="http://schemas.microsoft.com/office/drawing/2010/main">
-                <a:solidFill>
-                  <a:schemeClr val="accent1"/>
-                </a:solidFill>
-              </a14:hiddenFill>
-            </a:ext>
-            <a:ext uri="{91240B29-F687-4F45-9708-019B960494DF}">
-              <a14:hiddenLine xmlns:a14="http://schemas.microsoft.com/office/drawing/2010/main" w="9525">
-                <a:solidFill>
-                  <a:schemeClr val="tx1"/>
-                </a:solidFill>
-                <a:miter lim="800000"/>
-                <a:headEnd/>
-                <a:tailEnd/>
-              </a14:hiddenLine>
-            </a:ext>
-            <a:ext uri="{AF507438-7753-43E0-B8FC-AC1667EBCBE1}">
-              <a14:hiddenEffects xmlns:a14="http://schemas.microsoft.com/office/drawing/2010/main">
-                <a:effectLst>
-                  <a:outerShdw dist="35921" dir="2700000" algn="ctr" rotWithShape="0">
-                    <a:schemeClr val="bg2"/>
-                  </a:outerShdw>
-                </a:effectLst>
-              </a14:hiddenEffects>
-            </a:ext>
-          </a:extLst>
-        </p:spPr>
-      </p:pic>
-    </p:spTree>
-    <p:extLst>
-      <p:ext uri="{BB962C8B-B14F-4D97-AF65-F5344CB8AC3E}">
-        <p14:creationId xmlns:p14="http://schemas.microsoft.com/office/powerpoint/2010/main" val="1849164236"/>
-      </p:ext>
-    </p:extLst>
-  </p:cSld>
-  <p:clrMapOvr>
-    <a:masterClrMapping/>
-  </p:clrMapOvr>
-  <p:timing>
-    <p:tnLst>
-      <p:par>
-        <p:cTn id="1" dur="indefinite" restart="never" nodeType="tmRoot"/>
-      </p:par>
-    </p:tnLst>
-  </p:timing>
-</p:sld>
-</file>
-
-<file path=ppt/slides/slide110.xml><?xml version="1.0" encoding="utf-8"?>
+<file path=ppt/slides/slide109.xml><?xml version="1.0" encoding="utf-8"?>
 <p:sld xmlns:a="http://schemas.openxmlformats.org/drawingml/2006/main" xmlns:r="http://schemas.openxmlformats.org/officeDocument/2006/relationships" xmlns:p="http://schemas.openxmlformats.org/presentationml/2006/main">
   <p:cSld>
     <p:spTree>
@@ -19801,7 +19401,204 @@
 </p:sld>
 </file>
 
-<file path=ppt/slides/slide111.xml><?xml version="1.0" encoding="utf-8"?>
+<file path=ppt/slides/slide11.xml><?xml version="1.0" encoding="utf-8"?>
+<p:sld xmlns:a="http://schemas.openxmlformats.org/drawingml/2006/main" xmlns:r="http://schemas.openxmlformats.org/officeDocument/2006/relationships" xmlns:p="http://schemas.openxmlformats.org/presentationml/2006/main">
+  <p:cSld>
+    <p:spTree>
+      <p:nvGrpSpPr>
+        <p:cNvPr id="1" name=""/>
+        <p:cNvGrpSpPr/>
+        <p:nvPr/>
+      </p:nvGrpSpPr>
+      <p:grpSpPr>
+        <a:xfrm>
+          <a:off x="0" y="0"/>
+          <a:ext cx="0" cy="0"/>
+          <a:chOff x="0" y="0"/>
+          <a:chExt cx="0" cy="0"/>
+        </a:xfrm>
+      </p:grpSpPr>
+      <p:sp>
+        <p:nvSpPr>
+          <p:cNvPr id="6" name="標題 5"/>
+          <p:cNvSpPr>
+            <a:spLocks noGrp="1"/>
+          </p:cNvSpPr>
+          <p:nvPr>
+            <p:ph type="title"/>
+          </p:nvPr>
+        </p:nvSpPr>
+        <p:spPr/>
+        <p:txBody>
+          <a:bodyPr/>
+          <a:lstStyle/>
+          <a:p>
+            <a:endParaRPr lang="zh-TW" altLang="en-US"/>
+          </a:p>
+        </p:txBody>
+      </p:sp>
+      <p:sp>
+        <p:nvSpPr>
+          <p:cNvPr id="3" name="內容版面配置區 2"/>
+          <p:cNvSpPr>
+            <a:spLocks noGrp="1"/>
+          </p:cNvSpPr>
+          <p:nvPr>
+            <p:ph idx="1"/>
+          </p:nvPr>
+        </p:nvSpPr>
+        <p:spPr>
+          <a:xfrm>
+            <a:off x="457200" y="1660399"/>
+            <a:ext cx="4519845" cy="2934224"/>
+          </a:xfrm>
+        </p:spPr>
+        <p:txBody>
+          <a:bodyPr>
+            <a:normAutofit fontScale="85000" lnSpcReduction="10000"/>
+          </a:bodyPr>
+          <a:lstStyle/>
+          <a:p>
+            <a:pPr marL="342900" indent="-342900" algn="l">
+              <a:buFont typeface="Arial" pitchFamily="34" charset="0"/>
+              <a:buChar char="•"/>
+            </a:pPr>
+            <a:r>
+              <a:rPr lang="zh-TW" altLang="en-US" dirty="0"/>
+              <a:t>第一個誕生的高階程式語言是</a:t>
+            </a:r>
+            <a:r>
+              <a:rPr lang="en-US" altLang="zh-TW" dirty="0"/>
+              <a:t>1957</a:t>
+            </a:r>
+            <a:r>
+              <a:rPr lang="zh-TW" altLang="en-US" dirty="0"/>
+              <a:t>年推出的</a:t>
+            </a:r>
+            <a:r>
+              <a:rPr lang="en-US" altLang="zh-TW" dirty="0"/>
+              <a:t>FORTRAN</a:t>
+            </a:r>
+            <a:r>
+              <a:rPr lang="zh-TW" altLang="en-US" dirty="0"/>
+              <a:t>。</a:t>
+            </a:r>
+            <a:endParaRPr lang="en-US" altLang="zh-TW" dirty="0"/>
+          </a:p>
+          <a:p>
+            <a:pPr marL="342900" indent="-342900" algn="l">
+              <a:buFont typeface="Arial" pitchFamily="34" charset="0"/>
+              <a:buChar char="•"/>
+            </a:pPr>
+            <a:r>
+              <a:rPr lang="en-US" altLang="zh-TW" dirty="0"/>
+              <a:t>1958</a:t>
+            </a:r>
+            <a:r>
+              <a:rPr lang="zh-TW" altLang="en-US" dirty="0"/>
+              <a:t>年推出的</a:t>
+            </a:r>
+            <a:r>
+              <a:rPr lang="en-US" altLang="zh-TW" dirty="0"/>
+              <a:t>LISP</a:t>
+            </a:r>
+            <a:r>
+              <a:rPr lang="zh-TW" altLang="en-US" dirty="0"/>
+              <a:t>，程式的變數並不需要有固定型態，並採用直譯的執行方式，也是有其擁護者。</a:t>
+            </a:r>
+            <a:endParaRPr lang="zh-TW" altLang="en-US" b="1" dirty="0"/>
+          </a:p>
+          <a:p>
+            <a:pPr algn="l"/>
+            <a:endParaRPr lang="zh-TW" altLang="en-US" dirty="0"/>
+          </a:p>
+        </p:txBody>
+      </p:sp>
+      <p:pic>
+        <p:nvPicPr>
+          <p:cNvPr id="7" name="Picture 2"/>
+          <p:cNvPicPr>
+            <a:picLocks noChangeAspect="1" noChangeArrowheads="1"/>
+          </p:cNvPicPr>
+          <p:nvPr/>
+        </p:nvPicPr>
+        <p:blipFill>
+          <a:blip r:embed="rId2" cstate="print">
+            <a:extLst>
+              <a:ext uri="{28A0092B-C50C-407E-A947-70E740481C1C}">
+                <a14:useLocalDpi xmlns:a14="http://schemas.microsoft.com/office/drawing/2010/main" val="0"/>
+              </a:ext>
+            </a:extLst>
+          </a:blip>
+          <a:srcRect/>
+          <a:stretch>
+            <a:fillRect/>
+          </a:stretch>
+        </p:blipFill>
+        <p:spPr bwMode="auto">
+          <a:xfrm>
+            <a:off x="5098558" y="652579"/>
+            <a:ext cx="3253862" cy="4024897"/>
+          </a:xfrm>
+          <a:prstGeom prst="rect">
+            <a:avLst/>
+          </a:prstGeom>
+          <a:noFill/>
+          <a:ln>
+            <a:noFill/>
+          </a:ln>
+          <a:effectLst/>
+          <a:extLst>
+            <a:ext uri="{909E8E84-426E-40DD-AFC4-6F175D3DCCD1}">
+              <a14:hiddenFill xmlns:a14="http://schemas.microsoft.com/office/drawing/2010/main">
+                <a:solidFill>
+                  <a:schemeClr val="accent1"/>
+                </a:solidFill>
+              </a14:hiddenFill>
+            </a:ext>
+            <a:ext uri="{91240B29-F687-4F45-9708-019B960494DF}">
+              <a14:hiddenLine xmlns:a14="http://schemas.microsoft.com/office/drawing/2010/main" w="9525">
+                <a:solidFill>
+                  <a:schemeClr val="tx1"/>
+                </a:solidFill>
+                <a:miter lim="800000"/>
+                <a:headEnd/>
+                <a:tailEnd/>
+              </a14:hiddenLine>
+            </a:ext>
+            <a:ext uri="{AF507438-7753-43E0-B8FC-AC1667EBCBE1}">
+              <a14:hiddenEffects xmlns:a14="http://schemas.microsoft.com/office/drawing/2010/main">
+                <a:effectLst>
+                  <a:outerShdw dist="35921" dir="2700000" algn="ctr" rotWithShape="0">
+                    <a:schemeClr val="bg2"/>
+                  </a:outerShdw>
+                </a:effectLst>
+              </a14:hiddenEffects>
+            </a:ext>
+          </a:extLst>
+        </p:spPr>
+      </p:pic>
+    </p:spTree>
+    <p:extLst>
+      <p:ext uri="{BB962C8B-B14F-4D97-AF65-F5344CB8AC3E}">
+        <p14:creationId xmlns:p14="http://schemas.microsoft.com/office/powerpoint/2010/main" val="1849164236"/>
+      </p:ext>
+    </p:extLst>
+  </p:cSld>
+  <p:clrMapOvr>
+    <a:masterClrMapping/>
+  </p:clrMapOvr>
+  <p:timing>
+    <p:tnLst>
+      <p:par>
+        <p:cTn id="1" dur="indefinite" restart="never" nodeType="tmRoot"/>
+      </p:par>
+    </p:tnLst>
+  </p:timing>
+</p:sld>
+</file>
+
+<file path=ppt/slides/slide110.xml><?xml version="1.0" encoding="utf-8"?>
 <p:sld xmlns:a="http://schemas.openxmlformats.org/drawingml/2006/main" xmlns:r="http://schemas.openxmlformats.org/officeDocument/2006/relationships" xmlns:p="http://schemas.openxmlformats.org/presentationml/2006/main">
   <p:cSld>
     <p:spTree>
@@ -19969,7 +19766,7 @@
 </p:sld>
 </file>
 
-<file path=ppt/slides/slide112.xml><?xml version="1.0" encoding="utf-8"?>
+<file path=ppt/slides/slide111.xml><?xml version="1.0" encoding="utf-8"?>
 <p:sld xmlns:a="http://schemas.openxmlformats.org/drawingml/2006/main" xmlns:r="http://schemas.openxmlformats.org/officeDocument/2006/relationships" xmlns:p="http://schemas.openxmlformats.org/presentationml/2006/main">
   <p:cSld>
     <p:spTree>
@@ -20201,7 +19998,7 @@
 </p:sld>
 </file>
 
-<file path=ppt/slides/slide113.xml><?xml version="1.0" encoding="utf-8"?>
+<file path=ppt/slides/slide112.xml><?xml version="1.0" encoding="utf-8"?>
 <p:sld xmlns:a="http://schemas.openxmlformats.org/drawingml/2006/main" xmlns:r="http://schemas.openxmlformats.org/officeDocument/2006/relationships" xmlns:p="http://schemas.openxmlformats.org/presentationml/2006/main">
   <p:cSld>
     <p:spTree>
@@ -20425,7 +20222,7 @@
 </p:sld>
 </file>
 
-<file path=ppt/slides/slide114.xml><?xml version="1.0" encoding="utf-8"?>
+<file path=ppt/slides/slide113.xml><?xml version="1.0" encoding="utf-8"?>
 <p:sld xmlns:a="http://schemas.openxmlformats.org/drawingml/2006/main" xmlns:r="http://schemas.openxmlformats.org/officeDocument/2006/relationships" xmlns:p="http://schemas.openxmlformats.org/presentationml/2006/main">
   <p:cSld>
     <p:spTree>
@@ -20601,7 +20398,7 @@
 </p:sld>
 </file>
 
-<file path=ppt/slides/slide115.xml><?xml version="1.0" encoding="utf-8"?>
+<file path=ppt/slides/slide114.xml><?xml version="1.0" encoding="utf-8"?>
 <p:sld xmlns:a="http://schemas.openxmlformats.org/drawingml/2006/main" xmlns:r="http://schemas.openxmlformats.org/officeDocument/2006/relationships" xmlns:p="http://schemas.openxmlformats.org/presentationml/2006/main">
   <p:cSld>
     <p:spTree>
@@ -20728,8 +20525,8 @@
         </p:blipFill>
         <p:spPr bwMode="auto">
           <a:xfrm>
-            <a:off x="2766838" y="2616755"/>
-            <a:ext cx="2615555" cy="2411831"/>
+            <a:off x="3131840" y="2706765"/>
+            <a:ext cx="2420329" cy="2231811"/>
           </a:xfrm>
           <a:prstGeom prst="rect">
             <a:avLst/>
@@ -20785,7 +20582,7 @@
 </p:sld>
 </file>
 
-<file path=ppt/slides/slide116.xml><?xml version="1.0" encoding="utf-8"?>
+<file path=ppt/slides/slide115.xml><?xml version="1.0" encoding="utf-8"?>
 <p:sld xmlns:a="http://schemas.openxmlformats.org/drawingml/2006/main" xmlns:r="http://schemas.openxmlformats.org/officeDocument/2006/relationships" xmlns:p="http://schemas.openxmlformats.org/presentationml/2006/main">
   <p:cSld>
     <p:spTree>
@@ -20880,7 +20677,7 @@
         </p:blipFill>
         <p:spPr bwMode="auto">
           <a:xfrm>
-            <a:off x="1286635" y="2211710"/>
+            <a:off x="3491879" y="2436735"/>
             <a:ext cx="2314575" cy="2333625"/>
           </a:xfrm>
           <a:prstGeom prst="rect">
@@ -20937,7 +20734,7 @@
 </p:sld>
 </file>
 
-<file path=ppt/slides/slide117.xml><?xml version="1.0" encoding="utf-8"?>
+<file path=ppt/slides/slide116.xml><?xml version="1.0" encoding="utf-8"?>
 <p:sld xmlns:a="http://schemas.openxmlformats.org/drawingml/2006/main" xmlns:r="http://schemas.openxmlformats.org/officeDocument/2006/relationships" xmlns:p="http://schemas.openxmlformats.org/presentationml/2006/main">
   <p:cSld>
     <p:spTree>
@@ -20997,7 +20794,9 @@
         </p:nvSpPr>
         <p:spPr/>
         <p:txBody>
-          <a:bodyPr/>
+          <a:bodyPr>
+            <a:normAutofit fontScale="92500" lnSpcReduction="10000"/>
+          </a:bodyPr>
           <a:lstStyle/>
           <a:p>
             <a:r>
@@ -21050,8 +20849,45 @@
             </a:r>
             <a:r>
               <a:rPr lang="zh-TW" altLang="en-US" dirty="0" smtClean="0"/>
-              <a:t>卻產生不了任何影響。</a:t>
-            </a:r>
+              <a:t>卻產生不了任何影響</a:t>
+            </a:r>
+            <a:r>
+              <a:rPr lang="zh-TW" altLang="en-US" dirty="0" smtClean="0"/>
+              <a:t>。</a:t>
+            </a:r>
+            <a:endParaRPr lang="en-US" altLang="zh-TW" dirty="0" smtClean="0"/>
+          </a:p>
+          <a:p>
+            <a:r>
+              <a:rPr lang="zh-TW" altLang="en-US" dirty="0"/>
+              <a:t>正確的寫法，應該是利用</a:t>
+            </a:r>
+            <a:r>
+              <a:rPr lang="zh-TW" altLang="en-US" dirty="0">
+                <a:solidFill>
+                  <a:srgbClr val="C00000"/>
+                </a:solidFill>
+              </a:rPr>
+              <a:t>以位址傳遞 </a:t>
+            </a:r>
+            <a:r>
+              <a:rPr lang="en-US" altLang="zh-TW" dirty="0"/>
+              <a:t>(passed</a:t>
+            </a:r>
+            <a:r>
+              <a:rPr lang="zh-TW" altLang="en-US" dirty="0"/>
+              <a:t> </a:t>
+            </a:r>
+            <a:r>
+              <a:rPr lang="en-US" altLang="zh-TW" dirty="0"/>
+              <a:t>by reference)</a:t>
+            </a:r>
+            <a:r>
+              <a:rPr lang="zh-TW" altLang="en-US" dirty="0"/>
+              <a:t>的觀念，也就是把真實參數在記憶體的位址傳給正式參數，讓程序裡的運算直接作用在真實參數上。</a:t>
+            </a:r>
+          </a:p>
+          <a:p>
             <a:endParaRPr lang="en-US" altLang="zh-TW" dirty="0" smtClean="0"/>
           </a:p>
         </p:txBody>
@@ -21076,116 +20912,7 @@
 </p:sld>
 </file>
 
-<file path=ppt/slides/slide118.xml><?xml version="1.0" encoding="utf-8"?>
-<p:sld xmlns:a="http://schemas.openxmlformats.org/drawingml/2006/main" xmlns:r="http://schemas.openxmlformats.org/officeDocument/2006/relationships" xmlns:p="http://schemas.openxmlformats.org/presentationml/2006/main">
-  <p:cSld>
-    <p:spTree>
-      <p:nvGrpSpPr>
-        <p:cNvPr id="1" name=""/>
-        <p:cNvGrpSpPr/>
-        <p:nvPr/>
-      </p:nvGrpSpPr>
-      <p:grpSpPr>
-        <a:xfrm>
-          <a:off x="0" y="0"/>
-          <a:ext cx="0" cy="0"/>
-          <a:chOff x="0" y="0"/>
-          <a:chExt cx="0" cy="0"/>
-        </a:xfrm>
-      </p:grpSpPr>
-      <p:sp>
-        <p:nvSpPr>
-          <p:cNvPr id="2" name="標題 1"/>
-          <p:cNvSpPr>
-            <a:spLocks noGrp="1"/>
-          </p:cNvSpPr>
-          <p:nvPr>
-            <p:ph type="title"/>
-          </p:nvPr>
-        </p:nvSpPr>
-        <p:spPr/>
-        <p:txBody>
-          <a:bodyPr/>
-          <a:lstStyle/>
-          <a:p>
-            <a:r>
-              <a:rPr lang="zh-TW" altLang="en-US" dirty="0"/>
-              <a:t>以值傳遞 </a:t>
-            </a:r>
-            <a:r>
-              <a:rPr lang="en-US" altLang="zh-TW" dirty="0"/>
-              <a:t>VS. </a:t>
-            </a:r>
-            <a:r>
-              <a:rPr lang="zh-TW" altLang="en-US" dirty="0"/>
-              <a:t>以位址傳遞</a:t>
-            </a:r>
-          </a:p>
-        </p:txBody>
-      </p:sp>
-      <p:sp>
-        <p:nvSpPr>
-          <p:cNvPr id="3" name="內容版面配置區 2"/>
-          <p:cNvSpPr>
-            <a:spLocks noGrp="1"/>
-          </p:cNvSpPr>
-          <p:nvPr>
-            <p:ph idx="1"/>
-          </p:nvPr>
-        </p:nvSpPr>
-        <p:spPr/>
-        <p:txBody>
-          <a:bodyPr/>
-          <a:lstStyle/>
-          <a:p>
-            <a:r>
-              <a:rPr lang="zh-TW" altLang="en-US" dirty="0"/>
-              <a:t>正確的寫法，應該是利用</a:t>
-            </a:r>
-            <a:r>
-              <a:rPr lang="zh-TW" altLang="en-US" dirty="0">
-                <a:solidFill>
-                  <a:srgbClr val="C00000"/>
-                </a:solidFill>
-              </a:rPr>
-              <a:t>以位址傳遞 </a:t>
-            </a:r>
-            <a:r>
-              <a:rPr lang="en-US" altLang="zh-TW" dirty="0"/>
-              <a:t>(passed</a:t>
-            </a:r>
-            <a:r>
-              <a:rPr lang="zh-TW" altLang="en-US" dirty="0"/>
-              <a:t> </a:t>
-            </a:r>
-            <a:r>
-              <a:rPr lang="en-US" altLang="zh-TW" dirty="0"/>
-              <a:t>by reference)</a:t>
-            </a:r>
-            <a:r>
-              <a:rPr lang="zh-TW" altLang="en-US" dirty="0"/>
-              <a:t>的觀念，也就是把真實參數在記憶體的位址傳給正式參數，讓程序裡的運算直接作用在真實參數上。</a:t>
-            </a:r>
-          </a:p>
-          <a:p>
-            <a:endParaRPr lang="zh-TW" altLang="en-US" dirty="0"/>
-          </a:p>
-        </p:txBody>
-      </p:sp>
-    </p:spTree>
-    <p:extLst>
-      <p:ext uri="{BB962C8B-B14F-4D97-AF65-F5344CB8AC3E}">
-        <p14:creationId xmlns:p14="http://schemas.microsoft.com/office/powerpoint/2010/main" val="3942510663"/>
-      </p:ext>
-    </p:extLst>
-  </p:cSld>
-  <p:clrMapOvr>
-    <a:masterClrMapping/>
-  </p:clrMapOvr>
-</p:sld>
-</file>
-
-<file path=ppt/slides/slide119.xml><?xml version="1.0" encoding="utf-8"?>
+<file path=ppt/slides/slide117.xml><?xml version="1.0" encoding="utf-8"?>
 <p:sld xmlns:a="http://schemas.openxmlformats.org/drawingml/2006/main" xmlns:r="http://schemas.openxmlformats.org/officeDocument/2006/relationships" xmlns:p="http://schemas.openxmlformats.org/presentationml/2006/main">
   <p:cSld>
     <p:spTree>
@@ -21355,140 +21082,7 @@
 </p:sld>
 </file>
 
-<file path=ppt/slides/slide12.xml><?xml version="1.0" encoding="utf-8"?>
-<p:sld xmlns:a="http://schemas.openxmlformats.org/drawingml/2006/main" xmlns:r="http://schemas.openxmlformats.org/officeDocument/2006/relationships" xmlns:p="http://schemas.openxmlformats.org/presentationml/2006/main">
-  <p:cSld>
-    <p:spTree>
-      <p:nvGrpSpPr>
-        <p:cNvPr id="1" name=""/>
-        <p:cNvGrpSpPr/>
-        <p:nvPr/>
-      </p:nvGrpSpPr>
-      <p:grpSpPr>
-        <a:xfrm>
-          <a:off x="0" y="0"/>
-          <a:ext cx="0" cy="0"/>
-          <a:chOff x="0" y="0"/>
-          <a:chExt cx="0" cy="0"/>
-        </a:xfrm>
-      </p:grpSpPr>
-      <p:sp>
-        <p:nvSpPr>
-          <p:cNvPr id="3" name="標題 2"/>
-          <p:cNvSpPr>
-            <a:spLocks noGrp="1"/>
-          </p:cNvSpPr>
-          <p:nvPr>
-            <p:ph type="title"/>
-          </p:nvPr>
-        </p:nvSpPr>
-        <p:spPr/>
-        <p:txBody>
-          <a:bodyPr/>
-          <a:lstStyle/>
-          <a:p>
-            <a:r>
-              <a:rPr lang="en-US" altLang="zh-TW" dirty="0" smtClean="0"/>
-              <a:t>FORTRAN</a:t>
-            </a:r>
-            <a:endParaRPr lang="zh-TW" altLang="en-US" dirty="0"/>
-          </a:p>
-        </p:txBody>
-      </p:sp>
-      <p:sp>
-        <p:nvSpPr>
-          <p:cNvPr id="2" name="內容版面配置區 1"/>
-          <p:cNvSpPr>
-            <a:spLocks noGrp="1"/>
-          </p:cNvSpPr>
-          <p:nvPr>
-            <p:ph idx="1"/>
-          </p:nvPr>
-        </p:nvSpPr>
-        <p:spPr/>
-        <p:txBody>
-          <a:bodyPr>
-            <a:normAutofit/>
-          </a:bodyPr>
-          <a:lstStyle/>
-          <a:p>
-            <a:pPr algn="l"/>
-            <a:r>
-              <a:rPr lang="zh-TW" altLang="en-US" dirty="0" smtClean="0"/>
-              <a:t>第一個高階語言是</a:t>
-            </a:r>
-            <a:r>
-              <a:rPr lang="en-US" altLang="zh-TW" dirty="0" smtClean="0"/>
-              <a:t>IBM</a:t>
-            </a:r>
-            <a:r>
-              <a:rPr lang="zh-TW" altLang="en-US" dirty="0" smtClean="0"/>
-              <a:t>公司於</a:t>
-            </a:r>
-            <a:r>
-              <a:rPr lang="en-US" altLang="zh-TW" dirty="0" smtClean="0"/>
-              <a:t>1957</a:t>
-            </a:r>
-            <a:r>
-              <a:rPr lang="zh-TW" altLang="en-US" dirty="0" smtClean="0"/>
-              <a:t>年右推出的</a:t>
-            </a:r>
-            <a:r>
-              <a:rPr lang="en-US" altLang="zh-TW" dirty="0" smtClean="0"/>
-              <a:t>FORTRAN (</a:t>
-            </a:r>
-            <a:r>
-              <a:rPr lang="en-US" altLang="zh-TW" dirty="0" err="1" smtClean="0"/>
-              <a:t>FORmula</a:t>
-            </a:r>
-            <a:r>
-              <a:rPr lang="en-US" altLang="zh-TW" dirty="0" smtClean="0"/>
-              <a:t> </a:t>
-            </a:r>
-            <a:r>
-              <a:rPr lang="en-US" altLang="zh-TW" dirty="0" err="1" smtClean="0"/>
-              <a:t>TRANslation</a:t>
-            </a:r>
-            <a:r>
-              <a:rPr lang="en-US" altLang="zh-TW" dirty="0" smtClean="0"/>
-              <a:t> language)</a:t>
-            </a:r>
-            <a:r>
-              <a:rPr lang="zh-TW" altLang="en-US" dirty="0" smtClean="0"/>
-              <a:t>，中文翻譯成「福傳語言」。</a:t>
-            </a:r>
-            <a:endParaRPr lang="en-US" altLang="zh-TW" dirty="0" smtClean="0"/>
-          </a:p>
-          <a:p>
-            <a:r>
-              <a:rPr lang="zh-TW" altLang="en-US" dirty="0" smtClean="0"/>
-              <a:t>該語言當初是針對工程方面所需要的複雜科學計算所設計的，因此其程式敘述類似數學的式子。</a:t>
-            </a:r>
-            <a:endParaRPr lang="en-US" altLang="zh-TW" dirty="0" smtClean="0"/>
-          </a:p>
-        </p:txBody>
-      </p:sp>
-    </p:spTree>
-    <p:extLst>
-      <p:ext uri="{BB962C8B-B14F-4D97-AF65-F5344CB8AC3E}">
-        <p14:creationId xmlns:p14="http://schemas.microsoft.com/office/powerpoint/2010/main" val="247332156"/>
-      </p:ext>
-    </p:extLst>
-  </p:cSld>
-  <p:clrMapOvr>
-    <a:masterClrMapping/>
-  </p:clrMapOvr>
-  <p:timing>
-    <p:tnLst>
-      <p:par>
-        <p:cTn id="1" dur="indefinite" restart="never" nodeType="tmRoot"/>
-      </p:par>
-    </p:tnLst>
-  </p:timing>
-</p:sld>
-</file>
-
-<file path=ppt/slides/slide120.xml><?xml version="1.0" encoding="utf-8"?>
+<file path=ppt/slides/slide118.xml><?xml version="1.0" encoding="utf-8"?>
 <p:sld xmlns:a="http://schemas.openxmlformats.org/drawingml/2006/main" xmlns:r="http://schemas.openxmlformats.org/officeDocument/2006/relationships" xmlns:p="http://schemas.openxmlformats.org/presentationml/2006/main">
   <p:cSld>
     <p:spTree>
@@ -21638,7 +21232,7 @@
 </p:sld>
 </file>
 
-<file path=ppt/slides/slide121.xml><?xml version="1.0" encoding="utf-8"?>
+<file path=ppt/slides/slide119.xml><?xml version="1.0" encoding="utf-8"?>
 <p:sld xmlns:a="http://schemas.openxmlformats.org/drawingml/2006/main" xmlns:r="http://schemas.openxmlformats.org/officeDocument/2006/relationships" xmlns:p="http://schemas.openxmlformats.org/presentationml/2006/main">
   <p:cSld>
     <p:spTree>
@@ -21790,7 +21384,140 @@
 </p:sld>
 </file>
 
-<file path=ppt/slides/slide122.xml><?xml version="1.0" encoding="utf-8"?>
+<file path=ppt/slides/slide12.xml><?xml version="1.0" encoding="utf-8"?>
+<p:sld xmlns:a="http://schemas.openxmlformats.org/drawingml/2006/main" xmlns:r="http://schemas.openxmlformats.org/officeDocument/2006/relationships" xmlns:p="http://schemas.openxmlformats.org/presentationml/2006/main">
+  <p:cSld>
+    <p:spTree>
+      <p:nvGrpSpPr>
+        <p:cNvPr id="1" name=""/>
+        <p:cNvGrpSpPr/>
+        <p:nvPr/>
+      </p:nvGrpSpPr>
+      <p:grpSpPr>
+        <a:xfrm>
+          <a:off x="0" y="0"/>
+          <a:ext cx="0" cy="0"/>
+          <a:chOff x="0" y="0"/>
+          <a:chExt cx="0" cy="0"/>
+        </a:xfrm>
+      </p:grpSpPr>
+      <p:sp>
+        <p:nvSpPr>
+          <p:cNvPr id="3" name="標題 2"/>
+          <p:cNvSpPr>
+            <a:spLocks noGrp="1"/>
+          </p:cNvSpPr>
+          <p:nvPr>
+            <p:ph type="title"/>
+          </p:nvPr>
+        </p:nvSpPr>
+        <p:spPr/>
+        <p:txBody>
+          <a:bodyPr/>
+          <a:lstStyle/>
+          <a:p>
+            <a:r>
+              <a:rPr lang="en-US" altLang="zh-TW" dirty="0" smtClean="0"/>
+              <a:t>FORTRAN</a:t>
+            </a:r>
+            <a:endParaRPr lang="zh-TW" altLang="en-US" dirty="0"/>
+          </a:p>
+        </p:txBody>
+      </p:sp>
+      <p:sp>
+        <p:nvSpPr>
+          <p:cNvPr id="2" name="內容版面配置區 1"/>
+          <p:cNvSpPr>
+            <a:spLocks noGrp="1"/>
+          </p:cNvSpPr>
+          <p:nvPr>
+            <p:ph idx="1"/>
+          </p:nvPr>
+        </p:nvSpPr>
+        <p:spPr/>
+        <p:txBody>
+          <a:bodyPr>
+            <a:normAutofit/>
+          </a:bodyPr>
+          <a:lstStyle/>
+          <a:p>
+            <a:pPr algn="l"/>
+            <a:r>
+              <a:rPr lang="zh-TW" altLang="en-US" dirty="0" smtClean="0"/>
+              <a:t>第一個高階語言是</a:t>
+            </a:r>
+            <a:r>
+              <a:rPr lang="en-US" altLang="zh-TW" dirty="0" smtClean="0"/>
+              <a:t>IBM</a:t>
+            </a:r>
+            <a:r>
+              <a:rPr lang="zh-TW" altLang="en-US" dirty="0" smtClean="0"/>
+              <a:t>公司於</a:t>
+            </a:r>
+            <a:r>
+              <a:rPr lang="en-US" altLang="zh-TW" dirty="0" smtClean="0"/>
+              <a:t>1957</a:t>
+            </a:r>
+            <a:r>
+              <a:rPr lang="zh-TW" altLang="en-US" dirty="0" smtClean="0"/>
+              <a:t>年右推出的</a:t>
+            </a:r>
+            <a:r>
+              <a:rPr lang="en-US" altLang="zh-TW" dirty="0" smtClean="0"/>
+              <a:t>FORTRAN (</a:t>
+            </a:r>
+            <a:r>
+              <a:rPr lang="en-US" altLang="zh-TW" dirty="0" err="1" smtClean="0"/>
+              <a:t>FORmula</a:t>
+            </a:r>
+            <a:r>
+              <a:rPr lang="en-US" altLang="zh-TW" dirty="0" smtClean="0"/>
+              <a:t> </a:t>
+            </a:r>
+            <a:r>
+              <a:rPr lang="en-US" altLang="zh-TW" dirty="0" err="1" smtClean="0"/>
+              <a:t>TRANslation</a:t>
+            </a:r>
+            <a:r>
+              <a:rPr lang="en-US" altLang="zh-TW" dirty="0" smtClean="0"/>
+              <a:t> language)</a:t>
+            </a:r>
+            <a:r>
+              <a:rPr lang="zh-TW" altLang="en-US" dirty="0" smtClean="0"/>
+              <a:t>，中文翻譯成「福傳語言」。</a:t>
+            </a:r>
+            <a:endParaRPr lang="en-US" altLang="zh-TW" dirty="0" smtClean="0"/>
+          </a:p>
+          <a:p>
+            <a:r>
+              <a:rPr lang="zh-TW" altLang="en-US" dirty="0" smtClean="0"/>
+              <a:t>該語言當初是針對工程方面所需要的複雜科學計算所設計的，因此其程式敘述類似數學的式子。</a:t>
+            </a:r>
+            <a:endParaRPr lang="en-US" altLang="zh-TW" dirty="0" smtClean="0"/>
+          </a:p>
+        </p:txBody>
+      </p:sp>
+    </p:spTree>
+    <p:extLst>
+      <p:ext uri="{BB962C8B-B14F-4D97-AF65-F5344CB8AC3E}">
+        <p14:creationId xmlns:p14="http://schemas.microsoft.com/office/powerpoint/2010/main" val="247332156"/>
+      </p:ext>
+    </p:extLst>
+  </p:cSld>
+  <p:clrMapOvr>
+    <a:masterClrMapping/>
+  </p:clrMapOvr>
+  <p:timing>
+    <p:tnLst>
+      <p:par>
+        <p:cTn id="1" dur="indefinite" restart="never" nodeType="tmRoot"/>
+      </p:par>
+    </p:tnLst>
+  </p:timing>
+</p:sld>
+</file>
+
+<file path=ppt/slides/slide120.xml><?xml version="1.0" encoding="utf-8"?>
 <p:sld xmlns:a="http://schemas.openxmlformats.org/drawingml/2006/main" xmlns:r="http://schemas.openxmlformats.org/officeDocument/2006/relationships" xmlns:p="http://schemas.openxmlformats.org/presentationml/2006/main">
   <p:cSld>
     <p:spTree>
@@ -21953,7 +21680,7 @@
 </p:sld>
 </file>
 
-<file path=ppt/slides/slide123.xml><?xml version="1.0" encoding="utf-8"?>
+<file path=ppt/slides/slide121.xml><?xml version="1.0" encoding="utf-8"?>
 <p:sld xmlns:a="http://schemas.openxmlformats.org/drawingml/2006/main" xmlns:r="http://schemas.openxmlformats.org/officeDocument/2006/relationships" xmlns:p="http://schemas.openxmlformats.org/presentationml/2006/main">
   <p:cSld>
     <p:spTree>
@@ -22069,7 +21796,7 @@
 </p:sld>
 </file>
 
-<file path=ppt/slides/slide124.xml><?xml version="1.0" encoding="utf-8"?>
+<file path=ppt/slides/slide122.xml><?xml version="1.0" encoding="utf-8"?>
 <p:sld xmlns:a="http://schemas.openxmlformats.org/drawingml/2006/main" xmlns:r="http://schemas.openxmlformats.org/officeDocument/2006/relationships" xmlns:p="http://schemas.openxmlformats.org/presentationml/2006/main">
   <p:cSld>
     <p:spTree>
@@ -22711,7 +22438,12 @@
             <p:ph idx="1"/>
           </p:nvPr>
         </p:nvSpPr>
-        <p:spPr/>
+        <p:spPr>
+          <a:xfrm>
+            <a:off x="457199" y="1660399"/>
+            <a:ext cx="8660305" cy="2934224"/>
+          </a:xfrm>
+        </p:spPr>
         <p:txBody>
           <a:bodyPr/>
           <a:lstStyle/>
@@ -23011,6 +22743,7 @@
           </a:bodyPr>
           <a:lstStyle/>
           <a:p>
+            <a:pPr algn="l"/>
             <a:r>
               <a:rPr lang="en-US" altLang="zh-TW" dirty="0" smtClean="0"/>
               <a:t>COBOL (Common Business Oriented Language)</a:t>
@@ -23521,8 +23254,16 @@
               <a:t>為基本項，除了階層號碼和資料名稱，還包含資料格式定義，譬如“</a:t>
             </a:r>
             <a:r>
+              <a:rPr lang="en-US" altLang="zh-TW" dirty="0">
+                <a:solidFill>
+                  <a:srgbClr val="C00000"/>
+                </a:solidFill>
+              </a:rPr>
+              <a:t>X</a:t>
+            </a:r>
+            <a:r>
               <a:rPr lang="en-US" altLang="zh-TW" dirty="0"/>
-              <a:t>X”</a:t>
+              <a:t>”</a:t>
             </a:r>
             <a:r>
               <a:rPr lang="zh-TW" altLang="en-US" dirty="0"/>
@@ -23690,6 +23431,7 @@
           </a:bodyPr>
           <a:lstStyle/>
           <a:p>
+            <a:pPr algn="l"/>
             <a:r>
               <a:rPr lang="en-US" altLang="zh-TW" dirty="0" smtClean="0"/>
               <a:t>1965</a:t>
@@ -27779,84 +27521,37 @@
             <p:ph idx="1"/>
           </p:nvPr>
         </p:nvSpPr>
-        <p:spPr/>
+        <p:spPr>
+          <a:xfrm>
+            <a:off x="457200" y="1581640"/>
+            <a:ext cx="8229600" cy="3012983"/>
+          </a:xfrm>
+        </p:spPr>
         <p:txBody>
           <a:bodyPr/>
           <a:lstStyle/>
           <a:p>
             <a:r>
               <a:rPr lang="zh-TW" altLang="en-US" dirty="0"/>
-              <a:t>所以</a:t>
-            </a:r>
-            <a:r>
-              <a:rPr lang="en-US" altLang="zh-TW" dirty="0"/>
-              <a:t>Swift</a:t>
-            </a:r>
-            <a:r>
-              <a:rPr lang="zh-TW" altLang="en-US" dirty="0"/>
-              <a:t>和</a:t>
-            </a:r>
-            <a:r>
-              <a:rPr lang="en-US" altLang="zh-TW" dirty="0" err="1"/>
-              <a:t>Kotlin</a:t>
-            </a:r>
-            <a:r>
-              <a:rPr lang="zh-TW" altLang="en-US" dirty="0"/>
-              <a:t>這兩種程式語言，可以說是目前在手機上開發</a:t>
-            </a:r>
-            <a:r>
-              <a:rPr lang="en-US" altLang="zh-TW" dirty="0"/>
-              <a:t>APP</a:t>
-            </a:r>
-            <a:r>
-              <a:rPr lang="zh-TW" altLang="en-US" dirty="0"/>
-              <a:t>時，兩大平台各自最受歡迎的主流語言。</a:t>
-            </a:r>
-          </a:p>
-          <a:p>
+              <a:t>程式語言依照特性</a:t>
+            </a:r>
+            <a:r>
+              <a:rPr lang="zh-TW" altLang="en-US" dirty="0" smtClean="0"/>
+              <a:t>分類</a:t>
+            </a:r>
             <a:endParaRPr lang="zh-TW" altLang="en-US" dirty="0"/>
           </a:p>
         </p:txBody>
       </p:sp>
-    </p:spTree>
-    <p:extLst>
-      <p:ext uri="{BB962C8B-B14F-4D97-AF65-F5344CB8AC3E}">
-        <p14:creationId xmlns:p14="http://schemas.microsoft.com/office/powerpoint/2010/main" val="1699885381"/>
-      </p:ext>
-    </p:extLst>
-  </p:cSld>
-  <p:clrMapOvr>
-    <a:masterClrMapping/>
-  </p:clrMapOvr>
-</p:sld>
-</file>
-
-<file path=ppt/slides/slide44.xml><?xml version="1.0" encoding="utf-8"?>
-<p:sld xmlns:a="http://schemas.openxmlformats.org/drawingml/2006/main" xmlns:r="http://schemas.openxmlformats.org/officeDocument/2006/relationships" xmlns:p="http://schemas.openxmlformats.org/presentationml/2006/main">
-  <p:cSld>
-    <p:spTree>
-      <p:nvGrpSpPr>
-        <p:cNvPr id="1" name=""/>
-        <p:cNvGrpSpPr/>
-        <p:nvPr/>
-      </p:nvGrpSpPr>
-      <p:grpSpPr>
-        <a:xfrm>
-          <a:off x="0" y="0"/>
-          <a:ext cx="0" cy="0"/>
-          <a:chOff x="0" y="0"/>
-          <a:chExt cx="0" cy="0"/>
-        </a:xfrm>
-      </p:grpSpPr>
       <p:pic>
         <p:nvPicPr>
-          <p:cNvPr id="10242" name="Picture 2"/>
+          <p:cNvPr id="4" name="Picture 2"/>
           <p:cNvPicPr>
             <a:picLocks noChangeAspect="1" noChangeArrowheads="1"/>
           </p:cNvPicPr>
           <p:nvPr/>
         </p:nvPicPr>
-        <p:blipFill>
+        <p:blipFill rotWithShape="1">
           <a:blip r:embed="rId2">
             <a:extLst>
               <a:ext uri="{28A0092B-C50C-407E-A947-70E740481C1C}">
@@ -27864,15 +27559,13 @@
               </a:ext>
             </a:extLst>
           </a:blip>
-          <a:srcRect/>
-          <a:stretch>
-            <a:fillRect/>
-          </a:stretch>
+          <a:srcRect t="11272"/>
+          <a:stretch/>
         </p:blipFill>
         <p:spPr bwMode="auto">
           <a:xfrm>
-            <a:off x="153988" y="1000125"/>
-            <a:ext cx="8834437" cy="3143250"/>
+            <a:off x="1061610" y="2145281"/>
+            <a:ext cx="7791800" cy="2459810"/>
           </a:xfrm>
           <a:prstGeom prst="rect">
             <a:avLst/>
@@ -27905,24 +27598,17 @@
     </p:spTree>
     <p:extLst>
       <p:ext uri="{BB962C8B-B14F-4D97-AF65-F5344CB8AC3E}">
-        <p14:creationId xmlns:p14="http://schemas.microsoft.com/office/powerpoint/2010/main" val="3915569170"/>
+        <p14:creationId xmlns:p14="http://schemas.microsoft.com/office/powerpoint/2010/main" val="1699885381"/>
       </p:ext>
     </p:extLst>
   </p:cSld>
   <p:clrMapOvr>
     <a:masterClrMapping/>
   </p:clrMapOvr>
-  <p:timing>
-    <p:tnLst>
-      <p:par>
-        <p:cTn id="1" dur="indefinite" restart="never" nodeType="tmRoot"/>
-      </p:par>
-    </p:tnLst>
-  </p:timing>
 </p:sld>
 </file>
 
-<file path=ppt/slides/slide45.xml><?xml version="1.0" encoding="utf-8"?>
+<file path=ppt/slides/slide44.xml><?xml version="1.0" encoding="utf-8"?>
 <p:sld xmlns:a="http://schemas.openxmlformats.org/drawingml/2006/main" xmlns:r="http://schemas.openxmlformats.org/officeDocument/2006/relationships" xmlns:p="http://schemas.openxmlformats.org/presentationml/2006/main">
   <p:cSld>
     <p:spTree>
@@ -28118,7 +27804,7 @@
 </p:sld>
 </file>
 
-<file path=ppt/slides/slide46.xml><?xml version="1.0" encoding="utf-8"?>
+<file path=ppt/slides/slide45.xml><?xml version="1.0" encoding="utf-8"?>
 <p:sld xmlns:a="http://schemas.openxmlformats.org/drawingml/2006/main" xmlns:r="http://schemas.openxmlformats.org/officeDocument/2006/relationships" xmlns:p="http://schemas.openxmlformats.org/presentationml/2006/main">
   <p:cSld>
     <p:spTree>
@@ -28205,7 +27891,7 @@
 </p:sld>
 </file>
 
-<file path=ppt/slides/slide47.xml><?xml version="1.0" encoding="utf-8"?>
+<file path=ppt/slides/slide46.xml><?xml version="1.0" encoding="utf-8"?>
 <p:sld xmlns:a="http://schemas.openxmlformats.org/drawingml/2006/main" xmlns:r="http://schemas.openxmlformats.org/officeDocument/2006/relationships" xmlns:p="http://schemas.openxmlformats.org/presentationml/2006/main">
   <p:cSld>
     <p:spTree>
@@ -28338,7 +28024,7 @@
 </p:sld>
 </file>
 
-<file path=ppt/slides/slide48.xml><?xml version="1.0" encoding="utf-8"?>
+<file path=ppt/slides/slide47.xml><?xml version="1.0" encoding="utf-8"?>
 <p:sld xmlns:a="http://schemas.openxmlformats.org/drawingml/2006/main" xmlns:r="http://schemas.openxmlformats.org/officeDocument/2006/relationships" xmlns:p="http://schemas.openxmlformats.org/presentationml/2006/main">
   <p:cSld>
     <p:spTree>
@@ -28564,6 +28250,105 @@
     <p:extLst>
       <p:ext uri="{BB962C8B-B14F-4D97-AF65-F5344CB8AC3E}">
         <p14:creationId xmlns:p14="http://schemas.microsoft.com/office/powerpoint/2010/main" val="1043993483"/>
+      </p:ext>
+    </p:extLst>
+  </p:cSld>
+  <p:clrMapOvr>
+    <a:masterClrMapping/>
+  </p:clrMapOvr>
+  <p:timing>
+    <p:tnLst>
+      <p:par>
+        <p:cTn id="1" dur="indefinite" restart="never" nodeType="tmRoot"/>
+      </p:par>
+    </p:tnLst>
+  </p:timing>
+</p:sld>
+</file>
+
+<file path=ppt/slides/slide48.xml><?xml version="1.0" encoding="utf-8"?>
+<p:sld xmlns:a="http://schemas.openxmlformats.org/drawingml/2006/main" xmlns:r="http://schemas.openxmlformats.org/officeDocument/2006/relationships" xmlns:p="http://schemas.openxmlformats.org/presentationml/2006/main">
+  <p:cSld>
+    <p:spTree>
+      <p:nvGrpSpPr>
+        <p:cNvPr id="1" name=""/>
+        <p:cNvGrpSpPr/>
+        <p:nvPr/>
+      </p:nvGrpSpPr>
+      <p:grpSpPr>
+        <a:xfrm>
+          <a:off x="0" y="0"/>
+          <a:ext cx="0" cy="0"/>
+          <a:chOff x="0" y="0"/>
+          <a:chExt cx="0" cy="0"/>
+        </a:xfrm>
+      </p:grpSpPr>
+      <p:sp>
+        <p:nvSpPr>
+          <p:cNvPr id="2" name="標題 1"/>
+          <p:cNvSpPr>
+            <a:spLocks noGrp="1"/>
+          </p:cNvSpPr>
+          <p:nvPr>
+            <p:ph type="title"/>
+          </p:nvPr>
+        </p:nvSpPr>
+        <p:spPr/>
+        <p:txBody>
+          <a:bodyPr/>
+          <a:lstStyle/>
+          <a:p>
+            <a:r>
+              <a:rPr lang="en-US" altLang="zh-TW" dirty="0" smtClean="0"/>
+              <a:t>9-2 </a:t>
+            </a:r>
+            <a:r>
+              <a:rPr lang="zh-TW" altLang="en-US" dirty="0"/>
+              <a:t>資料型態</a:t>
+            </a:r>
+          </a:p>
+        </p:txBody>
+      </p:sp>
+      <p:sp>
+        <p:nvSpPr>
+          <p:cNvPr id="3" name="內容版面配置區 2"/>
+          <p:cNvSpPr>
+            <a:spLocks noGrp="1"/>
+          </p:cNvSpPr>
+          <p:nvPr>
+            <p:ph idx="1"/>
+          </p:nvPr>
+        </p:nvSpPr>
+        <p:spPr/>
+        <p:txBody>
+          <a:bodyPr>
+            <a:normAutofit/>
+          </a:bodyPr>
+          <a:lstStyle/>
+          <a:p>
+            <a:r>
+              <a:rPr lang="zh-TW" altLang="en-US" dirty="0" smtClean="0"/>
+              <a:t>當為</a:t>
+            </a:r>
+            <a:r>
+              <a:rPr lang="zh-TW" altLang="en-US" dirty="0"/>
+              <a:t>一個變數宣告好其資料型態之後，系統就知道應該為該變數保留多少記憶體的空間，而空間的大小會決定該型態可表示的數值範圍</a:t>
+            </a:r>
+            <a:r>
+              <a:rPr lang="zh-TW" altLang="en-US" dirty="0" smtClean="0"/>
+              <a:t>。</a:t>
+            </a:r>
+            <a:endParaRPr lang="en-US" altLang="zh-TW" dirty="0" smtClean="0"/>
+          </a:p>
+          <a:p>
+            <a:endParaRPr lang="zh-TW" altLang="en-US" dirty="0"/>
+          </a:p>
+        </p:txBody>
+      </p:sp>
+    </p:spTree>
+    <p:extLst>
+      <p:ext uri="{BB962C8B-B14F-4D97-AF65-F5344CB8AC3E}">
+        <p14:creationId xmlns:p14="http://schemas.microsoft.com/office/powerpoint/2010/main" val="3760177184"/>
       </p:ext>
     </p:extLst>
   </p:cSld>
@@ -28613,13 +28398,14 @@
           <a:lstStyle/>
           <a:p>
             <a:r>
-              <a:rPr lang="en-US" altLang="zh-TW" dirty="0" smtClean="0"/>
+              <a:rPr lang="en-US" altLang="zh-TW" smtClean="0"/>
               <a:t>9-2 </a:t>
             </a:r>
             <a:r>
-              <a:rPr lang="zh-TW" altLang="en-US" dirty="0"/>
+              <a:rPr lang="zh-TW" altLang="en-US" smtClean="0"/>
               <a:t>資料型態</a:t>
             </a:r>
+            <a:endParaRPr lang="zh-TW" altLang="en-US" dirty="0"/>
           </a:p>
         </p:txBody>
       </p:sp>
@@ -28635,24 +28421,65 @@
         </p:nvSpPr>
         <p:spPr/>
         <p:txBody>
-          <a:bodyPr>
-            <a:normAutofit/>
-          </a:bodyPr>
+          <a:bodyPr/>
           <a:lstStyle/>
           <a:p>
             <a:r>
               <a:rPr lang="zh-TW" altLang="en-US" dirty="0" smtClean="0"/>
-              <a:t>當為</a:t>
-            </a:r>
-            <a:r>
-              <a:rPr lang="zh-TW" altLang="en-US" dirty="0"/>
-              <a:t>一個變數宣告好其資料型態之後，系統就知道應該為該變數保留多少記憶體的空間，而空間的大小會決定該型態可表示的數值範圍</a:t>
+              <a:t>下頁表格顯示</a:t>
+            </a:r>
+            <a:r>
+              <a:rPr lang="en-US" altLang="zh-TW" dirty="0" smtClean="0"/>
+              <a:t>C</a:t>
+            </a:r>
+            <a:r>
+              <a:rPr lang="zh-TW" altLang="en-US" dirty="0" smtClean="0"/>
+              <a:t>所支援的資料型態，所需的空間和資料範圍會因為機器的規格而有所不同，此表是以</a:t>
+            </a:r>
+            <a:r>
+              <a:rPr lang="en-US" altLang="zh-TW" dirty="0" smtClean="0"/>
+              <a:t>64</a:t>
+            </a:r>
+            <a:r>
+              <a:rPr lang="zh-TW" altLang="en-US" dirty="0" smtClean="0"/>
+              <a:t>位元的電腦為例，</a:t>
+            </a:r>
+            <a:r>
+              <a:rPr lang="en-US" altLang="zh-TW" dirty="0" smtClean="0"/>
+              <a:t>C</a:t>
+            </a:r>
+            <a:r>
+              <a:rPr lang="zh-TW" altLang="en-US" dirty="0" smtClean="0"/>
+              <a:t>語言的</a:t>
+            </a:r>
+            <a:r>
+              <a:rPr lang="en-US" altLang="zh-TW" dirty="0" smtClean="0"/>
+              <a:t>long </a:t>
+            </a:r>
+            <a:r>
+              <a:rPr lang="en-US" altLang="zh-TW" dirty="0" err="1" smtClean="0"/>
+              <a:t>int</a:t>
+            </a:r>
+            <a:r>
+              <a:rPr lang="zh-TW" altLang="en-US" dirty="0" smtClean="0"/>
+              <a:t>至少是</a:t>
+            </a:r>
+            <a:r>
+              <a:rPr lang="en-US" altLang="zh-TW" dirty="0" smtClean="0"/>
+              <a:t>32bits</a:t>
+            </a:r>
+            <a:r>
+              <a:rPr lang="zh-TW" altLang="en-US" dirty="0" smtClean="0"/>
+              <a:t>，也可能是</a:t>
+            </a:r>
+            <a:r>
+              <a:rPr lang="en-US" altLang="zh-TW" dirty="0" smtClean="0"/>
+              <a:t>64bits</a:t>
             </a:r>
             <a:r>
               <a:rPr lang="zh-TW" altLang="en-US" dirty="0" smtClean="0"/>
               <a:t>。</a:t>
             </a:r>
-            <a:endParaRPr lang="en-US" altLang="zh-TW" dirty="0" smtClean="0"/>
           </a:p>
           <a:p>
             <a:endParaRPr lang="zh-TW" altLang="en-US" dirty="0"/>
@@ -28662,20 +28489,13 @@
     </p:spTree>
     <p:extLst>
       <p:ext uri="{BB962C8B-B14F-4D97-AF65-F5344CB8AC3E}">
-        <p14:creationId xmlns:p14="http://schemas.microsoft.com/office/powerpoint/2010/main" val="3760177184"/>
+        <p14:creationId xmlns:p14="http://schemas.microsoft.com/office/powerpoint/2010/main" val="2066397663"/>
       </p:ext>
     </p:extLst>
   </p:cSld>
   <p:clrMapOvr>
     <a:masterClrMapping/>
   </p:clrMapOvr>
-  <p:timing>
-    <p:tnLst>
-      <p:par>
-        <p:cTn id="1" dur="indefinite" restart="never" nodeType="tmRoot"/>
-      </p:par>
-    </p:tnLst>
-  </p:timing>
 </p:sld>
 </file>
 
@@ -28851,140 +28671,6 @@
 </file>
 
 <file path=ppt/slides/slide50.xml><?xml version="1.0" encoding="utf-8"?>
-<p:sld xmlns:a="http://schemas.openxmlformats.org/drawingml/2006/main" xmlns:r="http://schemas.openxmlformats.org/officeDocument/2006/relationships" xmlns:p="http://schemas.openxmlformats.org/presentationml/2006/main">
-  <p:cSld>
-    <p:spTree>
-      <p:nvGrpSpPr>
-        <p:cNvPr id="1" name=""/>
-        <p:cNvGrpSpPr/>
-        <p:nvPr/>
-      </p:nvGrpSpPr>
-      <p:grpSpPr>
-        <a:xfrm>
-          <a:off x="0" y="0"/>
-          <a:ext cx="0" cy="0"/>
-          <a:chOff x="0" y="0"/>
-          <a:chExt cx="0" cy="0"/>
-        </a:xfrm>
-      </p:grpSpPr>
-      <p:sp>
-        <p:nvSpPr>
-          <p:cNvPr id="2" name="標題 1"/>
-          <p:cNvSpPr>
-            <a:spLocks noGrp="1"/>
-          </p:cNvSpPr>
-          <p:nvPr>
-            <p:ph type="title"/>
-          </p:nvPr>
-        </p:nvSpPr>
-        <p:spPr/>
-        <p:txBody>
-          <a:bodyPr/>
-          <a:lstStyle/>
-          <a:p>
-            <a:r>
-              <a:rPr lang="en-US" altLang="zh-TW" smtClean="0"/>
-              <a:t>9-2 </a:t>
-            </a:r>
-            <a:r>
-              <a:rPr lang="zh-TW" altLang="en-US" smtClean="0"/>
-              <a:t>資料型態</a:t>
-            </a:r>
-            <a:endParaRPr lang="zh-TW" altLang="en-US" dirty="0"/>
-          </a:p>
-        </p:txBody>
-      </p:sp>
-      <p:sp>
-        <p:nvSpPr>
-          <p:cNvPr id="3" name="內容版面配置區 2"/>
-          <p:cNvSpPr>
-            <a:spLocks noGrp="1"/>
-          </p:cNvSpPr>
-          <p:nvPr>
-            <p:ph idx="1"/>
-          </p:nvPr>
-        </p:nvSpPr>
-        <p:spPr/>
-        <p:txBody>
-          <a:bodyPr/>
-          <a:lstStyle/>
-          <a:p>
-            <a:r>
-              <a:rPr lang="zh-TW" altLang="en-US" dirty="0" smtClean="0"/>
-              <a:t>下頁表格顯示</a:t>
-            </a:r>
-            <a:r>
-              <a:rPr lang="en-US" altLang="zh-TW" dirty="0" smtClean="0"/>
-              <a:t>C</a:t>
-            </a:r>
-            <a:r>
-              <a:rPr lang="zh-TW" altLang="en-US" dirty="0" smtClean="0"/>
-              <a:t>所支援的資料型態，所需的空間和資料範圍會因為機器的規格而有所不同，此表是以</a:t>
-            </a:r>
-            <a:r>
-              <a:rPr lang="en-US" altLang="zh-TW" dirty="0" smtClean="0"/>
-              <a:t>64</a:t>
-            </a:r>
-            <a:r>
-              <a:rPr lang="zh-TW" altLang="en-US" dirty="0" smtClean="0"/>
-              <a:t>位元的電腦為例，</a:t>
-            </a:r>
-            <a:r>
-              <a:rPr lang="en-US" altLang="zh-TW" dirty="0" smtClean="0"/>
-              <a:t>C</a:t>
-            </a:r>
-            <a:r>
-              <a:rPr lang="zh-TW" altLang="en-US" dirty="0" smtClean="0"/>
-              <a:t>語言的</a:t>
-            </a:r>
-            <a:r>
-              <a:rPr lang="en-US" altLang="zh-TW" dirty="0" smtClean="0"/>
-              <a:t>long </a:t>
-            </a:r>
-            <a:r>
-              <a:rPr lang="en-US" altLang="zh-TW" dirty="0" err="1" smtClean="0"/>
-              <a:t>int</a:t>
-            </a:r>
-            <a:r>
-              <a:rPr lang="zh-TW" altLang="en-US" dirty="0" smtClean="0"/>
-              <a:t>至少是</a:t>
-            </a:r>
-            <a:r>
-              <a:rPr lang="en-US" altLang="zh-TW" dirty="0" smtClean="0"/>
-              <a:t>32bits</a:t>
-            </a:r>
-            <a:r>
-              <a:rPr lang="zh-TW" altLang="en-US" dirty="0" smtClean="0"/>
-              <a:t>，也可能是</a:t>
-            </a:r>
-            <a:r>
-              <a:rPr lang="en-US" altLang="zh-TW" dirty="0" smtClean="0"/>
-              <a:t>64bits</a:t>
-            </a:r>
-            <a:r>
-              <a:rPr lang="zh-TW" altLang="en-US" dirty="0" smtClean="0"/>
-              <a:t>。</a:t>
-            </a:r>
-          </a:p>
-          <a:p>
-            <a:endParaRPr lang="zh-TW" altLang="en-US" dirty="0"/>
-          </a:p>
-        </p:txBody>
-      </p:sp>
-    </p:spTree>
-    <p:extLst>
-      <p:ext uri="{BB962C8B-B14F-4D97-AF65-F5344CB8AC3E}">
-        <p14:creationId xmlns:p14="http://schemas.microsoft.com/office/powerpoint/2010/main" val="2066397663"/>
-      </p:ext>
-    </p:extLst>
-  </p:cSld>
-  <p:clrMapOvr>
-    <a:masterClrMapping/>
-  </p:clrMapOvr>
-</p:sld>
-</file>
-
-<file path=ppt/slides/slide51.xml><?xml version="1.0" encoding="utf-8"?>
 <p:sld xmlns:a="http://schemas.openxmlformats.org/drawingml/2006/main" xmlns:r="http://schemas.openxmlformats.org/officeDocument/2006/relationships" xmlns:p="http://schemas.openxmlformats.org/presentationml/2006/main">
   <p:cSld>
     <p:spTree>
@@ -29741,7 +29427,7 @@
 </p:sld>
 </file>
 
-<file path=ppt/slides/slide52.xml><?xml version="1.0" encoding="utf-8"?>
+<file path=ppt/slides/slide51.xml><?xml version="1.0" encoding="utf-8"?>
 <p:sld xmlns:a="http://schemas.openxmlformats.org/drawingml/2006/main" xmlns:r="http://schemas.openxmlformats.org/officeDocument/2006/relationships" xmlns:p="http://schemas.openxmlformats.org/presentationml/2006/main">
   <p:cSld>
     <p:spTree>
@@ -29899,7 +29585,7 @@
 </p:sld>
 </file>
 
-<file path=ppt/slides/slide53.xml><?xml version="1.0" encoding="utf-8"?>
+<file path=ppt/slides/slide52.xml><?xml version="1.0" encoding="utf-8"?>
 <p:sld xmlns:a="http://schemas.openxmlformats.org/drawingml/2006/main" xmlns:r="http://schemas.openxmlformats.org/officeDocument/2006/relationships" xmlns:p="http://schemas.openxmlformats.org/presentationml/2006/main">
   <p:cSld>
     <p:spTree>
@@ -30075,7 +29761,7 @@
 </p:sld>
 </file>
 
-<file path=ppt/slides/slide54.xml><?xml version="1.0" encoding="utf-8"?>
+<file path=ppt/slides/slide53.xml><?xml version="1.0" encoding="utf-8"?>
 <p:sld xmlns:a="http://schemas.openxmlformats.org/drawingml/2006/main" xmlns:r="http://schemas.openxmlformats.org/officeDocument/2006/relationships" xmlns:p="http://schemas.openxmlformats.org/presentationml/2006/main">
   <p:cSld>
     <p:spTree>
@@ -30295,7 +29981,7 @@
 </p:sld>
 </file>
 
-<file path=ppt/slides/slide55.xml><?xml version="1.0" encoding="utf-8"?>
+<file path=ppt/slides/slide54.xml><?xml version="1.0" encoding="utf-8"?>
 <p:sld xmlns:a="http://schemas.openxmlformats.org/drawingml/2006/main" xmlns:r="http://schemas.openxmlformats.org/officeDocument/2006/relationships" xmlns:p="http://schemas.openxmlformats.org/presentationml/2006/main">
   <p:cSld>
     <p:spTree>
@@ -30493,7 +30179,7 @@
 </p:sld>
 </file>
 
-<file path=ppt/slides/slide56.xml><?xml version="1.0" encoding="utf-8"?>
+<file path=ppt/slides/slide55.xml><?xml version="1.0" encoding="utf-8"?>
 <p:sld xmlns:a="http://schemas.openxmlformats.org/drawingml/2006/main" xmlns:r="http://schemas.openxmlformats.org/officeDocument/2006/relationships" xmlns:p="http://schemas.openxmlformats.org/presentationml/2006/main">
   <p:cSld>
     <p:spTree>
@@ -30558,22 +30244,14 @@
             </a:r>
             <a:r>
               <a:rPr lang="zh-TW" altLang="en-US" sz="2600" dirty="0" smtClean="0"/>
-              <a:t>的資料型態</a:t>
-            </a:r>
+              <a:t>的資料型態。</a:t>
+            </a:r>
+            <a:endParaRPr lang="en-US" altLang="zh-TW" sz="2600" dirty="0" smtClean="0"/>
+          </a:p>
+          <a:p>
             <a:r>
               <a:rPr lang="zh-TW" altLang="en-US" sz="2600" dirty="0" smtClean="0"/>
-              <a:t>。</a:t>
-            </a:r>
-            <a:endParaRPr lang="en-US" altLang="zh-TW" sz="2600" dirty="0" smtClean="0"/>
-          </a:p>
-          <a:p>
-            <a:r>
-              <a:rPr lang="zh-TW" altLang="en-US" sz="2600" dirty="0" smtClean="0"/>
-              <a:t>譬如說，想要表示學生的姓名</a:t>
-            </a:r>
-            <a:r>
-              <a:rPr lang="zh-TW" altLang="en-US" sz="2600" dirty="0" smtClean="0"/>
-              <a:t>、系別、年級等</a:t>
+              <a:t>譬如說，想要表示學生的姓名、系別、年級等</a:t>
             </a:r>
             <a:r>
               <a:rPr lang="en-US" altLang="zh-TW" sz="2600" dirty="0" smtClean="0"/>
@@ -30669,7 +30347,7 @@
 </p:sld>
 </file>
 
-<file path=ppt/slides/slide57.xml><?xml version="1.0" encoding="utf-8"?>
+<file path=ppt/slides/slide56.xml><?xml version="1.0" encoding="utf-8"?>
 <p:sld xmlns:a="http://schemas.openxmlformats.org/drawingml/2006/main" xmlns:r="http://schemas.openxmlformats.org/officeDocument/2006/relationships" xmlns:p="http://schemas.openxmlformats.org/presentationml/2006/main">
   <p:cSld>
     <p:spTree>
@@ -30986,7 +30664,7 @@
 </p:sld>
 </file>
 
-<file path=ppt/slides/slide58.xml><?xml version="1.0" encoding="utf-8"?>
+<file path=ppt/slides/slide57.xml><?xml version="1.0" encoding="utf-8"?>
 <p:sld xmlns:a="http://schemas.openxmlformats.org/drawingml/2006/main" xmlns:r="http://schemas.openxmlformats.org/officeDocument/2006/relationships" xmlns:p="http://schemas.openxmlformats.org/presentationml/2006/main">
   <p:cSld>
     <p:spTree>
@@ -31190,7 +30868,7 @@
 </p:sld>
 </file>
 
-<file path=ppt/slides/slide59.xml><?xml version="1.0" encoding="utf-8"?>
+<file path=ppt/slides/slide58.xml><?xml version="1.0" encoding="utf-8"?>
 <p:sld xmlns:a="http://schemas.openxmlformats.org/drawingml/2006/main" xmlns:r="http://schemas.openxmlformats.org/officeDocument/2006/relationships" xmlns:p="http://schemas.openxmlformats.org/presentationml/2006/main">
   <p:cSld>
     <p:spTree>
@@ -31280,19 +30958,7 @@
           <a:p>
             <a:r>
               <a:rPr lang="zh-TW" altLang="en-US" dirty="0" smtClean="0"/>
-              <a:t>不</a:t>
-            </a:r>
-            <a:r>
-              <a:rPr lang="zh-TW" altLang="en-US" dirty="0" smtClean="0"/>
-              <a:t>直接處理該資料，</a:t>
-            </a:r>
-            <a:r>
-              <a:rPr lang="zh-TW" altLang="en-US" dirty="0" smtClean="0"/>
-              <a:t>而透過指標的理由</a:t>
-            </a:r>
-            <a:r>
-              <a:rPr lang="zh-TW" altLang="en-US" dirty="0" smtClean="0"/>
-              <a:t>：</a:t>
+              <a:t>不直接處理該資料，而透過指標的理由：</a:t>
             </a:r>
           </a:p>
           <a:p>
@@ -31318,6 +30984,122 @@
     <p:extLst>
       <p:ext uri="{BB962C8B-B14F-4D97-AF65-F5344CB8AC3E}">
         <p14:creationId xmlns:p14="http://schemas.microsoft.com/office/powerpoint/2010/main" val="2186528162"/>
+      </p:ext>
+    </p:extLst>
+  </p:cSld>
+  <p:clrMapOvr>
+    <a:masterClrMapping/>
+  </p:clrMapOvr>
+  <p:timing>
+    <p:tnLst>
+      <p:par>
+        <p:cTn id="1" dur="indefinite" restart="never" nodeType="tmRoot"/>
+      </p:par>
+    </p:tnLst>
+  </p:timing>
+</p:sld>
+</file>
+
+<file path=ppt/slides/slide59.xml><?xml version="1.0" encoding="utf-8"?>
+<p:sld xmlns:a="http://schemas.openxmlformats.org/drawingml/2006/main" xmlns:r="http://schemas.openxmlformats.org/officeDocument/2006/relationships" xmlns:p="http://schemas.openxmlformats.org/presentationml/2006/main">
+  <p:cSld>
+    <p:spTree>
+      <p:nvGrpSpPr>
+        <p:cNvPr id="1" name=""/>
+        <p:cNvGrpSpPr/>
+        <p:nvPr/>
+      </p:nvGrpSpPr>
+      <p:grpSpPr>
+        <a:xfrm>
+          <a:off x="0" y="0"/>
+          <a:ext cx="0" cy="0"/>
+          <a:chOff x="0" y="0"/>
+          <a:chExt cx="0" cy="0"/>
+        </a:xfrm>
+      </p:grpSpPr>
+      <p:sp>
+        <p:nvSpPr>
+          <p:cNvPr id="3" name="標題 2"/>
+          <p:cNvSpPr>
+            <a:spLocks noGrp="1"/>
+          </p:cNvSpPr>
+          <p:nvPr>
+            <p:ph type="title"/>
+          </p:nvPr>
+        </p:nvSpPr>
+        <p:spPr/>
+        <p:txBody>
+          <a:bodyPr/>
+          <a:lstStyle/>
+          <a:p>
+            <a:r>
+              <a:rPr lang="zh-TW" altLang="en-US" smtClean="0"/>
+              <a:t>指標</a:t>
+            </a:r>
+            <a:endParaRPr lang="zh-TW" altLang="en-US" dirty="0"/>
+          </a:p>
+        </p:txBody>
+      </p:sp>
+      <p:sp>
+        <p:nvSpPr>
+          <p:cNvPr id="2" name="內容版面配置區 1"/>
+          <p:cNvSpPr>
+            <a:spLocks noGrp="1"/>
+          </p:cNvSpPr>
+          <p:nvPr>
+            <p:ph idx="1"/>
+          </p:nvPr>
+        </p:nvSpPr>
+        <p:spPr/>
+        <p:txBody>
+          <a:bodyPr>
+            <a:normAutofit fontScale="92500" lnSpcReduction="20000"/>
+          </a:bodyPr>
+          <a:lstStyle/>
+          <a:p>
+            <a:r>
+              <a:rPr lang="zh-TW" altLang="en-US" dirty="0" smtClean="0"/>
+              <a:t>為了效率性的考量</a:t>
+            </a:r>
+          </a:p>
+          <a:p>
+            <a:pPr lvl="1"/>
+            <a:r>
+              <a:rPr lang="zh-TW" altLang="en-US" dirty="0" smtClean="0"/>
+              <a:t>指標記錄一個記憶體的位置，所以所需的空間是固定的，通常就是一個字元的大小。</a:t>
+            </a:r>
+            <a:endParaRPr lang="en-US" altLang="zh-TW" dirty="0" smtClean="0"/>
+          </a:p>
+          <a:p>
+            <a:pPr lvl="1"/>
+            <a:r>
+              <a:rPr lang="zh-TW" altLang="en-US" dirty="0" smtClean="0"/>
+              <a:t>假設每一個顧客資料，都是用複雜的結構表示，每個結構大小為</a:t>
+            </a:r>
+            <a:r>
+              <a:rPr lang="en-US" altLang="zh-TW" dirty="0" smtClean="0"/>
+              <a:t>100</a:t>
+            </a:r>
+            <a:r>
+              <a:rPr lang="zh-TW" altLang="en-US" dirty="0" smtClean="0"/>
+              <a:t>位元，若是希望對所有的顧客資料做處理，像是依照購買金額排序，則在記憶體內必須搬動很多個</a:t>
+            </a:r>
+            <a:r>
+              <a:rPr lang="en-US" altLang="zh-TW" dirty="0" smtClean="0"/>
+              <a:t>100</a:t>
+            </a:r>
+            <a:r>
+              <a:rPr lang="zh-TW" altLang="en-US" dirty="0" smtClean="0"/>
+              <a:t>位元大小的顧客結構。</a:t>
+            </a:r>
+            <a:endParaRPr lang="en-US" altLang="zh-TW" dirty="0" smtClean="0"/>
+          </a:p>
+        </p:txBody>
+      </p:sp>
+    </p:spTree>
+    <p:extLst>
+      <p:ext uri="{BB962C8B-B14F-4D97-AF65-F5344CB8AC3E}">
+        <p14:creationId xmlns:p14="http://schemas.microsoft.com/office/powerpoint/2010/main" val="812771409"/>
       </p:ext>
     </p:extLst>
   </p:cSld>
@@ -31527,7 +31309,7 @@
         <p:spPr/>
         <p:txBody>
           <a:bodyPr>
-            <a:normAutofit fontScale="92500" lnSpcReduction="20000"/>
+            <a:normAutofit/>
           </a:bodyPr>
           <a:lstStyle/>
           <a:p>
@@ -31540,40 +31322,26 @@
             <a:pPr lvl="1"/>
             <a:r>
               <a:rPr lang="zh-TW" altLang="en-US" dirty="0" smtClean="0"/>
-              <a:t>指標記錄一個記憶體的位置，所以所需的空間是固定的，通常就是一個字元的大小。</a:t>
-            </a:r>
-            <a:endParaRPr lang="en-US" altLang="zh-TW" dirty="0" smtClean="0"/>
-          </a:p>
-          <a:p>
-            <a:pPr lvl="1"/>
-            <a:r>
-              <a:rPr lang="zh-TW" altLang="en-US" dirty="0" smtClean="0"/>
-              <a:t>假設每一個顧客資料，都是用複雜的結構表示，每個結構大小為</a:t>
+              <a:t>另一方面，若使用指標為代理人，則在記憶體內我們只須搬動</a:t>
             </a:r>
             <a:r>
               <a:rPr lang="en-US" altLang="zh-TW" dirty="0" smtClean="0"/>
-              <a:t>100</a:t>
-            </a:r>
-            <a:r>
-              <a:rPr lang="zh-TW" altLang="en-US" dirty="0" smtClean="0"/>
-              <a:t>位元，若是希望對所有的顧客資料做處理，像是依照購買金額排序，則在記憶體內必須搬動很多個</a:t>
-            </a:r>
-            <a:r>
-              <a:rPr lang="en-US" altLang="zh-TW" dirty="0" smtClean="0"/>
-              <a:t>100</a:t>
-            </a:r>
-            <a:r>
-              <a:rPr lang="zh-TW" altLang="en-US" dirty="0" smtClean="0"/>
-              <a:t>位元大小的顧客結構。</a:t>
-            </a:r>
-            <a:endParaRPr lang="en-US" altLang="zh-TW" dirty="0" smtClean="0"/>
+              <a:t>1</a:t>
+            </a:r>
+            <a:r>
+              <a:rPr lang="zh-TW" altLang="en-US" dirty="0" smtClean="0"/>
+              <a:t>個字元大小的指標，則程式執行的效率會有顯著的改善。</a:t>
+            </a:r>
+          </a:p>
+          <a:p>
+            <a:endParaRPr lang="zh-TW" altLang="en-US" dirty="0"/>
           </a:p>
         </p:txBody>
       </p:sp>
     </p:spTree>
     <p:extLst>
       <p:ext uri="{BB962C8B-B14F-4D97-AF65-F5344CB8AC3E}">
-        <p14:creationId xmlns:p14="http://schemas.microsoft.com/office/powerpoint/2010/main" val="812771409"/>
+        <p14:creationId xmlns:p14="http://schemas.microsoft.com/office/powerpoint/2010/main" val="2333265736"/>
       </p:ext>
     </p:extLst>
   </p:cSld>
@@ -31609,7 +31377,7 @@
       </p:grpSpPr>
       <p:sp>
         <p:nvSpPr>
-          <p:cNvPr id="3" name="標題 2"/>
+          <p:cNvPr id="5" name="標題 4"/>
           <p:cNvSpPr>
             <a:spLocks noGrp="1"/>
           </p:cNvSpPr>
@@ -31649,23 +31417,32 @@
           <a:p>
             <a:r>
               <a:rPr lang="zh-TW" altLang="en-US" dirty="0" smtClean="0"/>
-              <a:t>為了效率性的考量</a:t>
+              <a:t>不能確定資料的大小</a:t>
             </a:r>
           </a:p>
           <a:p>
             <a:pPr lvl="1"/>
             <a:r>
               <a:rPr lang="zh-TW" altLang="en-US" dirty="0" smtClean="0"/>
-              <a:t>另一方面，若使用指標為代理人，則在記憶體內我們只須搬動</a:t>
+              <a:t>假設要記錄所有顧客的資料，其中一個方法是使用陣列，但是宣告陣列時必須很明確的告知陣列內元素的個數，如</a:t>
             </a:r>
             <a:r>
               <a:rPr lang="en-US" altLang="zh-TW" dirty="0" smtClean="0"/>
-              <a:t>1</a:t>
-            </a:r>
-            <a:r>
-              <a:rPr lang="zh-TW" altLang="en-US" dirty="0" smtClean="0"/>
-              <a:t>個字元大小的指標，則程式執行的效率會有顯著的改善。</a:t>
-            </a:r>
+              <a:t>50</a:t>
+            </a:r>
+            <a:r>
+              <a:rPr lang="zh-TW" altLang="en-US" dirty="0" smtClean="0"/>
+              <a:t>或</a:t>
+            </a:r>
+            <a:r>
+              <a:rPr lang="en-US" altLang="zh-TW" dirty="0" smtClean="0"/>
+              <a:t>100</a:t>
+            </a:r>
+            <a:r>
+              <a:rPr lang="zh-TW" altLang="en-US" dirty="0" smtClean="0"/>
+              <a:t>，以便系統在記憶體裡預留空間。</a:t>
+            </a:r>
+            <a:endParaRPr lang="en-US" altLang="zh-TW" dirty="0" smtClean="0"/>
           </a:p>
           <a:p>
             <a:endParaRPr lang="zh-TW" altLang="en-US" dirty="0"/>
@@ -31675,7 +31452,7 @@
     </p:spTree>
     <p:extLst>
       <p:ext uri="{BB962C8B-B14F-4D97-AF65-F5344CB8AC3E}">
-        <p14:creationId xmlns:p14="http://schemas.microsoft.com/office/powerpoint/2010/main" val="2333265736"/>
+        <p14:creationId xmlns:p14="http://schemas.microsoft.com/office/powerpoint/2010/main" val="1059106930"/>
       </p:ext>
     </p:extLst>
   </p:cSld>
@@ -31758,7 +31535,31 @@
             <a:pPr lvl="1"/>
             <a:r>
               <a:rPr lang="zh-TW" altLang="en-US" dirty="0" smtClean="0"/>
-              <a:t>假設要記錄所有顧客的資料，其中一個方法是使用陣列，但是宣告陣列時必須很明確的告知陣列內元素的個數，如</a:t>
+              <a:t>假設宣告陣列大小為</a:t>
+            </a:r>
+            <a:r>
+              <a:rPr lang="en-US" altLang="zh-TW" dirty="0" smtClean="0"/>
+              <a:t>100</a:t>
+            </a:r>
+            <a:r>
+              <a:rPr lang="zh-TW" altLang="en-US" dirty="0" smtClean="0"/>
+              <a:t>，但是只來了</a:t>
+            </a:r>
+            <a:r>
+              <a:rPr lang="en-US" altLang="zh-TW" dirty="0" smtClean="0"/>
+              <a:t>10</a:t>
+            </a:r>
+            <a:r>
+              <a:rPr lang="zh-TW" altLang="en-US" dirty="0" smtClean="0"/>
+              <a:t>個顧客，則有</a:t>
+            </a:r>
+            <a:r>
+              <a:rPr lang="en-US" altLang="zh-TW" dirty="0" smtClean="0"/>
+              <a:t>90</a:t>
+            </a:r>
+            <a:r>
+              <a:rPr lang="zh-TW" altLang="en-US" dirty="0" smtClean="0"/>
+              <a:t>個元素的空間被浪費了；但是若宣告為</a:t>
             </a:r>
             <a:r>
               <a:rPr lang="en-US" altLang="zh-TW" dirty="0" smtClean="0"/>
@@ -31766,17 +31567,16 @@
             </a:r>
             <a:r>
               <a:rPr lang="zh-TW" altLang="en-US" dirty="0" smtClean="0"/>
-              <a:t>或</a:t>
+              <a:t>，但是卻來了</a:t>
             </a:r>
             <a:r>
               <a:rPr lang="en-US" altLang="zh-TW" dirty="0" smtClean="0"/>
-              <a:t>100</a:t>
-            </a:r>
-            <a:r>
-              <a:rPr lang="zh-TW" altLang="en-US" dirty="0" smtClean="0"/>
-              <a:t>，以便系統在記憶體裡預留空間。</a:t>
-            </a:r>
-            <a:endParaRPr lang="en-US" altLang="zh-TW" dirty="0" smtClean="0"/>
+              <a:t>60</a:t>
+            </a:r>
+            <a:r>
+              <a:rPr lang="zh-TW" altLang="en-US" dirty="0" smtClean="0"/>
+              <a:t>個顧客，則事先預留的空間則不夠，造成很大的問題。</a:t>
+            </a:r>
           </a:p>
           <a:p>
             <a:endParaRPr lang="zh-TW" altLang="en-US" dirty="0"/>
@@ -31786,7 +31586,7 @@
     </p:spTree>
     <p:extLst>
       <p:ext uri="{BB962C8B-B14F-4D97-AF65-F5344CB8AC3E}">
-        <p14:creationId xmlns:p14="http://schemas.microsoft.com/office/powerpoint/2010/main" val="1059106930"/>
+        <p14:creationId xmlns:p14="http://schemas.microsoft.com/office/powerpoint/2010/main" val="3436808956"/>
       </p:ext>
     </p:extLst>
   </p:cSld>
@@ -31836,140 +31636,6 @@
           <a:lstStyle/>
           <a:p>
             <a:r>
-              <a:rPr lang="zh-TW" altLang="en-US" smtClean="0"/>
-              <a:t>指標</a:t>
-            </a:r>
-            <a:endParaRPr lang="zh-TW" altLang="en-US" dirty="0"/>
-          </a:p>
-        </p:txBody>
-      </p:sp>
-      <p:sp>
-        <p:nvSpPr>
-          <p:cNvPr id="2" name="內容版面配置區 1"/>
-          <p:cNvSpPr>
-            <a:spLocks noGrp="1"/>
-          </p:cNvSpPr>
-          <p:nvPr>
-            <p:ph idx="1"/>
-          </p:nvPr>
-        </p:nvSpPr>
-        <p:spPr/>
-        <p:txBody>
-          <a:bodyPr>
-            <a:normAutofit/>
-          </a:bodyPr>
-          <a:lstStyle/>
-          <a:p>
-            <a:r>
-              <a:rPr lang="zh-TW" altLang="en-US" dirty="0" smtClean="0"/>
-              <a:t>不能確定資料的大小</a:t>
-            </a:r>
-          </a:p>
-          <a:p>
-            <a:pPr lvl="1"/>
-            <a:r>
-              <a:rPr lang="zh-TW" altLang="en-US" dirty="0" smtClean="0"/>
-              <a:t>假設宣告陣列大小為</a:t>
-            </a:r>
-            <a:r>
-              <a:rPr lang="en-US" altLang="zh-TW" dirty="0" smtClean="0"/>
-              <a:t>100</a:t>
-            </a:r>
-            <a:r>
-              <a:rPr lang="zh-TW" altLang="en-US" dirty="0" smtClean="0"/>
-              <a:t>，但是只來了</a:t>
-            </a:r>
-            <a:r>
-              <a:rPr lang="en-US" altLang="zh-TW" dirty="0" smtClean="0"/>
-              <a:t>10</a:t>
-            </a:r>
-            <a:r>
-              <a:rPr lang="zh-TW" altLang="en-US" dirty="0" smtClean="0"/>
-              <a:t>個顧客，則有</a:t>
-            </a:r>
-            <a:r>
-              <a:rPr lang="en-US" altLang="zh-TW" dirty="0" smtClean="0"/>
-              <a:t>90</a:t>
-            </a:r>
-            <a:r>
-              <a:rPr lang="zh-TW" altLang="en-US" dirty="0" smtClean="0"/>
-              <a:t>個元素的空間被浪費了；但是若宣告為</a:t>
-            </a:r>
-            <a:r>
-              <a:rPr lang="en-US" altLang="zh-TW" dirty="0" smtClean="0"/>
-              <a:t>50</a:t>
-            </a:r>
-            <a:r>
-              <a:rPr lang="zh-TW" altLang="en-US" dirty="0" smtClean="0"/>
-              <a:t>，但是卻來了</a:t>
-            </a:r>
-            <a:r>
-              <a:rPr lang="en-US" altLang="zh-TW" dirty="0" smtClean="0"/>
-              <a:t>60</a:t>
-            </a:r>
-            <a:r>
-              <a:rPr lang="zh-TW" altLang="en-US" dirty="0" smtClean="0"/>
-              <a:t>個顧客，則事先預留的空間則不夠，造成很大的問題。</a:t>
-            </a:r>
-          </a:p>
-          <a:p>
-            <a:endParaRPr lang="zh-TW" altLang="en-US" dirty="0"/>
-          </a:p>
-        </p:txBody>
-      </p:sp>
-    </p:spTree>
-    <p:extLst>
-      <p:ext uri="{BB962C8B-B14F-4D97-AF65-F5344CB8AC3E}">
-        <p14:creationId xmlns:p14="http://schemas.microsoft.com/office/powerpoint/2010/main" val="3436808956"/>
-      </p:ext>
-    </p:extLst>
-  </p:cSld>
-  <p:clrMapOvr>
-    <a:masterClrMapping/>
-  </p:clrMapOvr>
-  <p:timing>
-    <p:tnLst>
-      <p:par>
-        <p:cTn id="1" dur="indefinite" restart="never" nodeType="tmRoot"/>
-      </p:par>
-    </p:tnLst>
-  </p:timing>
-</p:sld>
-</file>
-
-<file path=ppt/slides/slide64.xml><?xml version="1.0" encoding="utf-8"?>
-<p:sld xmlns:a="http://schemas.openxmlformats.org/drawingml/2006/main" xmlns:r="http://schemas.openxmlformats.org/officeDocument/2006/relationships" xmlns:p="http://schemas.openxmlformats.org/presentationml/2006/main">
-  <p:cSld>
-    <p:spTree>
-      <p:nvGrpSpPr>
-        <p:cNvPr id="1" name=""/>
-        <p:cNvGrpSpPr/>
-        <p:nvPr/>
-      </p:nvGrpSpPr>
-      <p:grpSpPr>
-        <a:xfrm>
-          <a:off x="0" y="0"/>
-          <a:ext cx="0" cy="0"/>
-          <a:chOff x="0" y="0"/>
-          <a:chExt cx="0" cy="0"/>
-        </a:xfrm>
-      </p:grpSpPr>
-      <p:sp>
-        <p:nvSpPr>
-          <p:cNvPr id="5" name="標題 4"/>
-          <p:cNvSpPr>
-            <a:spLocks noGrp="1"/>
-          </p:cNvSpPr>
-          <p:nvPr>
-            <p:ph type="title"/>
-          </p:nvPr>
-        </p:nvSpPr>
-        <p:spPr/>
-        <p:txBody>
-          <a:bodyPr/>
-          <a:lstStyle/>
-          <a:p>
-            <a:r>
               <a:rPr lang="zh-TW" altLang="en-US" dirty="0" smtClean="0"/>
               <a:t>指標</a:t>
             </a:r>
@@ -32039,7 +31705,7 @@
 </p:sld>
 </file>
 
-<file path=ppt/slides/slide65.xml><?xml version="1.0" encoding="utf-8"?>
+<file path=ppt/slides/slide64.xml><?xml version="1.0" encoding="utf-8"?>
 <p:sld xmlns:a="http://schemas.openxmlformats.org/drawingml/2006/main" xmlns:r="http://schemas.openxmlformats.org/officeDocument/2006/relationships" xmlns:p="http://schemas.openxmlformats.org/presentationml/2006/main">
   <p:cSld>
     <p:spTree>
@@ -32176,7 +31842,7 @@
 </p:sld>
 </file>
 
-<file path=ppt/slides/slide66.xml><?xml version="1.0" encoding="utf-8"?>
+<file path=ppt/slides/slide65.xml><?xml version="1.0" encoding="utf-8"?>
 <p:sld xmlns:a="http://schemas.openxmlformats.org/drawingml/2006/main" xmlns:r="http://schemas.openxmlformats.org/officeDocument/2006/relationships" xmlns:p="http://schemas.openxmlformats.org/presentationml/2006/main">
   <p:cSld>
     <p:spTree>
@@ -32228,7 +31894,9 @@
         </p:nvSpPr>
         <p:spPr/>
         <p:txBody>
-          <a:bodyPr/>
+          <a:bodyPr>
+            <a:normAutofit fontScale="92500" lnSpcReduction="10000"/>
+          </a:bodyPr>
           <a:lstStyle/>
           <a:p>
             <a:r>
@@ -32245,15 +31913,31 @@
             </a:r>
             <a:r>
               <a:rPr lang="zh-TW" altLang="en-US" dirty="0" smtClean="0"/>
-              <a:t>代表了記憶體中的一塊空間，而該空間存放的資料型態是</a:t>
-            </a:r>
-            <a:r>
-              <a:rPr lang="en-US" altLang="zh-TW" dirty="0" smtClean="0">
-                <a:solidFill>
-                  <a:srgbClr val="C00000"/>
-                </a:solidFill>
-              </a:rPr>
+              <a:t>代表了記憶體中的一塊空間</a:t>
+            </a:r>
+            <a:r>
+              <a:rPr lang="zh-TW" altLang="en-US" dirty="0" smtClean="0"/>
+              <a:t>，</a:t>
+            </a:r>
+            <a:r>
+              <a:rPr lang="zh-TW" altLang="en-US" dirty="0" smtClean="0"/>
+              <a:t>該</a:t>
+            </a:r>
+            <a:r>
+              <a:rPr lang="zh-TW" altLang="en-US" dirty="0"/>
+              <a:t>空間存放的是一個</a:t>
+            </a:r>
+            <a:r>
+              <a:rPr lang="en-US" altLang="zh-TW" dirty="0"/>
               <a:t>node</a:t>
+            </a:r>
+            <a:r>
+              <a:rPr lang="zh-TW" altLang="en-US" dirty="0"/>
+              <a:t>結構，包含整數型態的資料和</a:t>
+            </a:r>
+            <a:r>
+              <a:rPr lang="zh-TW" altLang="en-US" dirty="0" smtClean="0"/>
+              <a:t>指標</a:t>
             </a:r>
             <a:r>
               <a:rPr lang="zh-TW" altLang="en-US" dirty="0" smtClean="0"/>
@@ -32306,7 +31990,7 @@
 </p:sld>
 </file>
 
-<file path=ppt/slides/slide67.xml><?xml version="1.0" encoding="utf-8"?>
+<file path=ppt/slides/slide66.xml><?xml version="1.0" encoding="utf-8"?>
 <p:sld xmlns:a="http://schemas.openxmlformats.org/drawingml/2006/main" xmlns:r="http://schemas.openxmlformats.org/officeDocument/2006/relationships" xmlns:p="http://schemas.openxmlformats.org/presentationml/2006/main">
   <p:cSld>
     <p:spTree>
@@ -32468,8 +32152,8 @@
           <p:nvPr/>
         </p:nvSpPr>
         <p:spPr>
-          <a:xfrm rot="1058634">
-            <a:off x="6245380" y="4086045"/>
+          <a:xfrm rot="517319">
+            <a:off x="6245382" y="4062552"/>
             <a:ext cx="2031325" cy="369332"/>
           </a:xfrm>
           <a:prstGeom prst="rect">
@@ -32511,6 +32195,146 @@
     <p:extLst>
       <p:ext uri="{BB962C8B-B14F-4D97-AF65-F5344CB8AC3E}">
         <p14:creationId xmlns:p14="http://schemas.microsoft.com/office/powerpoint/2010/main" val="1325904826"/>
+      </p:ext>
+    </p:extLst>
+  </p:cSld>
+  <p:clrMapOvr>
+    <a:masterClrMapping/>
+  </p:clrMapOvr>
+  <p:timing>
+    <p:tnLst>
+      <p:par>
+        <p:cTn id="1" dur="indefinite" restart="never" nodeType="tmRoot"/>
+      </p:par>
+    </p:tnLst>
+  </p:timing>
+</p:sld>
+</file>
+
+<file path=ppt/slides/slide67.xml><?xml version="1.0" encoding="utf-8"?>
+<p:sld xmlns:a="http://schemas.openxmlformats.org/drawingml/2006/main" xmlns:r="http://schemas.openxmlformats.org/officeDocument/2006/relationships" xmlns:p="http://schemas.openxmlformats.org/presentationml/2006/main">
+  <p:cSld>
+    <p:spTree>
+      <p:nvGrpSpPr>
+        <p:cNvPr id="1" name=""/>
+        <p:cNvGrpSpPr/>
+        <p:nvPr/>
+      </p:nvGrpSpPr>
+      <p:grpSpPr>
+        <a:xfrm>
+          <a:off x="0" y="0"/>
+          <a:ext cx="0" cy="0"/>
+          <a:chOff x="0" y="0"/>
+          <a:chExt cx="0" cy="0"/>
+        </a:xfrm>
+      </p:grpSpPr>
+      <p:sp>
+        <p:nvSpPr>
+          <p:cNvPr id="2" name="標題 1"/>
+          <p:cNvSpPr>
+            <a:spLocks noGrp="1"/>
+          </p:cNvSpPr>
+          <p:nvPr>
+            <p:ph type="title"/>
+          </p:nvPr>
+        </p:nvSpPr>
+        <p:spPr/>
+        <p:txBody>
+          <a:bodyPr/>
+          <a:lstStyle/>
+          <a:p>
+            <a:r>
+              <a:rPr lang="en-US" altLang="zh-TW" dirty="0" smtClean="0"/>
+              <a:t>9-3 </a:t>
+            </a:r>
+            <a:r>
+              <a:rPr lang="zh-TW" altLang="en-US" dirty="0" smtClean="0"/>
+              <a:t>程式指令</a:t>
+            </a:r>
+            <a:endParaRPr lang="zh-TW" altLang="en-US" dirty="0"/>
+          </a:p>
+        </p:txBody>
+      </p:sp>
+      <p:sp>
+        <p:nvSpPr>
+          <p:cNvPr id="3" name="內容版面配置區 2"/>
+          <p:cNvSpPr>
+            <a:spLocks noGrp="1"/>
+          </p:cNvSpPr>
+          <p:nvPr>
+            <p:ph idx="1"/>
+          </p:nvPr>
+        </p:nvSpPr>
+        <p:spPr/>
+        <p:txBody>
+          <a:bodyPr/>
+          <a:lstStyle/>
+          <a:p>
+            <a:r>
+              <a:rPr lang="zh-TW" altLang="en-US" dirty="0" smtClean="0">
+                <a:hlinkClick r:id="rId2" action="ppaction://hlinksldjump"/>
+              </a:rPr>
+              <a:t>比較：</a:t>
+            </a:r>
+            <a:r>
+              <a:rPr lang="en-US" altLang="zh-TW" dirty="0" smtClean="0">
+                <a:hlinkClick r:id="rId2" action="ppaction://hlinksldjump"/>
+              </a:rPr>
+              <a:t>if</a:t>
+            </a:r>
+            <a:endParaRPr lang="en-US" altLang="zh-TW" dirty="0" smtClean="0"/>
+          </a:p>
+          <a:p>
+            <a:r>
+              <a:rPr lang="zh-TW" altLang="en-US" dirty="0" smtClean="0">
+                <a:hlinkClick r:id="rId3" action="ppaction://hlinksldjump"/>
+              </a:rPr>
+              <a:t>固定次數的迴圈：</a:t>
+            </a:r>
+            <a:r>
+              <a:rPr lang="en-US" altLang="zh-TW" dirty="0" smtClean="0">
+                <a:hlinkClick r:id="rId3" action="ppaction://hlinksldjump"/>
+              </a:rPr>
+              <a:t>for</a:t>
+            </a:r>
+            <a:endParaRPr lang="en-US" altLang="zh-TW" dirty="0" smtClean="0"/>
+          </a:p>
+          <a:p>
+            <a:r>
+              <a:rPr lang="zh-TW" altLang="en-US" dirty="0" smtClean="0">
+                <a:hlinkClick r:id="rId4" action="ppaction://hlinksldjump"/>
+              </a:rPr>
+              <a:t>不固定次數的迴圈：</a:t>
+            </a:r>
+            <a:r>
+              <a:rPr lang="en-US" altLang="zh-TW" dirty="0" smtClean="0">
+                <a:hlinkClick r:id="rId4" action="ppaction://hlinksldjump"/>
+              </a:rPr>
+              <a:t>while</a:t>
+            </a:r>
+            <a:endParaRPr lang="en-US" altLang="zh-TW" dirty="0" smtClean="0"/>
+          </a:p>
+          <a:p>
+            <a:r>
+              <a:rPr lang="zh-TW" altLang="en-US" dirty="0" smtClean="0">
+                <a:hlinkClick r:id="rId5" action="ppaction://hlinksldjump"/>
+              </a:rPr>
+              <a:t>不固定次數的迴圈：</a:t>
+            </a:r>
+            <a:r>
+              <a:rPr lang="en-US" altLang="zh-TW" dirty="0" smtClean="0">
+                <a:hlinkClick r:id="rId5" action="ppaction://hlinksldjump"/>
+              </a:rPr>
+              <a:t>for</a:t>
+            </a:r>
+            <a:endParaRPr lang="zh-TW" altLang="en-US" dirty="0"/>
+          </a:p>
+        </p:txBody>
+      </p:sp>
+    </p:spTree>
+    <p:extLst>
+      <p:ext uri="{BB962C8B-B14F-4D97-AF65-F5344CB8AC3E}">
+        <p14:creationId xmlns:p14="http://schemas.microsoft.com/office/powerpoint/2010/main" val="1911511206"/>
       </p:ext>
     </p:extLst>
   </p:cSld>
@@ -32546,146 +32370,6 @@
       </p:grpSpPr>
       <p:sp>
         <p:nvSpPr>
-          <p:cNvPr id="2" name="標題 1"/>
-          <p:cNvSpPr>
-            <a:spLocks noGrp="1"/>
-          </p:cNvSpPr>
-          <p:nvPr>
-            <p:ph type="title"/>
-          </p:nvPr>
-        </p:nvSpPr>
-        <p:spPr/>
-        <p:txBody>
-          <a:bodyPr/>
-          <a:lstStyle/>
-          <a:p>
-            <a:r>
-              <a:rPr lang="en-US" altLang="zh-TW" dirty="0" smtClean="0"/>
-              <a:t>9-3 </a:t>
-            </a:r>
-            <a:r>
-              <a:rPr lang="zh-TW" altLang="en-US" dirty="0" smtClean="0"/>
-              <a:t>程式指令</a:t>
-            </a:r>
-            <a:endParaRPr lang="zh-TW" altLang="en-US" dirty="0"/>
-          </a:p>
-        </p:txBody>
-      </p:sp>
-      <p:sp>
-        <p:nvSpPr>
-          <p:cNvPr id="3" name="內容版面配置區 2"/>
-          <p:cNvSpPr>
-            <a:spLocks noGrp="1"/>
-          </p:cNvSpPr>
-          <p:nvPr>
-            <p:ph idx="1"/>
-          </p:nvPr>
-        </p:nvSpPr>
-        <p:spPr/>
-        <p:txBody>
-          <a:bodyPr/>
-          <a:lstStyle/>
-          <a:p>
-            <a:r>
-              <a:rPr lang="zh-TW" altLang="en-US" dirty="0" smtClean="0">
-                <a:hlinkClick r:id="rId2" action="ppaction://hlinksldjump"/>
-              </a:rPr>
-              <a:t>比較：</a:t>
-            </a:r>
-            <a:r>
-              <a:rPr lang="en-US" altLang="zh-TW" dirty="0" smtClean="0">
-                <a:hlinkClick r:id="rId2" action="ppaction://hlinksldjump"/>
-              </a:rPr>
-              <a:t>if</a:t>
-            </a:r>
-            <a:endParaRPr lang="en-US" altLang="zh-TW" dirty="0" smtClean="0"/>
-          </a:p>
-          <a:p>
-            <a:r>
-              <a:rPr lang="zh-TW" altLang="en-US" dirty="0" smtClean="0">
-                <a:hlinkClick r:id="rId3" action="ppaction://hlinksldjump"/>
-              </a:rPr>
-              <a:t>固定次數的迴圈：</a:t>
-            </a:r>
-            <a:r>
-              <a:rPr lang="en-US" altLang="zh-TW" dirty="0" smtClean="0">
-                <a:hlinkClick r:id="rId3" action="ppaction://hlinksldjump"/>
-              </a:rPr>
-              <a:t>for</a:t>
-            </a:r>
-            <a:endParaRPr lang="en-US" altLang="zh-TW" dirty="0" smtClean="0"/>
-          </a:p>
-          <a:p>
-            <a:r>
-              <a:rPr lang="zh-TW" altLang="en-US" dirty="0" smtClean="0">
-                <a:hlinkClick r:id="rId4" action="ppaction://hlinksldjump"/>
-              </a:rPr>
-              <a:t>不固定次數的迴圈：</a:t>
-            </a:r>
-            <a:r>
-              <a:rPr lang="en-US" altLang="zh-TW" dirty="0" smtClean="0">
-                <a:hlinkClick r:id="rId4" action="ppaction://hlinksldjump"/>
-              </a:rPr>
-              <a:t>while</a:t>
-            </a:r>
-            <a:endParaRPr lang="en-US" altLang="zh-TW" dirty="0" smtClean="0"/>
-          </a:p>
-          <a:p>
-            <a:r>
-              <a:rPr lang="zh-TW" altLang="en-US" dirty="0" smtClean="0">
-                <a:hlinkClick r:id="rId5" action="ppaction://hlinksldjump"/>
-              </a:rPr>
-              <a:t>不固定次數的迴圈：</a:t>
-            </a:r>
-            <a:r>
-              <a:rPr lang="en-US" altLang="zh-TW" dirty="0" smtClean="0">
-                <a:hlinkClick r:id="rId5" action="ppaction://hlinksldjump"/>
-              </a:rPr>
-              <a:t>for</a:t>
-            </a:r>
-            <a:endParaRPr lang="zh-TW" altLang="en-US" dirty="0"/>
-          </a:p>
-        </p:txBody>
-      </p:sp>
-    </p:spTree>
-    <p:extLst>
-      <p:ext uri="{BB962C8B-B14F-4D97-AF65-F5344CB8AC3E}">
-        <p14:creationId xmlns:p14="http://schemas.microsoft.com/office/powerpoint/2010/main" val="1911511206"/>
-      </p:ext>
-    </p:extLst>
-  </p:cSld>
-  <p:clrMapOvr>
-    <a:masterClrMapping/>
-  </p:clrMapOvr>
-  <p:timing>
-    <p:tnLst>
-      <p:par>
-        <p:cTn id="1" dur="indefinite" restart="never" nodeType="tmRoot"/>
-      </p:par>
-    </p:tnLst>
-  </p:timing>
-</p:sld>
-</file>
-
-<file path=ppt/slides/slide69.xml><?xml version="1.0" encoding="utf-8"?>
-<p:sld xmlns:a="http://schemas.openxmlformats.org/drawingml/2006/main" xmlns:r="http://schemas.openxmlformats.org/officeDocument/2006/relationships" xmlns:p="http://schemas.openxmlformats.org/presentationml/2006/main">
-  <p:cSld>
-    <p:spTree>
-      <p:nvGrpSpPr>
-        <p:cNvPr id="1" name=""/>
-        <p:cNvGrpSpPr/>
-        <p:nvPr/>
-      </p:nvGrpSpPr>
-      <p:grpSpPr>
-        <a:xfrm>
-          <a:off x="0" y="0"/>
-          <a:ext cx="0" cy="0"/>
-          <a:chOff x="0" y="0"/>
-          <a:chExt cx="0" cy="0"/>
-        </a:xfrm>
-      </p:grpSpPr>
-      <p:sp>
-        <p:nvSpPr>
           <p:cNvPr id="3" name="標題 2"/>
           <p:cNvSpPr>
             <a:spLocks noGrp="1"/>
@@ -32875,131 +32559,7 @@
 </p:sld>
 </file>
 
-<file path=ppt/slides/slide7.xml><?xml version="1.0" encoding="utf-8"?>
-<p:sld xmlns:a="http://schemas.openxmlformats.org/drawingml/2006/main" xmlns:r="http://schemas.openxmlformats.org/officeDocument/2006/relationships" xmlns:p="http://schemas.openxmlformats.org/presentationml/2006/main">
-  <p:cSld>
-    <p:spTree>
-      <p:nvGrpSpPr>
-        <p:cNvPr id="1" name=""/>
-        <p:cNvGrpSpPr/>
-        <p:nvPr/>
-      </p:nvGrpSpPr>
-      <p:grpSpPr>
-        <a:xfrm>
-          <a:off x="0" y="0"/>
-          <a:ext cx="0" cy="0"/>
-          <a:chOff x="0" y="0"/>
-          <a:chExt cx="0" cy="0"/>
-        </a:xfrm>
-      </p:grpSpPr>
-      <p:sp>
-        <p:nvSpPr>
-          <p:cNvPr id="3" name="標題 2"/>
-          <p:cNvSpPr>
-            <a:spLocks noGrp="1"/>
-          </p:cNvSpPr>
-          <p:nvPr>
-            <p:ph type="title"/>
-          </p:nvPr>
-        </p:nvSpPr>
-        <p:spPr/>
-        <p:txBody>
-          <a:bodyPr/>
-          <a:lstStyle/>
-          <a:p>
-            <a:r>
-              <a:rPr lang="en-US" altLang="zh-TW" dirty="0" smtClean="0"/>
-              <a:t>9-1 </a:t>
-            </a:r>
-            <a:r>
-              <a:rPr lang="zh-TW" altLang="en-US" dirty="0"/>
-              <a:t>程式語言發展史</a:t>
-            </a:r>
-          </a:p>
-        </p:txBody>
-      </p:sp>
-      <p:sp>
-        <p:nvSpPr>
-          <p:cNvPr id="4" name="內容版面配置區 3"/>
-          <p:cNvSpPr>
-            <a:spLocks noGrp="1"/>
-          </p:cNvSpPr>
-          <p:nvPr>
-            <p:ph idx="1"/>
-          </p:nvPr>
-        </p:nvSpPr>
-        <p:spPr/>
-        <p:txBody>
-          <a:bodyPr>
-            <a:normAutofit fontScale="92500" lnSpcReduction="10000"/>
-          </a:bodyPr>
-          <a:lstStyle/>
-          <a:p>
-            <a:r>
-              <a:rPr lang="zh-TW" altLang="en-US" dirty="0" smtClean="0"/>
-              <a:t>組合語言缺點：</a:t>
-            </a:r>
-            <a:endParaRPr lang="en-US" altLang="zh-TW" dirty="0" smtClean="0"/>
-          </a:p>
-          <a:p>
-            <a:pPr lvl="1"/>
-            <a:r>
-              <a:rPr lang="zh-TW" altLang="en-US" dirty="0" smtClean="0">
-                <a:solidFill>
-                  <a:srgbClr val="C00000"/>
-                </a:solidFill>
-              </a:rPr>
-              <a:t>不同規格的電腦就各自有自己的組合語言</a:t>
-            </a:r>
-            <a:r>
-              <a:rPr lang="zh-TW" altLang="en-US" dirty="0" smtClean="0"/>
-              <a:t>，如此造成程式設計師學習上的困難，且寫出來的程式也只能在特定電腦上執行。</a:t>
-            </a:r>
-            <a:endParaRPr lang="en-US" altLang="zh-TW" dirty="0" smtClean="0"/>
-          </a:p>
-          <a:p>
-            <a:pPr lvl="1"/>
-            <a:r>
-              <a:rPr lang="zh-TW" altLang="en-US" dirty="0" smtClean="0"/>
-              <a:t>組合語言只具備簡單的指令，所以寫出來的程式通常不具結構性，</a:t>
-            </a:r>
-            <a:r>
-              <a:rPr lang="zh-TW" altLang="en-US" dirty="0" smtClean="0">
-                <a:solidFill>
-                  <a:srgbClr val="C00000"/>
-                </a:solidFill>
-              </a:rPr>
-              <a:t>程式冗長且難以閱讀</a:t>
-            </a:r>
-            <a:r>
-              <a:rPr lang="zh-TW" altLang="en-US" dirty="0" smtClean="0"/>
-              <a:t>。</a:t>
-            </a:r>
-            <a:endParaRPr lang="zh-TW" altLang="en-US" dirty="0"/>
-          </a:p>
-        </p:txBody>
-      </p:sp>
-    </p:spTree>
-    <p:extLst>
-      <p:ext uri="{BB962C8B-B14F-4D97-AF65-F5344CB8AC3E}">
-        <p14:creationId xmlns:p14="http://schemas.microsoft.com/office/powerpoint/2010/main" val="4165169540"/>
-      </p:ext>
-    </p:extLst>
-  </p:cSld>
-  <p:clrMapOvr>
-    <a:masterClrMapping/>
-  </p:clrMapOvr>
-  <p:timing>
-    <p:tnLst>
-      <p:par>
-        <p:cTn id="1" dur="indefinite" restart="never" nodeType="tmRoot"/>
-      </p:par>
-    </p:tnLst>
-  </p:timing>
-</p:sld>
-</file>
-
-<file path=ppt/slides/slide70.xml><?xml version="1.0" encoding="utf-8"?>
+<file path=ppt/slides/slide69.xml><?xml version="1.0" encoding="utf-8"?>
 <p:sld xmlns:a="http://schemas.openxmlformats.org/drawingml/2006/main" xmlns:r="http://schemas.openxmlformats.org/officeDocument/2006/relationships" xmlns:p="http://schemas.openxmlformats.org/presentationml/2006/main">
   <p:cSld>
     <p:spTree>
@@ -33191,7 +32751,131 @@
 </p:sld>
 </file>
 
-<file path=ppt/slides/slide71.xml><?xml version="1.0" encoding="utf-8"?>
+<file path=ppt/slides/slide7.xml><?xml version="1.0" encoding="utf-8"?>
+<p:sld xmlns:a="http://schemas.openxmlformats.org/drawingml/2006/main" xmlns:r="http://schemas.openxmlformats.org/officeDocument/2006/relationships" xmlns:p="http://schemas.openxmlformats.org/presentationml/2006/main">
+  <p:cSld>
+    <p:spTree>
+      <p:nvGrpSpPr>
+        <p:cNvPr id="1" name=""/>
+        <p:cNvGrpSpPr/>
+        <p:nvPr/>
+      </p:nvGrpSpPr>
+      <p:grpSpPr>
+        <a:xfrm>
+          <a:off x="0" y="0"/>
+          <a:ext cx="0" cy="0"/>
+          <a:chOff x="0" y="0"/>
+          <a:chExt cx="0" cy="0"/>
+        </a:xfrm>
+      </p:grpSpPr>
+      <p:sp>
+        <p:nvSpPr>
+          <p:cNvPr id="3" name="標題 2"/>
+          <p:cNvSpPr>
+            <a:spLocks noGrp="1"/>
+          </p:cNvSpPr>
+          <p:nvPr>
+            <p:ph type="title"/>
+          </p:nvPr>
+        </p:nvSpPr>
+        <p:spPr/>
+        <p:txBody>
+          <a:bodyPr/>
+          <a:lstStyle/>
+          <a:p>
+            <a:r>
+              <a:rPr lang="en-US" altLang="zh-TW" dirty="0" smtClean="0"/>
+              <a:t>9-1 </a:t>
+            </a:r>
+            <a:r>
+              <a:rPr lang="zh-TW" altLang="en-US" dirty="0"/>
+              <a:t>程式語言發展史</a:t>
+            </a:r>
+          </a:p>
+        </p:txBody>
+      </p:sp>
+      <p:sp>
+        <p:nvSpPr>
+          <p:cNvPr id="4" name="內容版面配置區 3"/>
+          <p:cNvSpPr>
+            <a:spLocks noGrp="1"/>
+          </p:cNvSpPr>
+          <p:nvPr>
+            <p:ph idx="1"/>
+          </p:nvPr>
+        </p:nvSpPr>
+        <p:spPr/>
+        <p:txBody>
+          <a:bodyPr>
+            <a:normAutofit fontScale="92500" lnSpcReduction="10000"/>
+          </a:bodyPr>
+          <a:lstStyle/>
+          <a:p>
+            <a:r>
+              <a:rPr lang="zh-TW" altLang="en-US" dirty="0" smtClean="0"/>
+              <a:t>組合語言缺點：</a:t>
+            </a:r>
+            <a:endParaRPr lang="en-US" altLang="zh-TW" dirty="0" smtClean="0"/>
+          </a:p>
+          <a:p>
+            <a:pPr lvl="1"/>
+            <a:r>
+              <a:rPr lang="zh-TW" altLang="en-US" dirty="0" smtClean="0">
+                <a:solidFill>
+                  <a:srgbClr val="C00000"/>
+                </a:solidFill>
+              </a:rPr>
+              <a:t>不同規格的電腦就各自有自己的組合語言</a:t>
+            </a:r>
+            <a:r>
+              <a:rPr lang="zh-TW" altLang="en-US" dirty="0" smtClean="0"/>
+              <a:t>，如此造成程式設計師學習上的困難，且寫出來的程式也只能在特定電腦上執行。</a:t>
+            </a:r>
+            <a:endParaRPr lang="en-US" altLang="zh-TW" dirty="0" smtClean="0"/>
+          </a:p>
+          <a:p>
+            <a:pPr lvl="1"/>
+            <a:r>
+              <a:rPr lang="zh-TW" altLang="en-US" dirty="0" smtClean="0"/>
+              <a:t>組合語言只具備簡單的指令，所以寫出來的程式通常不具結構性，</a:t>
+            </a:r>
+            <a:r>
+              <a:rPr lang="zh-TW" altLang="en-US" dirty="0" smtClean="0">
+                <a:solidFill>
+                  <a:srgbClr val="C00000"/>
+                </a:solidFill>
+              </a:rPr>
+              <a:t>程式冗長且難以閱讀</a:t>
+            </a:r>
+            <a:r>
+              <a:rPr lang="zh-TW" altLang="en-US" dirty="0" smtClean="0"/>
+              <a:t>。</a:t>
+            </a:r>
+            <a:endParaRPr lang="zh-TW" altLang="en-US" dirty="0"/>
+          </a:p>
+        </p:txBody>
+      </p:sp>
+    </p:spTree>
+    <p:extLst>
+      <p:ext uri="{BB962C8B-B14F-4D97-AF65-F5344CB8AC3E}">
+        <p14:creationId xmlns:p14="http://schemas.microsoft.com/office/powerpoint/2010/main" val="4165169540"/>
+      </p:ext>
+    </p:extLst>
+  </p:cSld>
+  <p:clrMapOvr>
+    <a:masterClrMapping/>
+  </p:clrMapOvr>
+  <p:timing>
+    <p:tnLst>
+      <p:par>
+        <p:cTn id="1" dur="indefinite" restart="never" nodeType="tmRoot"/>
+      </p:par>
+    </p:tnLst>
+  </p:timing>
+</p:sld>
+</file>
+
+<file path=ppt/slides/slide70.xml><?xml version="1.0" encoding="utf-8"?>
 <p:sld xmlns:a="http://schemas.openxmlformats.org/drawingml/2006/main" xmlns:r="http://schemas.openxmlformats.org/officeDocument/2006/relationships" xmlns:p="http://schemas.openxmlformats.org/presentationml/2006/main">
   <p:cSld>
     <p:spTree>
@@ -33263,8 +32947,20 @@
               <a:t>if</a:t>
             </a:r>
             <a:r>
-              <a:rPr lang="zh-TW" altLang="en-US" dirty="0" smtClean="0"/>
-              <a:t>指令提供了邏輯判斷式。</a:t>
+              <a:rPr lang="zh-TW" altLang="en-US" dirty="0" smtClean="0">
+                <a:solidFill>
+                  <a:srgbClr val="0070C0"/>
+                </a:solidFill>
+              </a:rPr>
+              <a:t> </a:t>
+            </a:r>
+            <a:r>
+              <a:rPr lang="zh-TW" altLang="en-US" dirty="0" smtClean="0"/>
+              <a:t>指令</a:t>
+            </a:r>
+            <a:r>
+              <a:rPr lang="zh-TW" altLang="en-US" dirty="0" smtClean="0"/>
+              <a:t>提供了邏輯判斷式。</a:t>
             </a:r>
             <a:endParaRPr lang="en-US" altLang="zh-TW" dirty="0" smtClean="0"/>
           </a:p>
@@ -33325,7 +33021,7 @@
 </p:sld>
 </file>
 
-<file path=ppt/slides/slide72.xml><?xml version="1.0" encoding="utf-8"?>
+<file path=ppt/slides/slide71.xml><?xml version="1.0" encoding="utf-8"?>
 <p:sld xmlns:a="http://schemas.openxmlformats.org/drawingml/2006/main" xmlns:r="http://schemas.openxmlformats.org/officeDocument/2006/relationships" xmlns:p="http://schemas.openxmlformats.org/presentationml/2006/main">
   <p:cSld>
     <p:spTree>
@@ -33431,7 +33127,7 @@
 </p:sld>
 </file>
 
-<file path=ppt/slides/slide73.xml><?xml version="1.0" encoding="utf-8"?>
+<file path=ppt/slides/slide72.xml><?xml version="1.0" encoding="utf-8"?>
 <p:sld xmlns:a="http://schemas.openxmlformats.org/drawingml/2006/main" xmlns:r="http://schemas.openxmlformats.org/officeDocument/2006/relationships" xmlns:p="http://schemas.openxmlformats.org/presentationml/2006/main">
   <p:cSld>
     <p:spTree>
@@ -33682,7 +33378,7 @@
 </p:sld>
 </file>
 
-<file path=ppt/slides/slide74.xml><?xml version="1.0" encoding="utf-8"?>
+<file path=ppt/slides/slide73.xml><?xml version="1.0" encoding="utf-8"?>
 <p:sld xmlns:a="http://schemas.openxmlformats.org/drawingml/2006/main" xmlns:r="http://schemas.openxmlformats.org/officeDocument/2006/relationships" xmlns:p="http://schemas.openxmlformats.org/presentationml/2006/main">
   <p:cSld>
     <p:spTree>
@@ -33851,7 +33547,7 @@
 </p:sld>
 </file>
 
-<file path=ppt/slides/slide75.xml><?xml version="1.0" encoding="utf-8"?>
+<file path=ppt/slides/slide74.xml><?xml version="1.0" encoding="utf-8"?>
 <p:sld xmlns:a="http://schemas.openxmlformats.org/drawingml/2006/main" xmlns:r="http://schemas.openxmlformats.org/officeDocument/2006/relationships" xmlns:p="http://schemas.openxmlformats.org/presentationml/2006/main">
   <p:cSld>
     <p:spTree>
@@ -33945,7 +33641,7 @@
 </p:sld>
 </file>
 
-<file path=ppt/slides/slide76.xml><?xml version="1.0" encoding="utf-8"?>
+<file path=ppt/slides/slide75.xml><?xml version="1.0" encoding="utf-8"?>
 <p:sld xmlns:a="http://schemas.openxmlformats.org/drawingml/2006/main" xmlns:r="http://schemas.openxmlformats.org/officeDocument/2006/relationships" xmlns:p="http://schemas.openxmlformats.org/presentationml/2006/main">
   <p:cSld>
     <p:spTree>
@@ -34157,7 +33853,7 @@
 </p:sld>
 </file>
 
-<file path=ppt/slides/slide77.xml><?xml version="1.0" encoding="utf-8"?>
+<file path=ppt/slides/slide76.xml><?xml version="1.0" encoding="utf-8"?>
 <p:sld xmlns:a="http://schemas.openxmlformats.org/drawingml/2006/main" xmlns:r="http://schemas.openxmlformats.org/officeDocument/2006/relationships" xmlns:p="http://schemas.openxmlformats.org/presentationml/2006/main">
   <p:cSld>
     <p:spTree>
@@ -34265,7 +33961,7 @@
 </p:sld>
 </file>
 
-<file path=ppt/slides/slide78.xml><?xml version="1.0" encoding="utf-8"?>
+<file path=ppt/slides/slide77.xml><?xml version="1.0" encoding="utf-8"?>
 <p:sld xmlns:a="http://schemas.openxmlformats.org/drawingml/2006/main" xmlns:r="http://schemas.openxmlformats.org/officeDocument/2006/relationships" xmlns:p="http://schemas.openxmlformats.org/presentationml/2006/main">
   <p:cSld>
     <p:spTree>
@@ -34390,7 +34086,7 @@
 </p:sld>
 </file>
 
-<file path=ppt/slides/slide79.xml><?xml version="1.0" encoding="utf-8"?>
+<file path=ppt/slides/slide78.xml><?xml version="1.0" encoding="utf-8"?>
 <p:sld xmlns:a="http://schemas.openxmlformats.org/drawingml/2006/main" xmlns:r="http://schemas.openxmlformats.org/officeDocument/2006/relationships" xmlns:p="http://schemas.openxmlformats.org/presentationml/2006/main">
   <p:cSld>
     <p:spTree>
@@ -34542,6 +34238,242 @@
 </p:sld>
 </file>
 
+<file path=ppt/slides/slide79.xml><?xml version="1.0" encoding="utf-8"?>
+<p:sld xmlns:a="http://schemas.openxmlformats.org/drawingml/2006/main" xmlns:r="http://schemas.openxmlformats.org/officeDocument/2006/relationships" xmlns:p="http://schemas.openxmlformats.org/presentationml/2006/main">
+  <p:cSld>
+    <p:spTree>
+      <p:nvGrpSpPr>
+        <p:cNvPr id="1" name=""/>
+        <p:cNvGrpSpPr/>
+        <p:nvPr/>
+      </p:nvGrpSpPr>
+      <p:grpSpPr>
+        <a:xfrm>
+          <a:off x="0" y="0"/>
+          <a:ext cx="0" cy="0"/>
+          <a:chOff x="0" y="0"/>
+          <a:chExt cx="0" cy="0"/>
+        </a:xfrm>
+      </p:grpSpPr>
+      <p:sp>
+        <p:nvSpPr>
+          <p:cNvPr id="5" name="標題 4"/>
+          <p:cNvSpPr>
+            <a:spLocks noGrp="1"/>
+          </p:cNvSpPr>
+          <p:nvPr>
+            <p:ph type="title"/>
+          </p:nvPr>
+        </p:nvSpPr>
+        <p:spPr/>
+        <p:txBody>
+          <a:bodyPr/>
+          <a:lstStyle/>
+          <a:p>
+            <a:r>
+              <a:rPr lang="zh-TW" altLang="en-US" dirty="0"/>
+              <a:t>比較：</a:t>
+            </a:r>
+            <a:r>
+              <a:rPr lang="en-US" altLang="zh-TW" dirty="0"/>
+              <a:t>if</a:t>
+            </a:r>
+            <a:endParaRPr lang="zh-TW" altLang="en-US" dirty="0"/>
+          </a:p>
+        </p:txBody>
+      </p:sp>
+      <p:sp>
+        <p:nvSpPr>
+          <p:cNvPr id="2" name="內容版面配置區 1"/>
+          <p:cNvSpPr>
+            <a:spLocks noGrp="1"/>
+          </p:cNvSpPr>
+          <p:nvPr>
+            <p:ph idx="1"/>
+          </p:nvPr>
+        </p:nvSpPr>
+        <p:spPr/>
+        <p:txBody>
+          <a:bodyPr>
+            <a:normAutofit/>
+          </a:bodyPr>
+          <a:lstStyle/>
+          <a:p>
+            <a:r>
+              <a:rPr lang="zh-TW" altLang="en-US" dirty="0"/>
+              <a:t>下例</a:t>
+            </a:r>
+            <a:r>
+              <a:rPr lang="zh-TW" altLang="en-US" dirty="0" smtClean="0"/>
+              <a:t>顯示巢</a:t>
+            </a:r>
+            <a:r>
+              <a:rPr lang="zh-TW" altLang="en-US" dirty="0"/>
+              <a:t>狀</a:t>
+            </a:r>
+            <a:r>
+              <a:rPr lang="en-US" altLang="zh-TW" dirty="0"/>
+              <a:t>if</a:t>
+            </a:r>
+            <a:r>
+              <a:rPr lang="zh-TW" altLang="en-US" dirty="0"/>
+              <a:t>（</a:t>
+            </a:r>
+            <a:r>
+              <a:rPr lang="en-US" altLang="zh-TW" dirty="0"/>
+              <a:t>nested if</a:t>
+            </a:r>
+            <a:r>
+              <a:rPr lang="zh-TW" altLang="en-US" dirty="0"/>
+              <a:t>）的寫法，</a:t>
+            </a:r>
+            <a:r>
+              <a:rPr lang="zh-TW" altLang="en-US" dirty="0" smtClean="0"/>
+              <a:t>也就是可以</a:t>
+            </a:r>
+            <a:r>
+              <a:rPr lang="zh-TW" altLang="en-US" dirty="0"/>
+              <a:t>在</a:t>
+            </a:r>
+            <a:r>
+              <a:rPr lang="zh-TW" altLang="en-US" dirty="0" smtClean="0"/>
+              <a:t>一個 </a:t>
+            </a:r>
+            <a:r>
+              <a:rPr lang="en-US" altLang="zh-TW" dirty="0" smtClean="0">
+                <a:solidFill>
+                  <a:srgbClr val="0070C0"/>
+                </a:solidFill>
+              </a:rPr>
+              <a:t>if </a:t>
+            </a:r>
+            <a:r>
+              <a:rPr lang="zh-TW" altLang="en-US" dirty="0" smtClean="0"/>
+              <a:t>敘述</a:t>
+            </a:r>
+            <a:r>
+              <a:rPr lang="zh-TW" altLang="en-US" dirty="0"/>
+              <a:t>裡面，再</a:t>
+            </a:r>
+            <a:r>
+              <a:rPr lang="zh-TW" altLang="en-US" dirty="0" smtClean="0"/>
+              <a:t>放入另一個</a:t>
+            </a:r>
+            <a:r>
+              <a:rPr lang="zh-TW" altLang="en-US" dirty="0" smtClean="0">
+                <a:solidFill>
+                  <a:srgbClr val="0070C0"/>
+                </a:solidFill>
+              </a:rPr>
+              <a:t> </a:t>
+            </a:r>
+            <a:r>
+              <a:rPr lang="en-US" altLang="zh-TW" dirty="0" smtClean="0">
+                <a:solidFill>
+                  <a:srgbClr val="0070C0"/>
+                </a:solidFill>
+              </a:rPr>
+              <a:t>if </a:t>
+            </a:r>
+            <a:r>
+              <a:rPr lang="zh-TW" altLang="en-US" dirty="0" smtClean="0"/>
+              <a:t>敘述。</a:t>
+            </a:r>
+            <a:endParaRPr lang="en-US" altLang="zh-TW" dirty="0" smtClean="0"/>
+          </a:p>
+          <a:p>
+            <a:r>
+              <a:rPr lang="zh-TW" altLang="en-US" dirty="0" smtClean="0"/>
+              <a:t>以此例而言，當變數 </a:t>
+            </a:r>
+            <a:r>
+              <a:rPr lang="en-US" altLang="zh-TW" dirty="0" err="1" smtClean="0">
+                <a:solidFill>
+                  <a:srgbClr val="0070C0"/>
+                </a:solidFill>
+              </a:rPr>
+              <a:t>i</a:t>
+            </a:r>
+            <a:r>
+              <a:rPr lang="en-US" altLang="zh-TW" dirty="0" smtClean="0">
+                <a:solidFill>
+                  <a:srgbClr val="0070C0"/>
+                </a:solidFill>
+              </a:rPr>
+              <a:t> </a:t>
+            </a:r>
+            <a:r>
+              <a:rPr lang="zh-TW" altLang="en-US" dirty="0" smtClean="0"/>
+              <a:t>的值被判斷為正之後，需要再確定變數 </a:t>
+            </a:r>
+            <a:r>
+              <a:rPr lang="en-US" altLang="zh-TW" dirty="0" smtClean="0">
+                <a:solidFill>
+                  <a:srgbClr val="0070C0"/>
+                </a:solidFill>
+              </a:rPr>
+              <a:t>a </a:t>
+            </a:r>
+            <a:r>
+              <a:rPr lang="zh-TW" altLang="en-US" dirty="0" smtClean="0"/>
+              <a:t>的值大於變數 </a:t>
+            </a:r>
+            <a:r>
+              <a:rPr lang="en-US" altLang="zh-TW" dirty="0" smtClean="0">
+                <a:solidFill>
+                  <a:srgbClr val="0070C0"/>
+                </a:solidFill>
+              </a:rPr>
+              <a:t>b </a:t>
+            </a:r>
+            <a:r>
+              <a:rPr lang="zh-TW" altLang="en-US" dirty="0" smtClean="0"/>
+              <a:t>的值，才會指定變數 </a:t>
+            </a:r>
+            <a:r>
+              <a:rPr lang="en-US" altLang="zh-TW" dirty="0" smtClean="0">
+                <a:solidFill>
+                  <a:srgbClr val="0070C0"/>
+                </a:solidFill>
+              </a:rPr>
+              <a:t>x </a:t>
+            </a:r>
+            <a:r>
+              <a:rPr lang="zh-TW" altLang="en-US" dirty="0" smtClean="0"/>
+              <a:t>為</a:t>
+            </a:r>
+            <a:r>
+              <a:rPr lang="en-US" altLang="zh-TW" dirty="0" smtClean="0"/>
+              <a:t>10</a:t>
+            </a:r>
+            <a:r>
+              <a:rPr lang="zh-TW" altLang="en-US" dirty="0" smtClean="0"/>
+              <a:t>。</a:t>
+            </a:r>
+            <a:endParaRPr lang="zh-TW" altLang="en-US" dirty="0"/>
+          </a:p>
+        </p:txBody>
+      </p:sp>
+    </p:spTree>
+    <p:extLst>
+      <p:ext uri="{BB962C8B-B14F-4D97-AF65-F5344CB8AC3E}">
+        <p14:creationId xmlns:p14="http://schemas.microsoft.com/office/powerpoint/2010/main" val="3797950982"/>
+      </p:ext>
+    </p:extLst>
+  </p:cSld>
+  <p:clrMapOvr>
+    <a:masterClrMapping/>
+  </p:clrMapOvr>
+  <p:timing>
+    <p:tnLst>
+      <p:par>
+        <p:cTn id="1" dur="indefinite" restart="never" nodeType="tmRoot"/>
+      </p:par>
+    </p:tnLst>
+  </p:timing>
+</p:sld>
+</file>
+
 <file path=ppt/slides/slide8.xml><?xml version="1.0" encoding="utf-8"?>
 <p:sld xmlns:a="http://schemas.openxmlformats.org/drawingml/2006/main" xmlns:r="http://schemas.openxmlformats.org/officeDocument/2006/relationships" xmlns:p="http://schemas.openxmlformats.org/presentationml/2006/main">
   <p:cSld>
@@ -34680,242 +34612,6 @@
 </file>
 
 <file path=ppt/slides/slide80.xml><?xml version="1.0" encoding="utf-8"?>
-<p:sld xmlns:a="http://schemas.openxmlformats.org/drawingml/2006/main" xmlns:r="http://schemas.openxmlformats.org/officeDocument/2006/relationships" xmlns:p="http://schemas.openxmlformats.org/presentationml/2006/main">
-  <p:cSld>
-    <p:spTree>
-      <p:nvGrpSpPr>
-        <p:cNvPr id="1" name=""/>
-        <p:cNvGrpSpPr/>
-        <p:nvPr/>
-      </p:nvGrpSpPr>
-      <p:grpSpPr>
-        <a:xfrm>
-          <a:off x="0" y="0"/>
-          <a:ext cx="0" cy="0"/>
-          <a:chOff x="0" y="0"/>
-          <a:chExt cx="0" cy="0"/>
-        </a:xfrm>
-      </p:grpSpPr>
-      <p:sp>
-        <p:nvSpPr>
-          <p:cNvPr id="5" name="標題 4"/>
-          <p:cNvSpPr>
-            <a:spLocks noGrp="1"/>
-          </p:cNvSpPr>
-          <p:nvPr>
-            <p:ph type="title"/>
-          </p:nvPr>
-        </p:nvSpPr>
-        <p:spPr/>
-        <p:txBody>
-          <a:bodyPr/>
-          <a:lstStyle/>
-          <a:p>
-            <a:r>
-              <a:rPr lang="zh-TW" altLang="en-US" dirty="0"/>
-              <a:t>比較：</a:t>
-            </a:r>
-            <a:r>
-              <a:rPr lang="en-US" altLang="zh-TW" dirty="0"/>
-              <a:t>if</a:t>
-            </a:r>
-            <a:endParaRPr lang="zh-TW" altLang="en-US" dirty="0"/>
-          </a:p>
-        </p:txBody>
-      </p:sp>
-      <p:sp>
-        <p:nvSpPr>
-          <p:cNvPr id="2" name="內容版面配置區 1"/>
-          <p:cNvSpPr>
-            <a:spLocks noGrp="1"/>
-          </p:cNvSpPr>
-          <p:nvPr>
-            <p:ph idx="1"/>
-          </p:nvPr>
-        </p:nvSpPr>
-        <p:spPr/>
-        <p:txBody>
-          <a:bodyPr>
-            <a:normAutofit/>
-          </a:bodyPr>
-          <a:lstStyle/>
-          <a:p>
-            <a:r>
-              <a:rPr lang="zh-TW" altLang="en-US" dirty="0"/>
-              <a:t>下例</a:t>
-            </a:r>
-            <a:r>
-              <a:rPr lang="zh-TW" altLang="en-US" dirty="0" smtClean="0"/>
-              <a:t>顯示巢</a:t>
-            </a:r>
-            <a:r>
-              <a:rPr lang="zh-TW" altLang="en-US" dirty="0"/>
-              <a:t>狀</a:t>
-            </a:r>
-            <a:r>
-              <a:rPr lang="en-US" altLang="zh-TW" dirty="0"/>
-              <a:t>if</a:t>
-            </a:r>
-            <a:r>
-              <a:rPr lang="zh-TW" altLang="en-US" dirty="0"/>
-              <a:t>（</a:t>
-            </a:r>
-            <a:r>
-              <a:rPr lang="en-US" altLang="zh-TW" dirty="0"/>
-              <a:t>nested if</a:t>
-            </a:r>
-            <a:r>
-              <a:rPr lang="zh-TW" altLang="en-US" dirty="0"/>
-              <a:t>）的寫法，</a:t>
-            </a:r>
-            <a:r>
-              <a:rPr lang="zh-TW" altLang="en-US" dirty="0" smtClean="0"/>
-              <a:t>也就是可以</a:t>
-            </a:r>
-            <a:r>
-              <a:rPr lang="zh-TW" altLang="en-US" dirty="0"/>
-              <a:t>在</a:t>
-            </a:r>
-            <a:r>
-              <a:rPr lang="zh-TW" altLang="en-US" dirty="0" smtClean="0"/>
-              <a:t>一個 </a:t>
-            </a:r>
-            <a:r>
-              <a:rPr lang="en-US" altLang="zh-TW" dirty="0" smtClean="0">
-                <a:solidFill>
-                  <a:srgbClr val="0070C0"/>
-                </a:solidFill>
-              </a:rPr>
-              <a:t>if </a:t>
-            </a:r>
-            <a:r>
-              <a:rPr lang="zh-TW" altLang="en-US" dirty="0" smtClean="0"/>
-              <a:t>敘述</a:t>
-            </a:r>
-            <a:r>
-              <a:rPr lang="zh-TW" altLang="en-US" dirty="0"/>
-              <a:t>裡面，再</a:t>
-            </a:r>
-            <a:r>
-              <a:rPr lang="zh-TW" altLang="en-US" dirty="0" smtClean="0"/>
-              <a:t>放入另一個</a:t>
-            </a:r>
-            <a:r>
-              <a:rPr lang="zh-TW" altLang="en-US" dirty="0" smtClean="0">
-                <a:solidFill>
-                  <a:srgbClr val="0070C0"/>
-                </a:solidFill>
-              </a:rPr>
-              <a:t> </a:t>
-            </a:r>
-            <a:r>
-              <a:rPr lang="en-US" altLang="zh-TW" dirty="0" smtClean="0">
-                <a:solidFill>
-                  <a:srgbClr val="0070C0"/>
-                </a:solidFill>
-              </a:rPr>
-              <a:t>if </a:t>
-            </a:r>
-            <a:r>
-              <a:rPr lang="zh-TW" altLang="en-US" dirty="0" smtClean="0"/>
-              <a:t>敘述。</a:t>
-            </a:r>
-            <a:endParaRPr lang="en-US" altLang="zh-TW" dirty="0" smtClean="0"/>
-          </a:p>
-          <a:p>
-            <a:r>
-              <a:rPr lang="zh-TW" altLang="en-US" dirty="0" smtClean="0"/>
-              <a:t>以此例而言，當變數 </a:t>
-            </a:r>
-            <a:r>
-              <a:rPr lang="en-US" altLang="zh-TW" dirty="0" err="1" smtClean="0">
-                <a:solidFill>
-                  <a:srgbClr val="0070C0"/>
-                </a:solidFill>
-              </a:rPr>
-              <a:t>i</a:t>
-            </a:r>
-            <a:r>
-              <a:rPr lang="en-US" altLang="zh-TW" dirty="0" smtClean="0">
-                <a:solidFill>
-                  <a:srgbClr val="0070C0"/>
-                </a:solidFill>
-              </a:rPr>
-              <a:t> </a:t>
-            </a:r>
-            <a:r>
-              <a:rPr lang="zh-TW" altLang="en-US" dirty="0" smtClean="0"/>
-              <a:t>的值被判斷為正之後，需要再確定變數 </a:t>
-            </a:r>
-            <a:r>
-              <a:rPr lang="en-US" altLang="zh-TW" dirty="0" smtClean="0">
-                <a:solidFill>
-                  <a:srgbClr val="0070C0"/>
-                </a:solidFill>
-              </a:rPr>
-              <a:t>a </a:t>
-            </a:r>
-            <a:r>
-              <a:rPr lang="zh-TW" altLang="en-US" dirty="0" smtClean="0"/>
-              <a:t>的值大於變數 </a:t>
-            </a:r>
-            <a:r>
-              <a:rPr lang="en-US" altLang="zh-TW" dirty="0" smtClean="0">
-                <a:solidFill>
-                  <a:srgbClr val="0070C0"/>
-                </a:solidFill>
-              </a:rPr>
-              <a:t>b </a:t>
-            </a:r>
-            <a:r>
-              <a:rPr lang="zh-TW" altLang="en-US" dirty="0" smtClean="0"/>
-              <a:t>的值，才會指定變數 </a:t>
-            </a:r>
-            <a:r>
-              <a:rPr lang="en-US" altLang="zh-TW" dirty="0" smtClean="0">
-                <a:solidFill>
-                  <a:srgbClr val="0070C0"/>
-                </a:solidFill>
-              </a:rPr>
-              <a:t>x </a:t>
-            </a:r>
-            <a:r>
-              <a:rPr lang="zh-TW" altLang="en-US" dirty="0" smtClean="0"/>
-              <a:t>為</a:t>
-            </a:r>
-            <a:r>
-              <a:rPr lang="en-US" altLang="zh-TW" dirty="0" smtClean="0"/>
-              <a:t>10</a:t>
-            </a:r>
-            <a:r>
-              <a:rPr lang="zh-TW" altLang="en-US" dirty="0" smtClean="0"/>
-              <a:t>。</a:t>
-            </a:r>
-            <a:endParaRPr lang="zh-TW" altLang="en-US" dirty="0"/>
-          </a:p>
-        </p:txBody>
-      </p:sp>
-    </p:spTree>
-    <p:extLst>
-      <p:ext uri="{BB962C8B-B14F-4D97-AF65-F5344CB8AC3E}">
-        <p14:creationId xmlns:p14="http://schemas.microsoft.com/office/powerpoint/2010/main" val="3797950982"/>
-      </p:ext>
-    </p:extLst>
-  </p:cSld>
-  <p:clrMapOvr>
-    <a:masterClrMapping/>
-  </p:clrMapOvr>
-  <p:timing>
-    <p:tnLst>
-      <p:par>
-        <p:cTn id="1" dur="indefinite" restart="never" nodeType="tmRoot"/>
-      </p:par>
-    </p:tnLst>
-  </p:timing>
-</p:sld>
-</file>
-
-<file path=ppt/slides/slide81.xml><?xml version="1.0" encoding="utf-8"?>
 <p:sld xmlns:a="http://schemas.openxmlformats.org/drawingml/2006/main" xmlns:r="http://schemas.openxmlformats.org/officeDocument/2006/relationships" xmlns:p="http://schemas.openxmlformats.org/presentationml/2006/main">
   <p:cSld>
     <p:spTree>
@@ -35154,7 +34850,7 @@
 </p:sld>
 </file>
 
-<file path=ppt/slides/slide82.xml><?xml version="1.0" encoding="utf-8"?>
+<file path=ppt/slides/slide81.xml><?xml version="1.0" encoding="utf-8"?>
 <p:sld xmlns:a="http://schemas.openxmlformats.org/drawingml/2006/main" xmlns:r="http://schemas.openxmlformats.org/officeDocument/2006/relationships" xmlns:p="http://schemas.openxmlformats.org/presentationml/2006/main">
   <p:cSld>
     <p:spTree>
@@ -35553,7 +35249,7 @@
 </p:sld>
 </file>
 
-<file path=ppt/slides/slide83.xml><?xml version="1.0" encoding="utf-8"?>
+<file path=ppt/slides/slide82.xml><?xml version="1.0" encoding="utf-8"?>
 <p:sld xmlns:a="http://schemas.openxmlformats.org/drawingml/2006/main" xmlns:r="http://schemas.openxmlformats.org/officeDocument/2006/relationships" xmlns:p="http://schemas.openxmlformats.org/presentationml/2006/main">
   <p:cSld>
     <p:spTree>
@@ -35797,7 +35493,7 @@
 </p:sld>
 </file>
 
-<file path=ppt/slides/slide84.xml><?xml version="1.0" encoding="utf-8"?>
+<file path=ppt/slides/slide83.xml><?xml version="1.0" encoding="utf-8"?>
 <p:sld xmlns:a="http://schemas.openxmlformats.org/drawingml/2006/main" xmlns:r="http://schemas.openxmlformats.org/officeDocument/2006/relationships" xmlns:p="http://schemas.openxmlformats.org/presentationml/2006/main">
   <p:cSld>
     <p:spTree>
@@ -35891,7 +35587,7 @@
 </p:sld>
 </file>
 
-<file path=ppt/slides/slide85.xml><?xml version="1.0" encoding="utf-8"?>
+<file path=ppt/slides/slide84.xml><?xml version="1.0" encoding="utf-8"?>
 <p:sld xmlns:a="http://schemas.openxmlformats.org/drawingml/2006/main" xmlns:r="http://schemas.openxmlformats.org/officeDocument/2006/relationships" xmlns:p="http://schemas.openxmlformats.org/presentationml/2006/main">
   <p:cSld>
     <p:spTree>
@@ -35989,7 +35685,7 @@
 </p:sld>
 </file>
 
-<file path=ppt/slides/slide86.xml><?xml version="1.0" encoding="utf-8"?>
+<file path=ppt/slides/slide85.xml><?xml version="1.0" encoding="utf-8"?>
 <p:sld xmlns:a="http://schemas.openxmlformats.org/drawingml/2006/main" xmlns:r="http://schemas.openxmlformats.org/officeDocument/2006/relationships" xmlns:p="http://schemas.openxmlformats.org/presentationml/2006/main">
   <p:cSld>
     <p:spTree>
@@ -36200,7 +35896,7 @@
 </p:sld>
 </file>
 
-<file path=ppt/slides/slide87.xml><?xml version="1.0" encoding="utf-8"?>
+<file path=ppt/slides/slide86.xml><?xml version="1.0" encoding="utf-8"?>
 <p:sld xmlns:a="http://schemas.openxmlformats.org/drawingml/2006/main" xmlns:r="http://schemas.openxmlformats.org/officeDocument/2006/relationships" xmlns:p="http://schemas.openxmlformats.org/presentationml/2006/main">
   <p:cSld>
     <p:spTree>
@@ -36259,7 +35955,7 @@
           <a:bodyPr/>
           <a:lstStyle/>
           <a:p>
-            <a:endParaRPr lang="zh-TW" altLang="en-US"/>
+            <a:endParaRPr lang="zh-TW" altLang="en-US" dirty="0"/>
           </a:p>
         </p:txBody>
       </p:sp>
@@ -36271,7 +35967,7 @@
           </p:cNvPicPr>
           <p:nvPr/>
         </p:nvPicPr>
-        <p:blipFill>
+        <p:blipFill rotWithShape="1">
           <a:blip r:embed="rId2">
             <a:extLst>
               <a:ext uri="{28A0092B-C50C-407E-A947-70E740481C1C}">
@@ -36279,15 +35975,13 @@
               </a:ext>
             </a:extLst>
           </a:blip>
-          <a:srcRect/>
-          <a:stretch>
-            <a:fillRect/>
-          </a:stretch>
+          <a:srcRect b="7810"/>
+          <a:stretch/>
         </p:blipFill>
         <p:spPr bwMode="auto">
           <a:xfrm>
             <a:off x="3279644" y="1401620"/>
-            <a:ext cx="2546571" cy="3429462"/>
+            <a:ext cx="2546571" cy="3161602"/>
           </a:xfrm>
           <a:prstGeom prst="rect">
             <a:avLst/>
@@ -36327,10 +36021,395 @@
           </a:extLst>
         </p:spPr>
       </p:pic>
+      <p:sp>
+        <p:nvSpPr>
+          <p:cNvPr id="6" name="內容版面配置區 1"/>
+          <p:cNvSpPr txBox="1">
+            <a:spLocks/>
+          </p:cNvSpPr>
+          <p:nvPr/>
+        </p:nvSpPr>
+        <p:spPr>
+          <a:xfrm>
+            <a:off x="3274200" y="4678412"/>
+            <a:ext cx="2684256" cy="293485"/>
+          </a:xfrm>
+          <a:prstGeom prst="rect">
+            <a:avLst/>
+          </a:prstGeom>
+          <a:ln/>
+        </p:spPr>
+        <p:style>
+          <a:lnRef idx="0">
+            <a:schemeClr val="accent3"/>
+          </a:lnRef>
+          <a:fillRef idx="3">
+            <a:schemeClr val="accent3"/>
+          </a:fillRef>
+          <a:effectRef idx="3">
+            <a:schemeClr val="accent3"/>
+          </a:effectRef>
+          <a:fontRef idx="minor">
+            <a:schemeClr val="lt1"/>
+          </a:fontRef>
+        </p:style>
+        <p:txBody>
+          <a:bodyPr vert="horz" lIns="91440" tIns="45720" rIns="91440" bIns="45720" rtlCol="0">
+            <a:normAutofit fontScale="62500" lnSpcReduction="20000"/>
+          </a:bodyPr>
+          <a:lstStyle>
+            <a:lvl1pPr marL="0" indent="0" algn="l" defTabSz="914400" rtl="0" eaLnBrk="1" latinLnBrk="0" hangingPunct="1">
+              <a:spcBef>
+                <a:spcPct val="20000"/>
+              </a:spcBef>
+              <a:buFont typeface="Arial" pitchFamily="34" charset="0"/>
+              <a:buNone/>
+              <a:defRPr sz="3200" kern="1200">
+                <a:solidFill>
+                  <a:schemeClr val="tx1"/>
+                </a:solidFill>
+                <a:latin typeface="微軟正黑體" pitchFamily="34" charset="-120"/>
+                <a:ea typeface="微軟正黑體" pitchFamily="34" charset="-120"/>
+                <a:cs typeface="+mn-cs"/>
+              </a:defRPr>
+            </a:lvl1pPr>
+            <a:lvl2pPr marL="457200" indent="0" algn="l" defTabSz="914400" rtl="0" eaLnBrk="1" latinLnBrk="0" hangingPunct="1">
+              <a:spcBef>
+                <a:spcPct val="20000"/>
+              </a:spcBef>
+              <a:buFont typeface="Arial" pitchFamily="34" charset="0"/>
+              <a:buNone/>
+              <a:defRPr sz="2800" kern="1200">
+                <a:solidFill>
+                  <a:schemeClr val="tx1"/>
+                </a:solidFill>
+                <a:latin typeface="微軟正黑體" pitchFamily="34" charset="-120"/>
+                <a:ea typeface="微軟正黑體" pitchFamily="34" charset="-120"/>
+                <a:cs typeface="+mn-cs"/>
+              </a:defRPr>
+            </a:lvl2pPr>
+            <a:lvl3pPr marL="914400" indent="0" algn="l" defTabSz="914400" rtl="0" eaLnBrk="1" latinLnBrk="0" hangingPunct="1">
+              <a:spcBef>
+                <a:spcPct val="20000"/>
+              </a:spcBef>
+              <a:buFont typeface="Arial" pitchFamily="34" charset="0"/>
+              <a:buNone/>
+              <a:defRPr sz="2400" kern="1200">
+                <a:solidFill>
+                  <a:schemeClr val="tx1"/>
+                </a:solidFill>
+                <a:latin typeface="微軟正黑體" pitchFamily="34" charset="-120"/>
+                <a:ea typeface="微軟正黑體" pitchFamily="34" charset="-120"/>
+                <a:cs typeface="+mn-cs"/>
+              </a:defRPr>
+            </a:lvl3pPr>
+            <a:lvl4pPr marL="1371600" indent="0" algn="l" defTabSz="914400" rtl="0" eaLnBrk="1" latinLnBrk="0" hangingPunct="1">
+              <a:spcBef>
+                <a:spcPct val="20000"/>
+              </a:spcBef>
+              <a:buFont typeface="Arial" pitchFamily="34" charset="0"/>
+              <a:buNone/>
+              <a:defRPr sz="2000" kern="1200">
+                <a:solidFill>
+                  <a:schemeClr val="tx1"/>
+                </a:solidFill>
+                <a:latin typeface="微軟正黑體" pitchFamily="34" charset="-120"/>
+                <a:ea typeface="微軟正黑體" pitchFamily="34" charset="-120"/>
+                <a:cs typeface="+mn-cs"/>
+              </a:defRPr>
+            </a:lvl4pPr>
+            <a:lvl5pPr marL="1828800" indent="0" algn="l" defTabSz="914400" rtl="0" eaLnBrk="1" latinLnBrk="0" hangingPunct="1">
+              <a:spcBef>
+                <a:spcPct val="20000"/>
+              </a:spcBef>
+              <a:buFont typeface="Arial" pitchFamily="34" charset="0"/>
+              <a:buNone/>
+              <a:defRPr sz="2000" kern="1200">
+                <a:solidFill>
+                  <a:schemeClr val="tx1"/>
+                </a:solidFill>
+                <a:latin typeface="微軟正黑體" pitchFamily="34" charset="-120"/>
+                <a:ea typeface="微軟正黑體" pitchFamily="34" charset="-120"/>
+                <a:cs typeface="+mn-cs"/>
+              </a:defRPr>
+            </a:lvl5pPr>
+            <a:lvl6pPr marL="2514600" indent="-228600" algn="l" defTabSz="914400" rtl="0" eaLnBrk="1" latinLnBrk="0" hangingPunct="1">
+              <a:spcBef>
+                <a:spcPct val="20000"/>
+              </a:spcBef>
+              <a:buFont typeface="Arial" pitchFamily="34" charset="0"/>
+              <a:buChar char="•"/>
+              <a:defRPr sz="2000" kern="1200">
+                <a:solidFill>
+                  <a:schemeClr val="tx1"/>
+                </a:solidFill>
+                <a:latin typeface="+mn-lt"/>
+                <a:ea typeface="+mn-ea"/>
+                <a:cs typeface="+mn-cs"/>
+              </a:defRPr>
+            </a:lvl6pPr>
+            <a:lvl7pPr marL="2971800" indent="-228600" algn="l" defTabSz="914400" rtl="0" eaLnBrk="1" latinLnBrk="0" hangingPunct="1">
+              <a:spcBef>
+                <a:spcPct val="20000"/>
+              </a:spcBef>
+              <a:buFont typeface="Arial" pitchFamily="34" charset="0"/>
+              <a:buChar char="•"/>
+              <a:defRPr sz="2000" kern="1200">
+                <a:solidFill>
+                  <a:schemeClr val="tx1"/>
+                </a:solidFill>
+                <a:latin typeface="+mn-lt"/>
+                <a:ea typeface="+mn-ea"/>
+                <a:cs typeface="+mn-cs"/>
+              </a:defRPr>
+            </a:lvl7pPr>
+            <a:lvl8pPr marL="3429000" indent="-228600" algn="l" defTabSz="914400" rtl="0" eaLnBrk="1" latinLnBrk="0" hangingPunct="1">
+              <a:spcBef>
+                <a:spcPct val="20000"/>
+              </a:spcBef>
+              <a:buFont typeface="Arial" pitchFamily="34" charset="0"/>
+              <a:buChar char="•"/>
+              <a:defRPr sz="2000" kern="1200">
+                <a:solidFill>
+                  <a:schemeClr val="tx1"/>
+                </a:solidFill>
+                <a:latin typeface="+mn-lt"/>
+                <a:ea typeface="+mn-ea"/>
+                <a:cs typeface="+mn-cs"/>
+              </a:defRPr>
+            </a:lvl8pPr>
+            <a:lvl9pPr marL="3886200" indent="-228600" algn="l" defTabSz="914400" rtl="0" eaLnBrk="1" latinLnBrk="0" hangingPunct="1">
+              <a:spcBef>
+                <a:spcPct val="20000"/>
+              </a:spcBef>
+              <a:buFont typeface="Arial" pitchFamily="34" charset="0"/>
+              <a:buChar char="•"/>
+              <a:defRPr sz="2000" kern="1200">
+                <a:solidFill>
+                  <a:schemeClr val="tx1"/>
+                </a:solidFill>
+                <a:latin typeface="+mn-lt"/>
+                <a:ea typeface="+mn-ea"/>
+                <a:cs typeface="+mn-cs"/>
+              </a:defRPr>
+            </a:lvl9pPr>
+          </a:lstStyle>
+          <a:p>
+            <a:pPr algn="ctr">
+              <a:lnSpc>
+                <a:spcPct val="120000"/>
+              </a:lnSpc>
+            </a:pPr>
+            <a:r>
+              <a:rPr lang="en-US" altLang="zh-TW" sz="2000" b="1" dirty="0" smtClean="0"/>
+              <a:t>While </a:t>
+            </a:r>
+            <a:r>
+              <a:rPr lang="zh-TW" altLang="en-US" sz="2000" b="1" dirty="0" smtClean="0"/>
+              <a:t>迴圈的</a:t>
+            </a:r>
+            <a:r>
+              <a:rPr lang="zh-TW" altLang="en-US" sz="2000" b="1" dirty="0" smtClean="0"/>
+              <a:t>流程圖</a:t>
+            </a:r>
+          </a:p>
+          <a:p>
+            <a:pPr algn="ctr">
+              <a:lnSpc>
+                <a:spcPct val="120000"/>
+              </a:lnSpc>
+            </a:pPr>
+            <a:endParaRPr lang="zh-TW" altLang="en-US" sz="2000" b="1" dirty="0"/>
+          </a:p>
+        </p:txBody>
+      </p:sp>
     </p:spTree>
     <p:extLst>
       <p:ext uri="{BB962C8B-B14F-4D97-AF65-F5344CB8AC3E}">
         <p14:creationId xmlns:p14="http://schemas.microsoft.com/office/powerpoint/2010/main" val="2061258073"/>
+      </p:ext>
+    </p:extLst>
+  </p:cSld>
+  <p:clrMapOvr>
+    <a:masterClrMapping/>
+  </p:clrMapOvr>
+  <p:timing>
+    <p:tnLst>
+      <p:par>
+        <p:cTn id="1" dur="indefinite" restart="never" nodeType="tmRoot"/>
+      </p:par>
+    </p:tnLst>
+  </p:timing>
+</p:sld>
+</file>
+
+<file path=ppt/slides/slide87.xml><?xml version="1.0" encoding="utf-8"?>
+<p:sld xmlns:a="http://schemas.openxmlformats.org/drawingml/2006/main" xmlns:r="http://schemas.openxmlformats.org/officeDocument/2006/relationships" xmlns:p="http://schemas.openxmlformats.org/presentationml/2006/main">
+  <p:cSld>
+    <p:spTree>
+      <p:nvGrpSpPr>
+        <p:cNvPr id="1" name=""/>
+        <p:cNvGrpSpPr/>
+        <p:nvPr/>
+      </p:nvGrpSpPr>
+      <p:grpSpPr>
+        <a:xfrm>
+          <a:off x="0" y="0"/>
+          <a:ext cx="0" cy="0"/>
+          <a:chOff x="0" y="0"/>
+          <a:chExt cx="0" cy="0"/>
+        </a:xfrm>
+      </p:grpSpPr>
+      <p:sp>
+        <p:nvSpPr>
+          <p:cNvPr id="2" name="標題 1"/>
+          <p:cNvSpPr>
+            <a:spLocks noGrp="1"/>
+          </p:cNvSpPr>
+          <p:nvPr>
+            <p:ph type="title"/>
+          </p:nvPr>
+        </p:nvSpPr>
+        <p:spPr/>
+        <p:txBody>
+          <a:bodyPr/>
+          <a:lstStyle/>
+          <a:p>
+            <a:r>
+              <a:rPr lang="zh-TW" altLang="en-US" dirty="0"/>
+              <a:t>不固定次數的迴</a:t>
+            </a:r>
+            <a:r>
+              <a:rPr lang="zh-TW" altLang="en-US" dirty="0" smtClean="0"/>
+              <a:t>圈：</a:t>
+            </a:r>
+            <a:r>
+              <a:rPr lang="en-US" altLang="zh-TW" dirty="0" smtClean="0"/>
+              <a:t>while</a:t>
+            </a:r>
+            <a:endParaRPr lang="zh-TW" altLang="en-US" dirty="0"/>
+          </a:p>
+        </p:txBody>
+      </p:sp>
+      <p:sp>
+        <p:nvSpPr>
+          <p:cNvPr id="3" name="內容版面配置區 2"/>
+          <p:cNvSpPr>
+            <a:spLocks noGrp="1"/>
+          </p:cNvSpPr>
+          <p:nvPr>
+            <p:ph idx="1"/>
+          </p:nvPr>
+        </p:nvSpPr>
+        <p:spPr/>
+        <p:txBody>
+          <a:bodyPr>
+            <a:normAutofit fontScale="92500" lnSpcReduction="10000"/>
+          </a:bodyPr>
+          <a:lstStyle/>
+          <a:p>
+            <a:r>
+              <a:rPr lang="zh-TW" altLang="en-US" dirty="0"/>
+              <a:t>另一種迴圈的寫法，則是不先做判斷，而是直接執行命令，等到執行完再做邏輯式</a:t>
+            </a:r>
+            <a:r>
+              <a:rPr lang="zh-TW" altLang="en-US" dirty="0" smtClean="0"/>
+              <a:t>的判斷。</a:t>
+            </a:r>
+            <a:endParaRPr lang="en-US" altLang="zh-TW" dirty="0" smtClean="0"/>
+          </a:p>
+          <a:p>
+            <a:r>
+              <a:rPr lang="zh-TW" altLang="en-US" dirty="0" smtClean="0"/>
+              <a:t>當</a:t>
+            </a:r>
+            <a:r>
+              <a:rPr lang="zh-TW" altLang="en-US" dirty="0"/>
+              <a:t>判斷式為真的時候，程式會回去繼續執行迴圈內的指令</a:t>
+            </a:r>
+            <a:r>
+              <a:rPr lang="zh-TW" altLang="en-US" dirty="0" smtClean="0"/>
+              <a:t>。</a:t>
+            </a:r>
+            <a:endParaRPr lang="en-US" altLang="zh-TW" dirty="0" smtClean="0"/>
+          </a:p>
+          <a:p>
+            <a:r>
+              <a:rPr lang="en-US" altLang="zh-TW" dirty="0" smtClean="0"/>
+              <a:t>Python</a:t>
+            </a:r>
+            <a:r>
+              <a:rPr lang="zh-TW" altLang="en-US" dirty="0"/>
+              <a:t>並沒有提供此類</a:t>
+            </a:r>
+            <a:r>
+              <a:rPr lang="zh-TW" altLang="en-US" dirty="0" smtClean="0"/>
+              <a:t>寫法</a:t>
+            </a:r>
+            <a:r>
+              <a:rPr lang="zh-TW" altLang="en-US" dirty="0"/>
+              <a:t>，而在</a:t>
+            </a:r>
+            <a:r>
+              <a:rPr lang="en-US" altLang="zh-TW" dirty="0"/>
+              <a:t>C</a:t>
+            </a:r>
+            <a:r>
+              <a:rPr lang="zh-TW" altLang="en-US" dirty="0"/>
+              <a:t>裡面，則是利用</a:t>
+            </a:r>
+            <a:r>
+              <a:rPr lang="zh-TW" altLang="en-US" dirty="0" smtClean="0"/>
+              <a:t>關鍵字 </a:t>
+            </a:r>
+            <a:r>
+              <a:rPr lang="en-US" altLang="zh-TW" dirty="0" smtClean="0">
+                <a:solidFill>
+                  <a:srgbClr val="0070C0"/>
+                </a:solidFill>
+              </a:rPr>
+              <a:t>do</a:t>
+            </a:r>
+            <a:r>
+              <a:rPr lang="en-US" altLang="zh-TW" dirty="0" smtClean="0"/>
+              <a:t> </a:t>
+            </a:r>
+            <a:r>
+              <a:rPr lang="zh-TW" altLang="en-US" dirty="0" smtClean="0"/>
+              <a:t>和 </a:t>
+            </a:r>
+            <a:r>
+              <a:rPr lang="en-US" altLang="zh-TW" dirty="0" smtClean="0">
+                <a:solidFill>
+                  <a:srgbClr val="0070C0"/>
+                </a:solidFill>
+              </a:rPr>
+              <a:t>while</a:t>
+            </a:r>
+            <a:r>
+              <a:rPr lang="en-US" altLang="zh-TW" dirty="0" smtClean="0"/>
+              <a:t> </a:t>
+            </a:r>
+            <a:r>
+              <a:rPr lang="zh-TW" altLang="en-US" dirty="0" smtClean="0"/>
+              <a:t>來</a:t>
+            </a:r>
+            <a:r>
+              <a:rPr lang="zh-TW" altLang="en-US" dirty="0"/>
+              <a:t>實作此功能</a:t>
+            </a:r>
+            <a:r>
+              <a:rPr lang="zh-TW" altLang="en-US" dirty="0" smtClean="0"/>
+              <a:t>。</a:t>
+            </a:r>
+            <a:endParaRPr lang="zh-TW" altLang="en-US" dirty="0"/>
+          </a:p>
+        </p:txBody>
+      </p:sp>
+    </p:spTree>
+    <p:extLst>
+      <p:ext uri="{BB962C8B-B14F-4D97-AF65-F5344CB8AC3E}">
+        <p14:creationId xmlns:p14="http://schemas.microsoft.com/office/powerpoint/2010/main" val="1109317850"/>
       </p:ext>
     </p:extLst>
   </p:cSld>
@@ -36381,189 +36460,6 @@
           <a:p>
             <a:r>
               <a:rPr lang="zh-TW" altLang="en-US" dirty="0"/>
-              <a:t>不固定次數的迴</a:t>
-            </a:r>
-            <a:r>
-              <a:rPr lang="zh-TW" altLang="en-US" dirty="0" smtClean="0"/>
-              <a:t>圈：</a:t>
-            </a:r>
-            <a:r>
-              <a:rPr lang="en-US" altLang="zh-TW" dirty="0" smtClean="0"/>
-              <a:t>while</a:t>
-            </a:r>
-            <a:endParaRPr lang="zh-TW" altLang="en-US" dirty="0"/>
-          </a:p>
-        </p:txBody>
-      </p:sp>
-      <p:sp>
-        <p:nvSpPr>
-          <p:cNvPr id="3" name="內容版面配置區 2"/>
-          <p:cNvSpPr>
-            <a:spLocks noGrp="1"/>
-          </p:cNvSpPr>
-          <p:nvPr>
-            <p:ph idx="1"/>
-          </p:nvPr>
-        </p:nvSpPr>
-        <p:spPr/>
-        <p:txBody>
-          <a:bodyPr>
-            <a:normAutofit fontScale="92500" lnSpcReduction="10000"/>
-          </a:bodyPr>
-          <a:lstStyle/>
-          <a:p>
-            <a:r>
-              <a:rPr lang="zh-TW" altLang="en-US" dirty="0"/>
-              <a:t>另一種迴圈的寫法，則是不先做判斷，而是直接執行命令，等到執行完再做邏輯式</a:t>
-            </a:r>
-            <a:r>
-              <a:rPr lang="zh-TW" altLang="en-US" dirty="0" smtClean="0"/>
-              <a:t>的判斷。</a:t>
-            </a:r>
-            <a:endParaRPr lang="en-US" altLang="zh-TW" dirty="0" smtClean="0"/>
-          </a:p>
-          <a:p>
-            <a:r>
-              <a:rPr lang="zh-TW" altLang="en-US" dirty="0" smtClean="0"/>
-              <a:t>當</a:t>
-            </a:r>
-            <a:r>
-              <a:rPr lang="zh-TW" altLang="en-US" dirty="0"/>
-              <a:t>判斷式為真的時候，程式會回去繼續執行迴圈內的指令</a:t>
-            </a:r>
-            <a:r>
-              <a:rPr lang="zh-TW" altLang="en-US" dirty="0" smtClean="0"/>
-              <a:t>。</a:t>
-            </a:r>
-            <a:endParaRPr lang="en-US" altLang="zh-TW" dirty="0" smtClean="0"/>
-          </a:p>
-          <a:p>
-            <a:r>
-              <a:rPr lang="en-US" altLang="zh-TW" dirty="0" smtClean="0"/>
-              <a:t>Python</a:t>
-            </a:r>
-            <a:r>
-              <a:rPr lang="zh-TW" altLang="en-US" dirty="0"/>
-              <a:t>並沒有提供此類</a:t>
-            </a:r>
-            <a:r>
-              <a:rPr lang="zh-TW" altLang="en-US" dirty="0" smtClean="0"/>
-              <a:t>寫法</a:t>
-            </a:r>
-            <a:r>
-              <a:rPr lang="zh-TW" altLang="en-US" dirty="0"/>
-              <a:t>，而在</a:t>
-            </a:r>
-            <a:r>
-              <a:rPr lang="en-US" altLang="zh-TW" dirty="0"/>
-              <a:t>C</a:t>
-            </a:r>
-            <a:r>
-              <a:rPr lang="zh-TW" altLang="en-US" dirty="0"/>
-              <a:t>裡面，則是利用</a:t>
-            </a:r>
-            <a:r>
-              <a:rPr lang="zh-TW" altLang="en-US" dirty="0" smtClean="0"/>
-              <a:t>關鍵字 </a:t>
-            </a:r>
-            <a:r>
-              <a:rPr lang="en-US" altLang="zh-TW" dirty="0" smtClean="0">
-                <a:solidFill>
-                  <a:srgbClr val="0070C0"/>
-                </a:solidFill>
-              </a:rPr>
-              <a:t>do</a:t>
-            </a:r>
-            <a:r>
-              <a:rPr lang="en-US" altLang="zh-TW" dirty="0" smtClean="0"/>
-              <a:t> </a:t>
-            </a:r>
-            <a:r>
-              <a:rPr lang="zh-TW" altLang="en-US" dirty="0" smtClean="0"/>
-              <a:t>和 </a:t>
-            </a:r>
-            <a:r>
-              <a:rPr lang="en-US" altLang="zh-TW" dirty="0" smtClean="0">
-                <a:solidFill>
-                  <a:srgbClr val="0070C0"/>
-                </a:solidFill>
-              </a:rPr>
-              <a:t>while</a:t>
-            </a:r>
-            <a:r>
-              <a:rPr lang="en-US" altLang="zh-TW" dirty="0" smtClean="0"/>
-              <a:t> </a:t>
-            </a:r>
-            <a:r>
-              <a:rPr lang="zh-TW" altLang="en-US" dirty="0" smtClean="0"/>
-              <a:t>來</a:t>
-            </a:r>
-            <a:r>
-              <a:rPr lang="zh-TW" altLang="en-US" dirty="0"/>
-              <a:t>實作此功能</a:t>
-            </a:r>
-            <a:r>
-              <a:rPr lang="zh-TW" altLang="en-US" dirty="0" smtClean="0"/>
-              <a:t>。</a:t>
-            </a:r>
-            <a:endParaRPr lang="zh-TW" altLang="en-US" dirty="0"/>
-          </a:p>
-        </p:txBody>
-      </p:sp>
-    </p:spTree>
-    <p:extLst>
-      <p:ext uri="{BB962C8B-B14F-4D97-AF65-F5344CB8AC3E}">
-        <p14:creationId xmlns:p14="http://schemas.microsoft.com/office/powerpoint/2010/main" val="1109317850"/>
-      </p:ext>
-    </p:extLst>
-  </p:cSld>
-  <p:clrMapOvr>
-    <a:masterClrMapping/>
-  </p:clrMapOvr>
-  <p:timing>
-    <p:tnLst>
-      <p:par>
-        <p:cTn id="1" dur="indefinite" restart="never" nodeType="tmRoot"/>
-      </p:par>
-    </p:tnLst>
-  </p:timing>
-</p:sld>
-</file>
-
-<file path=ppt/slides/slide89.xml><?xml version="1.0" encoding="utf-8"?>
-<p:sld xmlns:a="http://schemas.openxmlformats.org/drawingml/2006/main" xmlns:r="http://schemas.openxmlformats.org/officeDocument/2006/relationships" xmlns:p="http://schemas.openxmlformats.org/presentationml/2006/main">
-  <p:cSld>
-    <p:spTree>
-      <p:nvGrpSpPr>
-        <p:cNvPr id="1" name=""/>
-        <p:cNvGrpSpPr/>
-        <p:nvPr/>
-      </p:nvGrpSpPr>
-      <p:grpSpPr>
-        <a:xfrm>
-          <a:off x="0" y="0"/>
-          <a:ext cx="0" cy="0"/>
-          <a:chOff x="0" y="0"/>
-          <a:chExt cx="0" cy="0"/>
-        </a:xfrm>
-      </p:grpSpPr>
-      <p:sp>
-        <p:nvSpPr>
-          <p:cNvPr id="2" name="標題 1"/>
-          <p:cNvSpPr>
-            <a:spLocks noGrp="1"/>
-          </p:cNvSpPr>
-          <p:nvPr>
-            <p:ph type="title"/>
-          </p:nvPr>
-        </p:nvSpPr>
-        <p:spPr/>
-        <p:txBody>
-          <a:bodyPr/>
-          <a:lstStyle/>
-          <a:p>
-            <a:r>
-              <a:rPr lang="zh-TW" altLang="en-US" dirty="0"/>
               <a:t>不固定次數的迴圈：</a:t>
             </a:r>
             <a:r>
@@ -36652,7 +36548,7 @@
           </p:cNvPicPr>
           <p:nvPr/>
         </p:nvPicPr>
-        <p:blipFill>
+        <p:blipFill rotWithShape="1">
           <a:blip r:embed="rId2">
             <a:extLst>
               <a:ext uri="{28A0092B-C50C-407E-A947-70E740481C1C}">
@@ -36660,15 +36556,13 @@
               </a:ext>
             </a:extLst>
           </a:blip>
-          <a:srcRect/>
-          <a:stretch>
-            <a:fillRect/>
-          </a:stretch>
+          <a:srcRect b="9288"/>
+          <a:stretch/>
         </p:blipFill>
         <p:spPr bwMode="auto">
           <a:xfrm>
-            <a:off x="6325066" y="1401620"/>
-            <a:ext cx="2361734" cy="3199420"/>
+            <a:off x="6325066" y="1266605"/>
+            <a:ext cx="2361734" cy="2902248"/>
           </a:xfrm>
           <a:prstGeom prst="rect">
             <a:avLst/>
@@ -36762,10 +36656,341 @@
           </a:extLst>
         </p:spPr>
       </p:pic>
+      <p:sp>
+        <p:nvSpPr>
+          <p:cNvPr id="8" name="內容版面配置區 1"/>
+          <p:cNvSpPr txBox="1">
+            <a:spLocks/>
+          </p:cNvSpPr>
+          <p:nvPr/>
+        </p:nvSpPr>
+        <p:spPr>
+          <a:xfrm>
+            <a:off x="6325066" y="4236935"/>
+            <a:ext cx="2684256" cy="293485"/>
+          </a:xfrm>
+          <a:prstGeom prst="rect">
+            <a:avLst/>
+          </a:prstGeom>
+          <a:ln/>
+        </p:spPr>
+        <p:style>
+          <a:lnRef idx="0">
+            <a:schemeClr val="accent3"/>
+          </a:lnRef>
+          <a:fillRef idx="3">
+            <a:schemeClr val="accent3"/>
+          </a:fillRef>
+          <a:effectRef idx="3">
+            <a:schemeClr val="accent3"/>
+          </a:effectRef>
+          <a:fontRef idx="minor">
+            <a:schemeClr val="lt1"/>
+          </a:fontRef>
+        </p:style>
+        <p:txBody>
+          <a:bodyPr vert="horz" lIns="91440" tIns="45720" rIns="91440" bIns="45720" rtlCol="0">
+            <a:normAutofit fontScale="62500" lnSpcReduction="20000"/>
+          </a:bodyPr>
+          <a:lstStyle>
+            <a:lvl1pPr marL="0" indent="0" algn="l" defTabSz="914400" rtl="0" eaLnBrk="1" latinLnBrk="0" hangingPunct="1">
+              <a:spcBef>
+                <a:spcPct val="20000"/>
+              </a:spcBef>
+              <a:buFont typeface="Arial" pitchFamily="34" charset="0"/>
+              <a:buNone/>
+              <a:defRPr sz="3200" kern="1200">
+                <a:solidFill>
+                  <a:schemeClr val="tx1"/>
+                </a:solidFill>
+                <a:latin typeface="微軟正黑體" pitchFamily="34" charset="-120"/>
+                <a:ea typeface="微軟正黑體" pitchFamily="34" charset="-120"/>
+                <a:cs typeface="+mn-cs"/>
+              </a:defRPr>
+            </a:lvl1pPr>
+            <a:lvl2pPr marL="457200" indent="0" algn="l" defTabSz="914400" rtl="0" eaLnBrk="1" latinLnBrk="0" hangingPunct="1">
+              <a:spcBef>
+                <a:spcPct val="20000"/>
+              </a:spcBef>
+              <a:buFont typeface="Arial" pitchFamily="34" charset="0"/>
+              <a:buNone/>
+              <a:defRPr sz="2800" kern="1200">
+                <a:solidFill>
+                  <a:schemeClr val="tx1"/>
+                </a:solidFill>
+                <a:latin typeface="微軟正黑體" pitchFamily="34" charset="-120"/>
+                <a:ea typeface="微軟正黑體" pitchFamily="34" charset="-120"/>
+                <a:cs typeface="+mn-cs"/>
+              </a:defRPr>
+            </a:lvl2pPr>
+            <a:lvl3pPr marL="914400" indent="0" algn="l" defTabSz="914400" rtl="0" eaLnBrk="1" latinLnBrk="0" hangingPunct="1">
+              <a:spcBef>
+                <a:spcPct val="20000"/>
+              </a:spcBef>
+              <a:buFont typeface="Arial" pitchFamily="34" charset="0"/>
+              <a:buNone/>
+              <a:defRPr sz="2400" kern="1200">
+                <a:solidFill>
+                  <a:schemeClr val="tx1"/>
+                </a:solidFill>
+                <a:latin typeface="微軟正黑體" pitchFamily="34" charset="-120"/>
+                <a:ea typeface="微軟正黑體" pitchFamily="34" charset="-120"/>
+                <a:cs typeface="+mn-cs"/>
+              </a:defRPr>
+            </a:lvl3pPr>
+            <a:lvl4pPr marL="1371600" indent="0" algn="l" defTabSz="914400" rtl="0" eaLnBrk="1" latinLnBrk="0" hangingPunct="1">
+              <a:spcBef>
+                <a:spcPct val="20000"/>
+              </a:spcBef>
+              <a:buFont typeface="Arial" pitchFamily="34" charset="0"/>
+              <a:buNone/>
+              <a:defRPr sz="2000" kern="1200">
+                <a:solidFill>
+                  <a:schemeClr val="tx1"/>
+                </a:solidFill>
+                <a:latin typeface="微軟正黑體" pitchFamily="34" charset="-120"/>
+                <a:ea typeface="微軟正黑體" pitchFamily="34" charset="-120"/>
+                <a:cs typeface="+mn-cs"/>
+              </a:defRPr>
+            </a:lvl4pPr>
+            <a:lvl5pPr marL="1828800" indent="0" algn="l" defTabSz="914400" rtl="0" eaLnBrk="1" latinLnBrk="0" hangingPunct="1">
+              <a:spcBef>
+                <a:spcPct val="20000"/>
+              </a:spcBef>
+              <a:buFont typeface="Arial" pitchFamily="34" charset="0"/>
+              <a:buNone/>
+              <a:defRPr sz="2000" kern="1200">
+                <a:solidFill>
+                  <a:schemeClr val="tx1"/>
+                </a:solidFill>
+                <a:latin typeface="微軟正黑體" pitchFamily="34" charset="-120"/>
+                <a:ea typeface="微軟正黑體" pitchFamily="34" charset="-120"/>
+                <a:cs typeface="+mn-cs"/>
+              </a:defRPr>
+            </a:lvl5pPr>
+            <a:lvl6pPr marL="2514600" indent="-228600" algn="l" defTabSz="914400" rtl="0" eaLnBrk="1" latinLnBrk="0" hangingPunct="1">
+              <a:spcBef>
+                <a:spcPct val="20000"/>
+              </a:spcBef>
+              <a:buFont typeface="Arial" pitchFamily="34" charset="0"/>
+              <a:buChar char="•"/>
+              <a:defRPr sz="2000" kern="1200">
+                <a:solidFill>
+                  <a:schemeClr val="tx1"/>
+                </a:solidFill>
+                <a:latin typeface="+mn-lt"/>
+                <a:ea typeface="+mn-ea"/>
+                <a:cs typeface="+mn-cs"/>
+              </a:defRPr>
+            </a:lvl6pPr>
+            <a:lvl7pPr marL="2971800" indent="-228600" algn="l" defTabSz="914400" rtl="0" eaLnBrk="1" latinLnBrk="0" hangingPunct="1">
+              <a:spcBef>
+                <a:spcPct val="20000"/>
+              </a:spcBef>
+              <a:buFont typeface="Arial" pitchFamily="34" charset="0"/>
+              <a:buChar char="•"/>
+              <a:defRPr sz="2000" kern="1200">
+                <a:solidFill>
+                  <a:schemeClr val="tx1"/>
+                </a:solidFill>
+                <a:latin typeface="+mn-lt"/>
+                <a:ea typeface="+mn-ea"/>
+                <a:cs typeface="+mn-cs"/>
+              </a:defRPr>
+            </a:lvl7pPr>
+            <a:lvl8pPr marL="3429000" indent="-228600" algn="l" defTabSz="914400" rtl="0" eaLnBrk="1" latinLnBrk="0" hangingPunct="1">
+              <a:spcBef>
+                <a:spcPct val="20000"/>
+              </a:spcBef>
+              <a:buFont typeface="Arial" pitchFamily="34" charset="0"/>
+              <a:buChar char="•"/>
+              <a:defRPr sz="2000" kern="1200">
+                <a:solidFill>
+                  <a:schemeClr val="tx1"/>
+                </a:solidFill>
+                <a:latin typeface="+mn-lt"/>
+                <a:ea typeface="+mn-ea"/>
+                <a:cs typeface="+mn-cs"/>
+              </a:defRPr>
+            </a:lvl8pPr>
+            <a:lvl9pPr marL="3886200" indent="-228600" algn="l" defTabSz="914400" rtl="0" eaLnBrk="1" latinLnBrk="0" hangingPunct="1">
+              <a:spcBef>
+                <a:spcPct val="20000"/>
+              </a:spcBef>
+              <a:buFont typeface="Arial" pitchFamily="34" charset="0"/>
+              <a:buChar char="•"/>
+              <a:defRPr sz="2000" kern="1200">
+                <a:solidFill>
+                  <a:schemeClr val="tx1"/>
+                </a:solidFill>
+                <a:latin typeface="+mn-lt"/>
+                <a:ea typeface="+mn-ea"/>
+                <a:cs typeface="+mn-cs"/>
+              </a:defRPr>
+            </a:lvl9pPr>
+          </a:lstStyle>
+          <a:p>
+            <a:pPr algn="ctr">
+              <a:lnSpc>
+                <a:spcPct val="120000"/>
+              </a:lnSpc>
+            </a:pPr>
+            <a:r>
+              <a:rPr lang="en-US" altLang="zh-TW" sz="2000" b="1" dirty="0"/>
+              <a:t>d</a:t>
+            </a:r>
+            <a:r>
+              <a:rPr lang="en-US" altLang="zh-TW" sz="2000" b="1" dirty="0" smtClean="0"/>
+              <a:t>o While </a:t>
+            </a:r>
+            <a:r>
+              <a:rPr lang="zh-TW" altLang="en-US" sz="2000" b="1" dirty="0" smtClean="0"/>
+              <a:t>迴圈的</a:t>
+            </a:r>
+            <a:r>
+              <a:rPr lang="zh-TW" altLang="en-US" sz="2000" b="1" dirty="0" smtClean="0"/>
+              <a:t>流程圖</a:t>
+            </a:r>
+          </a:p>
+          <a:p>
+            <a:pPr algn="ctr">
+              <a:lnSpc>
+                <a:spcPct val="120000"/>
+              </a:lnSpc>
+            </a:pPr>
+            <a:endParaRPr lang="zh-TW" altLang="en-US" sz="2000" b="1" dirty="0"/>
+          </a:p>
+        </p:txBody>
+      </p:sp>
     </p:spTree>
     <p:extLst>
       <p:ext uri="{BB962C8B-B14F-4D97-AF65-F5344CB8AC3E}">
         <p14:creationId xmlns:p14="http://schemas.microsoft.com/office/powerpoint/2010/main" val="2642141914"/>
+      </p:ext>
+    </p:extLst>
+  </p:cSld>
+  <p:clrMapOvr>
+    <a:masterClrMapping/>
+  </p:clrMapOvr>
+  <p:timing>
+    <p:tnLst>
+      <p:par>
+        <p:cTn id="1" dur="indefinite" restart="never" nodeType="tmRoot"/>
+      </p:par>
+    </p:tnLst>
+  </p:timing>
+</p:sld>
+</file>
+
+<file path=ppt/slides/slide89.xml><?xml version="1.0" encoding="utf-8"?>
+<p:sld xmlns:a="http://schemas.openxmlformats.org/drawingml/2006/main" xmlns:r="http://schemas.openxmlformats.org/officeDocument/2006/relationships" xmlns:p="http://schemas.openxmlformats.org/presentationml/2006/main">
+  <p:cSld>
+    <p:spTree>
+      <p:nvGrpSpPr>
+        <p:cNvPr id="1" name=""/>
+        <p:cNvGrpSpPr/>
+        <p:nvPr/>
+      </p:nvGrpSpPr>
+      <p:grpSpPr>
+        <a:xfrm>
+          <a:off x="0" y="0"/>
+          <a:ext cx="0" cy="0"/>
+          <a:chOff x="0" y="0"/>
+          <a:chExt cx="0" cy="0"/>
+        </a:xfrm>
+      </p:grpSpPr>
+      <p:sp>
+        <p:nvSpPr>
+          <p:cNvPr id="2" name="標題 1"/>
+          <p:cNvSpPr>
+            <a:spLocks noGrp="1"/>
+          </p:cNvSpPr>
+          <p:nvPr>
+            <p:ph type="title"/>
+          </p:nvPr>
+        </p:nvSpPr>
+        <p:spPr/>
+        <p:txBody>
+          <a:bodyPr/>
+          <a:lstStyle/>
+          <a:p>
+            <a:r>
+              <a:rPr lang="zh-TW" altLang="en-US" dirty="0" smtClean="0"/>
+              <a:t>不固定次數的迴圈：</a:t>
+            </a:r>
+            <a:r>
+              <a:rPr lang="en-US" altLang="zh-TW" dirty="0" smtClean="0"/>
+              <a:t>for</a:t>
+            </a:r>
+            <a:endParaRPr lang="zh-TW" altLang="en-US" dirty="0"/>
+          </a:p>
+        </p:txBody>
+      </p:sp>
+      <p:sp>
+        <p:nvSpPr>
+          <p:cNvPr id="3" name="內容版面配置區 2"/>
+          <p:cNvSpPr>
+            <a:spLocks noGrp="1"/>
+          </p:cNvSpPr>
+          <p:nvPr>
+            <p:ph idx="1"/>
+          </p:nvPr>
+        </p:nvSpPr>
+        <p:spPr/>
+        <p:txBody>
+          <a:bodyPr>
+            <a:normAutofit fontScale="85000" lnSpcReduction="10000"/>
+          </a:bodyPr>
+          <a:lstStyle/>
+          <a:p>
+            <a:r>
+              <a:rPr lang="en-US" altLang="zh-TW" dirty="0" smtClean="0"/>
+              <a:t>for </a:t>
+            </a:r>
+            <a:r>
+              <a:rPr lang="zh-TW" altLang="en-US" dirty="0" smtClean="0"/>
+              <a:t>指令後面接著的式子分三部分：</a:t>
+            </a:r>
+            <a:endParaRPr lang="en-US" altLang="zh-TW" dirty="0" smtClean="0"/>
+          </a:p>
+          <a:p>
+            <a:pPr lvl="1"/>
+            <a:r>
+              <a:rPr lang="zh-TW" altLang="en-US" dirty="0" smtClean="0"/>
+              <a:t>第一是在執行迴圈之前，所需要先給定的初始值設定。</a:t>
+            </a:r>
+            <a:endParaRPr lang="en-US" altLang="zh-TW" dirty="0" smtClean="0"/>
+          </a:p>
+          <a:p>
+            <a:pPr lvl="1"/>
+            <a:r>
+              <a:rPr lang="zh-TW" altLang="en-US" dirty="0" smtClean="0"/>
+              <a:t>第二是進入或留在迴圈的條件，有如</a:t>
+            </a:r>
+            <a:r>
+              <a:rPr lang="en-US" altLang="zh-TW" dirty="0" smtClean="0"/>
+              <a:t>while </a:t>
+            </a:r>
+            <a:r>
+              <a:rPr lang="zh-TW" altLang="en-US" dirty="0" smtClean="0"/>
+              <a:t>指令後面接著的判斷式。</a:t>
+            </a:r>
+            <a:endParaRPr lang="en-US" altLang="zh-TW" dirty="0" smtClean="0"/>
+          </a:p>
+          <a:p>
+            <a:pPr lvl="1"/>
+            <a:r>
+              <a:rPr lang="zh-TW" altLang="en-US" dirty="0" smtClean="0"/>
+              <a:t>第三是在每當要執行下一次迴圈之前，所需要執行的式子。</a:t>
+            </a:r>
+            <a:endParaRPr lang="zh-TW" altLang="en-US" dirty="0"/>
+          </a:p>
+        </p:txBody>
+      </p:sp>
+    </p:spTree>
+    <p:extLst>
+      <p:ext uri="{BB962C8B-B14F-4D97-AF65-F5344CB8AC3E}">
+        <p14:creationId xmlns:p14="http://schemas.microsoft.com/office/powerpoint/2010/main" val="2098340007"/>
       </p:ext>
     </p:extLst>
   </p:cSld>
@@ -36895,131 +37120,6 @@
 </file>
 
 <file path=ppt/slides/slide90.xml><?xml version="1.0" encoding="utf-8"?>
-<p:sld xmlns:a="http://schemas.openxmlformats.org/drawingml/2006/main" xmlns:r="http://schemas.openxmlformats.org/officeDocument/2006/relationships" xmlns:p="http://schemas.openxmlformats.org/presentationml/2006/main">
-  <p:cSld>
-    <p:spTree>
-      <p:nvGrpSpPr>
-        <p:cNvPr id="1" name=""/>
-        <p:cNvGrpSpPr/>
-        <p:nvPr/>
-      </p:nvGrpSpPr>
-      <p:grpSpPr>
-        <a:xfrm>
-          <a:off x="0" y="0"/>
-          <a:ext cx="0" cy="0"/>
-          <a:chOff x="0" y="0"/>
-          <a:chExt cx="0" cy="0"/>
-        </a:xfrm>
-      </p:grpSpPr>
-      <p:sp>
-        <p:nvSpPr>
-          <p:cNvPr id="2" name="標題 1"/>
-          <p:cNvSpPr>
-            <a:spLocks noGrp="1"/>
-          </p:cNvSpPr>
-          <p:nvPr>
-            <p:ph type="title"/>
-          </p:nvPr>
-        </p:nvSpPr>
-        <p:spPr/>
-        <p:txBody>
-          <a:bodyPr/>
-          <a:lstStyle/>
-          <a:p>
-            <a:r>
-              <a:rPr lang="zh-TW" altLang="en-US" dirty="0" smtClean="0"/>
-              <a:t>不固定次數的迴圈：</a:t>
-            </a:r>
-            <a:r>
-              <a:rPr lang="en-US" altLang="zh-TW" dirty="0" smtClean="0"/>
-              <a:t>for</a:t>
-            </a:r>
-            <a:endParaRPr lang="zh-TW" altLang="en-US" dirty="0"/>
-          </a:p>
-        </p:txBody>
-      </p:sp>
-      <p:sp>
-        <p:nvSpPr>
-          <p:cNvPr id="3" name="內容版面配置區 2"/>
-          <p:cNvSpPr>
-            <a:spLocks noGrp="1"/>
-          </p:cNvSpPr>
-          <p:nvPr>
-            <p:ph idx="1"/>
-          </p:nvPr>
-        </p:nvSpPr>
-        <p:spPr/>
-        <p:txBody>
-          <a:bodyPr>
-            <a:normAutofit fontScale="85000" lnSpcReduction="10000"/>
-          </a:bodyPr>
-          <a:lstStyle/>
-          <a:p>
-            <a:r>
-              <a:rPr lang="en-US" altLang="zh-TW" dirty="0" smtClean="0"/>
-              <a:t>for </a:t>
-            </a:r>
-            <a:r>
-              <a:rPr lang="zh-TW" altLang="en-US" dirty="0" smtClean="0"/>
-              <a:t>指令後面接著的式子分三部分：</a:t>
-            </a:r>
-            <a:endParaRPr lang="en-US" altLang="zh-TW" dirty="0" smtClean="0"/>
-          </a:p>
-          <a:p>
-            <a:pPr lvl="1"/>
-            <a:r>
-              <a:rPr lang="zh-TW" altLang="en-US" dirty="0" smtClean="0"/>
-              <a:t>第一是在執行迴圈之前，所需要先給定的初始值設定。</a:t>
-            </a:r>
-            <a:endParaRPr lang="en-US" altLang="zh-TW" dirty="0" smtClean="0"/>
-          </a:p>
-          <a:p>
-            <a:pPr lvl="1"/>
-            <a:r>
-              <a:rPr lang="zh-TW" altLang="en-US" dirty="0" smtClean="0"/>
-              <a:t>第二是進入或留在迴圈的條件，有如</a:t>
-            </a:r>
-            <a:r>
-              <a:rPr lang="en-US" altLang="zh-TW" dirty="0" smtClean="0"/>
-              <a:t>while </a:t>
-            </a:r>
-            <a:r>
-              <a:rPr lang="zh-TW" altLang="en-US" dirty="0" smtClean="0"/>
-              <a:t>指令後面接著的判斷式。</a:t>
-            </a:r>
-            <a:endParaRPr lang="en-US" altLang="zh-TW" dirty="0" smtClean="0"/>
-          </a:p>
-          <a:p>
-            <a:pPr lvl="1"/>
-            <a:r>
-              <a:rPr lang="zh-TW" altLang="en-US" dirty="0" smtClean="0"/>
-              <a:t>第三是在每當要執行下一次迴圈之前，所需要執行的式子。</a:t>
-            </a:r>
-            <a:endParaRPr lang="zh-TW" altLang="en-US" dirty="0"/>
-          </a:p>
-        </p:txBody>
-      </p:sp>
-    </p:spTree>
-    <p:extLst>
-      <p:ext uri="{BB962C8B-B14F-4D97-AF65-F5344CB8AC3E}">
-        <p14:creationId xmlns:p14="http://schemas.microsoft.com/office/powerpoint/2010/main" val="2098340007"/>
-      </p:ext>
-    </p:extLst>
-  </p:cSld>
-  <p:clrMapOvr>
-    <a:masterClrMapping/>
-  </p:clrMapOvr>
-  <p:timing>
-    <p:tnLst>
-      <p:par>
-        <p:cTn id="1" dur="indefinite" restart="never" nodeType="tmRoot"/>
-      </p:par>
-    </p:tnLst>
-  </p:timing>
-</p:sld>
-</file>
-
-<file path=ppt/slides/slide91.xml><?xml version="1.0" encoding="utf-8"?>
 <p:sld xmlns:a="http://schemas.openxmlformats.org/drawingml/2006/main" xmlns:r="http://schemas.openxmlformats.org/officeDocument/2006/relationships" xmlns:p="http://schemas.openxmlformats.org/presentationml/2006/main">
   <p:cSld>
     <p:spTree>
@@ -37149,7 +37249,7 @@
 </p:sld>
 </file>
 
-<file path=ppt/slides/slide92.xml><?xml version="1.0" encoding="utf-8"?>
+<file path=ppt/slides/slide91.xml><?xml version="1.0" encoding="utf-8"?>
 <p:sld xmlns:a="http://schemas.openxmlformats.org/drawingml/2006/main" xmlns:r="http://schemas.openxmlformats.org/officeDocument/2006/relationships" xmlns:p="http://schemas.openxmlformats.org/presentationml/2006/main">
   <p:cSld>
     <p:spTree>
@@ -37306,7 +37406,7 @@
 </p:sld>
 </file>
 
-<file path=ppt/slides/slide93.xml><?xml version="1.0" encoding="utf-8"?>
+<file path=ppt/slides/slide92.xml><?xml version="1.0" encoding="utf-8"?>
 <p:sld xmlns:a="http://schemas.openxmlformats.org/drawingml/2006/main" xmlns:r="http://schemas.openxmlformats.org/officeDocument/2006/relationships" xmlns:p="http://schemas.openxmlformats.org/presentationml/2006/main">
   <p:cSld>
     <p:spTree>
@@ -37443,7 +37543,7 @@
 </p:sld>
 </file>
 
-<file path=ppt/slides/slide94.xml><?xml version="1.0" encoding="utf-8"?>
+<file path=ppt/slides/slide93.xml><?xml version="1.0" encoding="utf-8"?>
 <p:sld xmlns:a="http://schemas.openxmlformats.org/drawingml/2006/main" xmlns:r="http://schemas.openxmlformats.org/officeDocument/2006/relationships" xmlns:p="http://schemas.openxmlformats.org/presentationml/2006/main">
   <p:cSld>
     <p:spTree>
@@ -37579,7 +37679,7 @@
 </p:sld>
 </file>
 
-<file path=ppt/slides/slide95.xml><?xml version="1.0" encoding="utf-8"?>
+<file path=ppt/slides/slide94.xml><?xml version="1.0" encoding="utf-8"?>
 <p:sld xmlns:a="http://schemas.openxmlformats.org/drawingml/2006/main" xmlns:r="http://schemas.openxmlformats.org/officeDocument/2006/relationships" xmlns:p="http://schemas.openxmlformats.org/presentationml/2006/main">
   <p:cSld>
     <p:spTree>
@@ -37686,7 +37786,7 @@
 </p:sld>
 </file>
 
-<file path=ppt/slides/slide96.xml><?xml version="1.0" encoding="utf-8"?>
+<file path=ppt/slides/slide95.xml><?xml version="1.0" encoding="utf-8"?>
 <p:sld xmlns:a="http://schemas.openxmlformats.org/drawingml/2006/main" xmlns:r="http://schemas.openxmlformats.org/officeDocument/2006/relationships" xmlns:p="http://schemas.openxmlformats.org/presentationml/2006/main">
   <p:cSld>
     <p:spTree>
@@ -37880,7 +37980,7 @@
 </p:sld>
 </file>
 
-<file path=ppt/slides/slide97.xml><?xml version="1.0" encoding="utf-8"?>
+<file path=ppt/slides/slide96.xml><?xml version="1.0" encoding="utf-8"?>
 <p:sld xmlns:a="http://schemas.openxmlformats.org/drawingml/2006/main" xmlns:r="http://schemas.openxmlformats.org/officeDocument/2006/relationships" xmlns:p="http://schemas.openxmlformats.org/presentationml/2006/main">
   <p:cSld>
     <p:spTree>
@@ -38046,7 +38146,7 @@
 </p:sld>
 </file>
 
-<file path=ppt/slides/slide98.xml><?xml version="1.0" encoding="utf-8"?>
+<file path=ppt/slides/slide97.xml><?xml version="1.0" encoding="utf-8"?>
 <p:sld xmlns:a="http://schemas.openxmlformats.org/drawingml/2006/main" xmlns:r="http://schemas.openxmlformats.org/officeDocument/2006/relationships" xmlns:p="http://schemas.openxmlformats.org/presentationml/2006/main">
   <p:cSld>
     <p:spTree>
@@ -38264,7 +38364,7 @@
 </p:sld>
 </file>
 
-<file path=ppt/slides/slide99.xml><?xml version="1.0" encoding="utf-8"?>
+<file path=ppt/slides/slide98.xml><?xml version="1.0" encoding="utf-8"?>
 <p:sld xmlns:a="http://schemas.openxmlformats.org/drawingml/2006/main" xmlns:r="http://schemas.openxmlformats.org/officeDocument/2006/relationships" xmlns:p="http://schemas.openxmlformats.org/presentationml/2006/main">
   <p:cSld>
     <p:spTree>
@@ -38341,6 +38441,175 @@
     <p:extLst>
       <p:ext uri="{BB962C8B-B14F-4D97-AF65-F5344CB8AC3E}">
         <p14:creationId xmlns:p14="http://schemas.microsoft.com/office/powerpoint/2010/main" val="3880187538"/>
+      </p:ext>
+    </p:extLst>
+  </p:cSld>
+  <p:clrMapOvr>
+    <a:masterClrMapping/>
+  </p:clrMapOvr>
+  <p:timing>
+    <p:tnLst>
+      <p:par>
+        <p:cTn id="1" dur="indefinite" restart="never" nodeType="tmRoot"/>
+      </p:par>
+    </p:tnLst>
+  </p:timing>
+</p:sld>
+</file>
+
+<file path=ppt/slides/slide99.xml><?xml version="1.0" encoding="utf-8"?>
+<p:sld xmlns:a="http://schemas.openxmlformats.org/drawingml/2006/main" xmlns:r="http://schemas.openxmlformats.org/officeDocument/2006/relationships" xmlns:p="http://schemas.openxmlformats.org/presentationml/2006/main">
+  <p:cSld>
+    <p:spTree>
+      <p:nvGrpSpPr>
+        <p:cNvPr id="1" name=""/>
+        <p:cNvGrpSpPr/>
+        <p:nvPr/>
+      </p:nvGrpSpPr>
+      <p:grpSpPr>
+        <a:xfrm>
+          <a:off x="0" y="0"/>
+          <a:ext cx="0" cy="0"/>
+          <a:chOff x="0" y="0"/>
+          <a:chExt cx="0" cy="0"/>
+        </a:xfrm>
+      </p:grpSpPr>
+      <p:sp>
+        <p:nvSpPr>
+          <p:cNvPr id="2" name="內容版面配置區 1"/>
+          <p:cNvSpPr>
+            <a:spLocks noGrp="1"/>
+          </p:cNvSpPr>
+          <p:nvPr>
+            <p:ph idx="1"/>
+          </p:nvPr>
+        </p:nvSpPr>
+        <p:spPr>
+          <a:xfrm rot="705517">
+            <a:off x="459745" y="1758701"/>
+            <a:ext cx="2879491" cy="784161"/>
+          </a:xfrm>
+          <a:prstGeom prst="homePlate">
+            <a:avLst/>
+          </a:prstGeom>
+          <a:ln/>
+        </p:spPr>
+        <p:style>
+          <a:lnRef idx="2">
+            <a:schemeClr val="accent5"/>
+          </a:lnRef>
+          <a:fillRef idx="1">
+            <a:schemeClr val="lt1"/>
+          </a:fillRef>
+          <a:effectRef idx="0">
+            <a:schemeClr val="accent5"/>
+          </a:effectRef>
+          <a:fontRef idx="minor">
+            <a:schemeClr val="dk1"/>
+          </a:fontRef>
+        </p:style>
+        <p:txBody>
+          <a:bodyPr>
+            <a:noAutofit/>
+          </a:bodyPr>
+          <a:lstStyle/>
+          <a:p>
+            <a:pPr algn="ctr">
+              <a:lnSpc>
+                <a:spcPct val="110000"/>
+              </a:lnSpc>
+            </a:pPr>
+            <a:r>
+              <a:rPr lang="zh-TW" altLang="en-US" sz="2400" b="1" dirty="0"/>
+              <a:t>程序 </a:t>
+            </a:r>
+            <a:r>
+              <a:rPr lang="en-US" altLang="zh-TW" sz="2400" b="1" dirty="0" err="1"/>
+              <a:t>changehead</a:t>
+            </a:r>
+            <a:r>
+              <a:rPr lang="zh-TW" altLang="en-US" sz="2400" b="1" dirty="0"/>
+              <a:t>的執行步驟示意圖</a:t>
+            </a:r>
+          </a:p>
+          <a:p>
+            <a:pPr algn="ctr">
+              <a:lnSpc>
+                <a:spcPct val="110000"/>
+              </a:lnSpc>
+            </a:pPr>
+            <a:endParaRPr lang="zh-TW" altLang="en-US" sz="2400" b="1" dirty="0"/>
+          </a:p>
+        </p:txBody>
+      </p:sp>
+      <p:pic>
+        <p:nvPicPr>
+          <p:cNvPr id="4" name="Picture 2"/>
+          <p:cNvPicPr>
+            <a:picLocks noChangeAspect="1" noChangeArrowheads="1"/>
+          </p:cNvPicPr>
+          <p:nvPr/>
+        </p:nvPicPr>
+        <p:blipFill>
+          <a:blip r:embed="rId2">
+            <a:extLst>
+              <a:ext uri="{28A0092B-C50C-407E-A947-70E740481C1C}">
+                <a14:useLocalDpi xmlns:a14="http://schemas.microsoft.com/office/drawing/2010/main" val="0"/>
+              </a:ext>
+            </a:extLst>
+          </a:blip>
+          <a:srcRect/>
+          <a:stretch>
+            <a:fillRect/>
+          </a:stretch>
+        </p:blipFill>
+        <p:spPr bwMode="auto">
+          <a:xfrm>
+            <a:off x="3536884" y="727902"/>
+            <a:ext cx="4118701" cy="3798125"/>
+          </a:xfrm>
+          <a:prstGeom prst="rect">
+            <a:avLst/>
+          </a:prstGeom>
+          <a:noFill/>
+          <a:ln>
+            <a:noFill/>
+          </a:ln>
+          <a:effectLst/>
+          <a:extLst>
+            <a:ext uri="{909E8E84-426E-40DD-AFC4-6F175D3DCCD1}">
+              <a14:hiddenFill xmlns:a14="http://schemas.microsoft.com/office/drawing/2010/main">
+                <a:solidFill>
+                  <a:schemeClr val="accent1"/>
+                </a:solidFill>
+              </a14:hiddenFill>
+            </a:ext>
+            <a:ext uri="{91240B29-F687-4F45-9708-019B960494DF}">
+              <a14:hiddenLine xmlns:a14="http://schemas.microsoft.com/office/drawing/2010/main" w="9525">
+                <a:solidFill>
+                  <a:schemeClr val="tx1"/>
+                </a:solidFill>
+                <a:miter lim="800000"/>
+                <a:headEnd/>
+                <a:tailEnd/>
+              </a14:hiddenLine>
+            </a:ext>
+            <a:ext uri="{AF507438-7753-43E0-B8FC-AC1667EBCBE1}">
+              <a14:hiddenEffects xmlns:a14="http://schemas.microsoft.com/office/drawing/2010/main">
+                <a:effectLst>
+                  <a:outerShdw dist="35921" dir="2700000" algn="ctr" rotWithShape="0">
+                    <a:schemeClr val="bg2"/>
+                  </a:outerShdw>
+                </a:effectLst>
+              </a14:hiddenEffects>
+            </a:ext>
+          </a:extLst>
+        </p:spPr>
+      </p:pic>
+    </p:spTree>
+    <p:extLst>
+      <p:ext uri="{BB962C8B-B14F-4D97-AF65-F5344CB8AC3E}">
+        <p14:creationId xmlns:p14="http://schemas.microsoft.com/office/powerpoint/2010/main" val="4070706018"/>
       </p:ext>
     </p:extLst>
   </p:cSld>
@@ -39182,7 +39451,7 @@
   <a:extraClrSchemeLst/>
   <a:extLst>
     <a:ext uri="{05A4C25C-085E-4340-85A3-A5531E510DB2}">
-      <thm15:themeFamily xmlns:thm15="http://schemas.microsoft.com/office/thememl/2012/main" xmlns="" name="Office Theme" id="{62F939B6-93AF-4DB8-9C6B-D6C7DFDC589F}" vid="{4A3C46E8-61CC-4603-A589-7422A47A8E4A}"/>
+      <thm15:themeFamily xmlns="" xmlns:thm15="http://schemas.microsoft.com/office/thememl/2012/main" name="Office Theme" id="{62F939B6-93AF-4DB8-9C6B-D6C7DFDC589F}" vid="{4A3C46E8-61CC-4603-A589-7422A47A8E4A}"/>
     </a:ext>
   </a:extLst>
 </a:theme>
